--- a/PPTs/02 CSRF & Friends.pptx
+++ b/PPTs/02 CSRF & Friends.pptx
@@ -233,7 +233,7 @@
             <a:fld id="{4991502B-FFA8-47B9-B4E5-980CA415BAFF}" type="datetimeFigureOut">
               <a:rPr lang="en-US" smtClean="0"/>
               <a:pPr/>
-              <a:t>7/8/2017</a:t>
+              <a:t>7/9/2017</a:t>
             </a:fld>
             <a:endParaRPr lang="en-US"/>
           </a:p>
@@ -914,7 +914,7 @@
           <a:p>
             <a:r>
               <a:rPr lang="en-US"/>
-              <a:t>© 2016 Ori Calvo</a:t>
+              <a:t>© 2017 Ori Calvo</a:t>
             </a:r>
           </a:p>
         </p:txBody>
@@ -1092,7 +1092,7 @@
           <a:p>
             <a:r>
               <a:rPr lang="en-US"/>
-              <a:t>© 2016 Ori Calvo</a:t>
+              <a:t>© 2017 Ori Calvo</a:t>
             </a:r>
           </a:p>
         </p:txBody>
@@ -1282,7 +1282,7 @@
           <a:p>
             <a:r>
               <a:rPr lang="en-US"/>
-              <a:t>© 2016 Ori Calvo</a:t>
+              <a:t>© 2017 Ori Calvo</a:t>
             </a:r>
           </a:p>
         </p:txBody>
@@ -1530,7 +1530,7 @@
           <a:p>
             <a:r>
               <a:rPr lang="en-US"/>
-              <a:t>© 2016 Ori Calvo</a:t>
+              <a:t>© 2017 Ori Calvo</a:t>
             </a:r>
             <a:endParaRPr lang="en-US" dirty="0"/>
           </a:p>
@@ -1751,6 +1751,45 @@
           </a:p>
         </p:txBody>
       </p:sp>
+      <p:pic>
+        <p:nvPicPr>
+          <p:cNvPr id="9" name="Graphic 8">
+            <a:extLst>
+              <a:ext uri="{FF2B5EF4-FFF2-40B4-BE49-F238E27FC236}">
+                <a16:creationId xmlns:a16="http://schemas.microsoft.com/office/drawing/2014/main" id="{1209C019-2490-4270-A0D8-60F9F5018081}"/>
+              </a:ext>
+            </a:extLst>
+          </p:cNvPr>
+          <p:cNvPicPr>
+            <a:picLocks noChangeAspect="1"/>
+          </p:cNvPicPr>
+          <p:nvPr userDrawn="1"/>
+        </p:nvPicPr>
+        <p:blipFill>
+          <a:blip r:embed="rId2" cstate="print">
+            <a:extLst>
+              <a:ext uri="{28A0092B-C50C-407E-A947-70E740481C1C}">
+                <a14:useLocalDpi xmlns:a14="http://schemas.microsoft.com/office/drawing/2010/main" val="0"/>
+              </a:ext>
+              <a:ext uri="{96DAC541-7B7A-43D3-8B79-37D633B846F1}">
+                <asvg:svgBlip xmlns:asvg="http://schemas.microsoft.com/office/drawing/2016/SVG/main" r:embed="rId3"/>
+              </a:ext>
+            </a:extLst>
+          </a:blip>
+          <a:stretch>
+            <a:fillRect/>
+          </a:stretch>
+        </p:blipFill>
+        <p:spPr>
+          <a:xfrm>
+            <a:off x="107504" y="6446934"/>
+            <a:ext cx="2145059" cy="316851"/>
+          </a:xfrm>
+          <a:prstGeom prst="rect">
+            <a:avLst/>
+          </a:prstGeom>
+        </p:spPr>
+      </p:pic>
     </p:spTree>
   </p:cSld>
   <p:clrMapOvr>
@@ -2112,7 +2151,7 @@
           <a:p>
             <a:r>
               <a:rPr lang="en-US"/>
-              <a:t>© 2016 Ori Calvo</a:t>
+              <a:t>© 2017 Ori Calvo</a:t>
             </a:r>
           </a:p>
         </p:txBody>
@@ -2339,7 +2378,7 @@
           <a:p>
             <a:r>
               <a:rPr lang="en-US"/>
-              <a:t>© 2016 Ori Calvo</a:t>
+              <a:t>© 2017 Ori Calvo</a:t>
             </a:r>
           </a:p>
         </p:txBody>
@@ -2575,7 +2614,7 @@
           <a:p>
             <a:r>
               <a:rPr lang="en-US"/>
-              <a:t>© 2016 Ori Calvo</a:t>
+              <a:t>© 2017 Ori Calvo</a:t>
             </a:r>
           </a:p>
         </p:txBody>
@@ -2746,7 +2785,7 @@
           <a:p>
             <a:r>
               <a:rPr lang="en-US"/>
-              <a:t>© 2016 Ori Calvo</a:t>
+              <a:t>© 2017 Ori Calvo</a:t>
             </a:r>
           </a:p>
         </p:txBody>
@@ -2844,7 +2883,7 @@
           <a:p>
             <a:r>
               <a:rPr lang="en-US"/>
-              <a:t>© 2016 Ori Calvo</a:t>
+              <a:t>© 2017 Ori Calvo</a:t>
             </a:r>
           </a:p>
         </p:txBody>
@@ -2980,7 +3019,7 @@
           <a:p>
             <a:r>
               <a:rPr lang="en-US"/>
-              <a:t>© 2016 Ori Calvo</a:t>
+              <a:t>© 2017 Ori Calvo</a:t>
             </a:r>
           </a:p>
         </p:txBody>
@@ -3536,7 +3575,7 @@
           <a:p>
             <a:r>
               <a:rPr lang="en-US"/>
-              <a:t>© 2016 Ori Calvo</a:t>
+              <a:t>© 2017 Ori Calvo</a:t>
             </a:r>
           </a:p>
         </p:txBody>
@@ -3775,7 +3814,7 @@
           <a:p>
             <a:r>
               <a:rPr lang="en-US"/>
-              <a:t>© 2016 Ori Calvo</a:t>
+              <a:t>© 2017 Ori Calvo</a:t>
             </a:r>
             <a:endParaRPr lang="en-US" dirty="0"/>
           </a:p>
@@ -4304,10 +4343,9 @@
           <a:lstStyle/>
           <a:p>
             <a:r>
-              <a:rPr lang="en-US" sz="4800" dirty="0" smtClean="0"/>
+              <a:rPr lang="en-US" sz="4800" dirty="0"/>
               <a:t>CSRF &amp; Friends</a:t>
             </a:r>
-            <a:endParaRPr lang="en-US" sz="4800" dirty="0"/>
           </a:p>
         </p:txBody>
       </p:sp>
@@ -4395,10 +4433,9 @@
           <a:lstStyle/>
           <a:p>
             <a:r>
-              <a:rPr lang="en-US" dirty="0" smtClean="0"/>
+              <a:rPr lang="en-US" dirty="0"/>
               <a:t>DEMO – CSRF Protection</a:t>
             </a:r>
-            <a:endParaRPr lang="en-US" dirty="0"/>
           </a:p>
         </p:txBody>
       </p:sp>
@@ -4418,8 +4455,8 @@
           <a:lstStyle/>
           <a:p>
             <a:r>
-              <a:rPr lang="en-US" smtClean="0"/>
-              <a:t>© 2016 Ori Calvo</a:t>
+              <a:rPr lang="en-US"/>
+              <a:t>© 2017 Ori Calvo</a:t>
             </a:r>
             <a:endParaRPr lang="en-US" dirty="0"/>
           </a:p>
@@ -4467,16 +4504,15 @@
           <a:lstStyle/>
           <a:p>
             <a:r>
-              <a:rPr lang="en-US" dirty="0" smtClean="0"/>
+              <a:rPr lang="en-US" dirty="0"/>
               <a:t>Add HTTP header for every request</a:t>
             </a:r>
           </a:p>
           <a:p>
             <a:r>
-              <a:rPr lang="en-US" dirty="0" smtClean="0"/>
+              <a:rPr lang="en-US" dirty="0"/>
               <a:t>Verify cookie against header</a:t>
             </a:r>
-            <a:endParaRPr lang="en-US" dirty="0"/>
           </a:p>
         </p:txBody>
       </p:sp>
@@ -4526,10 +4562,9 @@
           <a:lstStyle/>
           <a:p>
             <a:r>
-              <a:rPr lang="en-US" dirty="0" smtClean="0"/>
+              <a:rPr lang="en-US" dirty="0"/>
               <a:t>Same Origin Policy</a:t>
             </a:r>
-            <a:endParaRPr lang="en-US" dirty="0"/>
           </a:p>
         </p:txBody>
       </p:sp>
@@ -4549,8 +4584,8 @@
           <a:lstStyle/>
           <a:p>
             <a:r>
-              <a:rPr lang="en-US" smtClean="0"/>
-              <a:t>© 2016 Ori Calvo</a:t>
+              <a:rPr lang="en-US"/>
+              <a:t>© 2017 Ori Calvo</a:t>
             </a:r>
             <a:endParaRPr lang="en-US" dirty="0"/>
           </a:p>
@@ -4600,84 +4635,70 @@
           <a:lstStyle/>
           <a:p>
             <a:r>
-              <a:rPr lang="en-US" dirty="0" smtClean="0"/>
+              <a:rPr lang="en-US" dirty="0"/>
               <a:t>AJAX request sent to different domain is prohibited</a:t>
             </a:r>
           </a:p>
           <a:p>
             <a:pPr lvl="1"/>
             <a:r>
-              <a:rPr lang="en-US" dirty="0" smtClean="0"/>
+              <a:rPr lang="en-US" dirty="0"/>
               <a:t>To prevent CSRF</a:t>
             </a:r>
-            <a:endParaRPr lang="en-US" dirty="0" smtClean="0"/>
-          </a:p>
-          <a:p>
-            <a:r>
-              <a:rPr lang="en-US" dirty="0" smtClean="0"/>
-              <a:t>The following is considered different </a:t>
-            </a:r>
-            <a:r>
-              <a:rPr lang="en-US" dirty="0" smtClean="0"/>
-              <a:t>origin</a:t>
-            </a:r>
-            <a:endParaRPr lang="en-US" dirty="0" smtClean="0"/>
+          </a:p>
+          <a:p>
+            <a:r>
+              <a:rPr lang="en-US" dirty="0"/>
+              <a:t>The following is considered different origin</a:t>
+            </a:r>
           </a:p>
           <a:p>
             <a:pPr lvl="1"/>
             <a:r>
-              <a:rPr lang="en-US" b="1" dirty="0" smtClean="0"/>
+              <a:rPr lang="en-US" b="1" dirty="0"/>
               <a:t>Schema</a:t>
             </a:r>
             <a:r>
-              <a:rPr lang="en-US" dirty="0" smtClean="0"/>
+              <a:rPr lang="en-US" dirty="0"/>
               <a:t> - http vs. https</a:t>
             </a:r>
           </a:p>
           <a:p>
             <a:pPr lvl="1"/>
             <a:r>
-              <a:rPr lang="en-US" b="1" dirty="0" smtClean="0"/>
+              <a:rPr lang="en-US" b="1" dirty="0"/>
               <a:t>Host</a:t>
             </a:r>
             <a:r>
-              <a:rPr lang="en-US" dirty="0" smtClean="0"/>
+              <a:rPr lang="en-US" dirty="0"/>
               <a:t> – g.com vs. goole.com</a:t>
             </a:r>
           </a:p>
           <a:p>
             <a:pPr lvl="1"/>
             <a:r>
-              <a:rPr lang="en-US" b="1" dirty="0" smtClean="0"/>
+              <a:rPr lang="en-US" b="1" dirty="0"/>
               <a:t>Port</a:t>
             </a:r>
             <a:r>
-              <a:rPr lang="en-US" dirty="0" smtClean="0"/>
+              <a:rPr lang="en-US" dirty="0"/>
               <a:t> – http://localhost:123 vs. http:/localhost:124</a:t>
             </a:r>
           </a:p>
           <a:p>
             <a:r>
-              <a:rPr lang="en-US" dirty="0" smtClean="0"/>
-              <a:t>This means that one web </a:t>
-            </a:r>
-            <a:r>
-              <a:rPr lang="en-US" dirty="0"/>
-              <a:t>s</a:t>
-            </a:r>
-            <a:r>
-              <a:rPr lang="en-US" dirty="0" smtClean="0"/>
-              <a:t>ite cannot share its data with other web sites</a:t>
+              <a:rPr lang="en-US" dirty="0"/>
+              <a:t>This means that one web site cannot share its data with other web sites</a:t>
             </a:r>
           </a:p>
           <a:p>
             <a:pPr lvl="1"/>
             <a:r>
-              <a:rPr lang="en-US" dirty="0" smtClean="0"/>
+              <a:rPr lang="en-US" dirty="0"/>
               <a:t>For example, Twitter would like any site to get a list of the 10 latest most popular </a:t>
             </a:r>
             <a:r>
-              <a:rPr lang="en-US" dirty="0" err="1" smtClean="0"/>
+              <a:rPr lang="en-US" dirty="0" err="1"/>
               <a:t>twitts</a:t>
             </a:r>
             <a:endParaRPr lang="en-US" dirty="0"/>
@@ -4694,13 +4715,6 @@
   <p:clrMapOvr>
     <a:masterClrMapping/>
   </p:clrMapOvr>
-  <p:timing>
-    <p:tnLst>
-      <p:par>
-        <p:cTn id="1" dur="indefinite" restart="never" nodeType="tmRoot"/>
-      </p:par>
-    </p:tnLst>
-  </p:timing>
 </p:sld>
 </file>
 
@@ -4737,10 +4751,9 @@
           <a:lstStyle/>
           <a:p>
             <a:r>
-              <a:rPr lang="en-US" dirty="0" smtClean="0"/>
+              <a:rPr lang="en-US" dirty="0"/>
               <a:t>Same Origin Policy</a:t>
             </a:r>
-            <a:endParaRPr lang="en-US" dirty="0"/>
           </a:p>
         </p:txBody>
       </p:sp>
@@ -4760,8 +4773,8 @@
           <a:lstStyle/>
           <a:p>
             <a:r>
-              <a:rPr lang="en-US" smtClean="0"/>
-              <a:t>© 2016 Ori Calvo</a:t>
+              <a:rPr lang="en-US"/>
+              <a:t>© 2017 Ori Calvo</a:t>
             </a:r>
             <a:endParaRPr lang="en-US" dirty="0"/>
           </a:p>
@@ -4809,28 +4822,27 @@
           <a:lstStyle/>
           <a:p>
             <a:r>
-              <a:rPr lang="en-US" dirty="0" smtClean="0"/>
+              <a:rPr lang="en-US" dirty="0"/>
               <a:t>This policy prevent sharing data easily between different sites</a:t>
             </a:r>
           </a:p>
           <a:p>
             <a:r>
-              <a:rPr lang="en-US" dirty="0" smtClean="0"/>
+              <a:rPr lang="en-US" dirty="0"/>
               <a:t>Think about Twitter</a:t>
             </a:r>
           </a:p>
           <a:p>
             <a:r>
-              <a:rPr lang="en-US" dirty="0" smtClean="0"/>
+              <a:rPr lang="en-US" dirty="0"/>
               <a:t>It want to share the top 10 most popular twits with any site</a:t>
             </a:r>
           </a:p>
           <a:p>
             <a:r>
-              <a:rPr lang="en-US" dirty="0" smtClean="0"/>
+              <a:rPr lang="en-US" dirty="0"/>
               <a:t>How can we bypass this policy ?</a:t>
             </a:r>
-            <a:endParaRPr lang="en-US" dirty="0"/>
           </a:p>
         </p:txBody>
       </p:sp>
@@ -4880,10 +4892,9 @@
           <a:lstStyle/>
           <a:p>
             <a:r>
-              <a:rPr lang="en-US" dirty="0" smtClean="0"/>
+              <a:rPr lang="en-US" dirty="0"/>
               <a:t>Server as a Proxy</a:t>
             </a:r>
-            <a:endParaRPr lang="en-US" dirty="0"/>
           </a:p>
         </p:txBody>
       </p:sp>
@@ -4903,8 +4914,8 @@
           <a:lstStyle/>
           <a:p>
             <a:r>
-              <a:rPr lang="en-US" smtClean="0"/>
-              <a:t>© 2016 Ori Calvo</a:t>
+              <a:rPr lang="en-US"/>
+              <a:t>© 2017 Ori Calvo</a:t>
             </a:r>
             <a:endParaRPr lang="en-US" dirty="0"/>
           </a:p>
@@ -4952,28 +4963,27 @@
           <a:lstStyle/>
           <a:p>
             <a:r>
-              <a:rPr lang="en-US" dirty="0" smtClean="0"/>
+              <a:rPr lang="en-US" dirty="0"/>
               <a:t>Same origin policy is enforced by browsers</a:t>
             </a:r>
           </a:p>
           <a:p>
             <a:r>
-              <a:rPr lang="en-US" dirty="0" smtClean="0"/>
+              <a:rPr lang="en-US" dirty="0"/>
               <a:t>Communicating with Twitter can move to the server</a:t>
             </a:r>
           </a:p>
           <a:p>
             <a:r>
-              <a:rPr lang="en-US" dirty="0" smtClean="0"/>
+              <a:rPr lang="en-US" dirty="0"/>
               <a:t>Server is allowed to send request to any origin</a:t>
             </a:r>
           </a:p>
           <a:p>
             <a:r>
-              <a:rPr lang="en-US" dirty="0" smtClean="0"/>
+              <a:rPr lang="en-US" dirty="0"/>
               <a:t>However, user identity is lost</a:t>
             </a:r>
-            <a:endParaRPr lang="en-US" dirty="0"/>
           </a:p>
         </p:txBody>
       </p:sp>
@@ -5023,10 +5033,9 @@
           <a:lstStyle/>
           <a:p>
             <a:r>
-              <a:rPr lang="en-US" dirty="0" smtClean="0"/>
+              <a:rPr lang="en-US" dirty="0"/>
               <a:t>JSONP</a:t>
             </a:r>
-            <a:endParaRPr lang="en-US" dirty="0"/>
           </a:p>
         </p:txBody>
       </p:sp>
@@ -5046,8 +5055,8 @@
           <a:lstStyle/>
           <a:p>
             <a:r>
-              <a:rPr lang="en-US" smtClean="0"/>
-              <a:t>© 2016 Ori Calvo</a:t>
+              <a:rPr lang="en-US"/>
+              <a:t>© 2017 Ori Calvo</a:t>
             </a:r>
             <a:endParaRPr lang="en-US" dirty="0"/>
           </a:p>
@@ -5102,33 +5111,33 @@
           <a:lstStyle/>
           <a:p>
             <a:r>
-              <a:rPr lang="en-US" dirty="0" smtClean="0"/>
+              <a:rPr lang="en-US" dirty="0"/>
               <a:t>A technique to overcome the same origin policy limitation</a:t>
             </a:r>
           </a:p>
           <a:p>
             <a:r>
-              <a:rPr lang="en-US" dirty="0" smtClean="0"/>
+              <a:rPr lang="en-US" dirty="0"/>
               <a:t>It involves both server and client side modification</a:t>
             </a:r>
           </a:p>
           <a:p>
             <a:r>
-              <a:rPr lang="en-US" dirty="0" smtClean="0"/>
+              <a:rPr lang="en-US" dirty="0"/>
               <a:t>Server</a:t>
             </a:r>
           </a:p>
           <a:p>
             <a:pPr lvl="1"/>
             <a:r>
-              <a:rPr lang="en-US" dirty="0" smtClean="0"/>
+              <a:rPr lang="en-US" dirty="0"/>
               <a:t>Instead of JSON string</a:t>
             </a:r>
           </a:p>
           <a:p>
             <a:pPr lvl="1"/>
             <a:r>
-              <a:rPr lang="en-US" dirty="0" smtClean="0"/>
+              <a:rPr lang="en-US" dirty="0"/>
               <a:t>Returns a JavaScript code which call an arbitrary method and passes the relevant JSON string</a:t>
             </a:r>
           </a:p>
@@ -5139,7 +5148,7 @@
           <a:p>
             <a:pPr lvl="1"/>
             <a:r>
-              <a:rPr lang="en-US" dirty="0" smtClean="0"/>
+              <a:rPr lang="en-US" dirty="0"/>
               <a:t>The name of the method can be specified by the client </a:t>
             </a:r>
           </a:p>
@@ -5204,7 +5213,7 @@
               <a:tabLst/>
             </a:pPr>
             <a:r>
-              <a:rPr kumimoji="0" lang="en-US" altLang="en-US" b="0" i="0" u="none" strike="noStrike" cap="none" normalizeH="0" baseline="0" dirty="0" err="1" smtClean="0">
+              <a:rPr kumimoji="0" lang="en-US" altLang="en-US" b="0" i="0" u="none" strike="noStrike" cap="none" normalizeH="0" baseline="0" dirty="0" err="1">
                 <a:ln>
                   <a:noFill/>
                 </a:ln>
@@ -5217,7 +5226,7 @@
               <a:t>clientMethod</a:t>
             </a:r>
             <a:r>
-              <a:rPr kumimoji="0" lang="en-US" altLang="en-US" b="0" i="0" u="none" strike="noStrike" cap="none" normalizeH="0" baseline="0" dirty="0" smtClean="0">
+              <a:rPr kumimoji="0" lang="en-US" altLang="en-US" b="0" i="0" u="none" strike="noStrike" cap="none" normalizeH="0" baseline="0" dirty="0">
                 <a:ln>
                   <a:noFill/>
                 </a:ln>
@@ -5230,7 +5239,7 @@
               <a:t>(</a:t>
             </a:r>
             <a:r>
-              <a:rPr kumimoji="0" lang="en-US" altLang="en-US" b="0" i="0" u="none" strike="noStrike" cap="none" normalizeH="0" baseline="0" dirty="0" smtClean="0">
+              <a:rPr kumimoji="0" lang="en-US" altLang="en-US" b="0" i="0" u="none" strike="noStrike" cap="none" normalizeH="0" baseline="0" dirty="0">
                 <a:ln>
                   <a:noFill/>
                 </a:ln>
@@ -5243,7 +5252,7 @@
               <a:t>{"id": 1, "name": "Ori"}</a:t>
             </a:r>
             <a:r>
-              <a:rPr kumimoji="0" lang="en-US" altLang="en-US" b="0" i="0" u="none" strike="noStrike" cap="none" normalizeH="0" baseline="0" dirty="0" smtClean="0">
+              <a:rPr kumimoji="0" lang="en-US" altLang="en-US" b="0" i="0" u="none" strike="noStrike" cap="none" normalizeH="0" baseline="0" dirty="0">
                 <a:ln>
                   <a:noFill/>
                 </a:ln>
@@ -5255,7 +5264,7 @@
               </a:rPr>
               <a:t>); </a:t>
             </a:r>
-            <a:endParaRPr kumimoji="0" lang="en-US" altLang="en-US" b="0" i="0" u="none" strike="noStrike" cap="none" normalizeH="0" baseline="0" dirty="0" smtClean="0">
+            <a:endParaRPr kumimoji="0" lang="en-US" altLang="en-US" b="0" i="0" u="none" strike="noStrike" cap="none" normalizeH="0" baseline="0" dirty="0">
               <a:ln>
                 <a:noFill/>
               </a:ln>
@@ -5393,13 +5402,6 @@
   <p:clrMapOvr>
     <a:masterClrMapping/>
   </p:clrMapOvr>
-  <p:timing>
-    <p:tnLst>
-      <p:par>
-        <p:cTn id="1" dur="indefinite" restart="never" nodeType="tmRoot"/>
-      </p:par>
-    </p:tnLst>
-  </p:timing>
 </p:sld>
 </file>
 
@@ -5436,10 +5438,9 @@
           <a:lstStyle/>
           <a:p>
             <a:r>
-              <a:rPr lang="en-US" dirty="0" smtClean="0"/>
+              <a:rPr lang="en-US" dirty="0"/>
               <a:t>JSONP - Client</a:t>
             </a:r>
-            <a:endParaRPr lang="en-US" dirty="0"/>
           </a:p>
         </p:txBody>
       </p:sp>
@@ -5459,8 +5460,8 @@
           <a:lstStyle/>
           <a:p>
             <a:r>
-              <a:rPr lang="en-US" smtClean="0"/>
-              <a:t>© 2016 Ori Calvo</a:t>
+              <a:rPr lang="en-US"/>
+              <a:t>© 2017 Ori Calvo</a:t>
             </a:r>
             <a:endParaRPr lang="en-US" dirty="0"/>
           </a:p>
@@ -5508,39 +5509,38 @@
           <a:lstStyle/>
           <a:p>
             <a:r>
-              <a:rPr lang="en-US" dirty="0" smtClean="0"/>
+              <a:rPr lang="en-US" dirty="0"/>
               <a:t>Dynamically appends script tag into the HTML</a:t>
             </a:r>
           </a:p>
           <a:p>
             <a:pPr lvl="1"/>
             <a:r>
-              <a:rPr lang="en-US" dirty="0" err="1" smtClean="0"/>
+              <a:rPr lang="en-US" dirty="0" err="1"/>
               <a:t>src</a:t>
             </a:r>
             <a:r>
-              <a:rPr lang="en-US" dirty="0" smtClean="0"/>
+              <a:rPr lang="en-US" dirty="0"/>
               <a:t> attribute should point to the server side URL which returns the JSONP content</a:t>
             </a:r>
           </a:p>
           <a:p>
             <a:r>
-              <a:rPr lang="en-US" dirty="0" smtClean="0"/>
+              <a:rPr lang="en-US" dirty="0"/>
               <a:t>The browser downloads the script and executes it</a:t>
             </a:r>
           </a:p>
           <a:p>
             <a:r>
-              <a:rPr lang="en-US" dirty="0" smtClean="0"/>
+              <a:rPr lang="en-US" dirty="0"/>
               <a:t>Need to remove the script tag</a:t>
             </a:r>
           </a:p>
           <a:p>
             <a:r>
-              <a:rPr lang="en-US" dirty="0" smtClean="0"/>
+              <a:rPr lang="en-US" dirty="0"/>
               <a:t>Error handling it tricky</a:t>
             </a:r>
-            <a:endParaRPr lang="en-US" dirty="0"/>
           </a:p>
         </p:txBody>
       </p:sp>
@@ -5603,7 +5603,7 @@
               <a:tabLst/>
             </a:pPr>
             <a:r>
-              <a:rPr kumimoji="0" lang="en-US" altLang="en-US" b="0" i="0" u="none" strike="noStrike" cap="none" normalizeH="0" baseline="0" dirty="0" smtClean="0">
+              <a:rPr kumimoji="0" lang="en-US" altLang="en-US" b="0" i="0" u="none" strike="noStrike" cap="none" normalizeH="0" baseline="0" dirty="0">
                 <a:ln>
                   <a:noFill/>
                 </a:ln>
@@ -5616,7 +5616,7 @@
               <a:t>$(</a:t>
             </a:r>
             <a:r>
-              <a:rPr kumimoji="0" lang="en-US" altLang="en-US" b="0" i="0" u="none" strike="noStrike" cap="none" normalizeH="0" baseline="0" dirty="0" smtClean="0">
+              <a:rPr kumimoji="0" lang="en-US" altLang="en-US" b="0" i="0" u="none" strike="noStrike" cap="none" normalizeH="0" baseline="0" dirty="0">
                 <a:ln>
                   <a:noFill/>
                 </a:ln>
@@ -5629,7 +5629,7 @@
               <a:t>"head"</a:t>
             </a:r>
             <a:r>
-              <a:rPr kumimoji="0" lang="en-US" altLang="en-US" b="0" i="0" u="none" strike="noStrike" cap="none" normalizeH="0" baseline="0" dirty="0" smtClean="0">
+              <a:rPr kumimoji="0" lang="en-US" altLang="en-US" b="0" i="0" u="none" strike="noStrike" cap="none" normalizeH="0" baseline="0" dirty="0">
                 <a:ln>
                   <a:noFill/>
                 </a:ln>
@@ -5642,7 +5642,7 @@
               <a:t>).append(</a:t>
             </a:r>
             <a:r>
-              <a:rPr kumimoji="0" lang="en-US" altLang="en-US" b="0" i="0" u="none" strike="noStrike" cap="none" normalizeH="0" baseline="0" dirty="0" smtClean="0">
+              <a:rPr kumimoji="0" lang="en-US" altLang="en-US" b="0" i="0" u="none" strike="noStrike" cap="none" normalizeH="0" baseline="0" dirty="0">
                 <a:ln>
                   <a:noFill/>
                 </a:ln>
@@ -5655,7 +5655,7 @@
               <a:t>'&lt;script </a:t>
             </a:r>
             <a:r>
-              <a:rPr kumimoji="0" lang="en-US" altLang="en-US" b="0" i="0" u="none" strike="noStrike" cap="none" normalizeH="0" baseline="0" dirty="0" err="1" smtClean="0">
+              <a:rPr kumimoji="0" lang="en-US" altLang="en-US" b="0" i="0" u="none" strike="noStrike" cap="none" normalizeH="0" baseline="0" dirty="0" err="1">
                 <a:ln>
                   <a:noFill/>
                 </a:ln>
@@ -5668,7 +5668,7 @@
               <a:t>src</a:t>
             </a:r>
             <a:r>
-              <a:rPr kumimoji="0" lang="en-US" altLang="en-US" b="0" i="0" u="none" strike="noStrike" cap="none" normalizeH="0" baseline="0" dirty="0" smtClean="0">
+              <a:rPr kumimoji="0" lang="en-US" altLang="en-US" b="0" i="0" u="none" strike="noStrike" cap="none" normalizeH="0" baseline="0" dirty="0">
                 <a:ln>
                   <a:noFill/>
                 </a:ln>
@@ -5681,7 +5681,7 @@
               <a:t>="/Home/Get" /&gt;'</a:t>
             </a:r>
             <a:r>
-              <a:rPr kumimoji="0" lang="en-US" altLang="en-US" b="0" i="0" u="none" strike="noStrike" cap="none" normalizeH="0" baseline="0" dirty="0" smtClean="0">
+              <a:rPr kumimoji="0" lang="en-US" altLang="en-US" b="0" i="0" u="none" strike="noStrike" cap="none" normalizeH="0" baseline="0" dirty="0">
                 <a:ln>
                   <a:noFill/>
                 </a:ln>
@@ -5736,7 +5736,7 @@
               <a:tabLst/>
             </a:pPr>
             <a:r>
-              <a:rPr kumimoji="0" lang="en-US" altLang="en-US" b="0" i="0" u="none" strike="noStrike" cap="none" normalizeH="0" baseline="0" dirty="0" smtClean="0">
+              <a:rPr kumimoji="0" lang="en-US" altLang="en-US" b="0" i="0" u="none" strike="noStrike" cap="none" normalizeH="0" baseline="0" dirty="0">
                 <a:ln>
                   <a:noFill/>
                 </a:ln>
@@ -5749,7 +5749,7 @@
               <a:t>function</a:t>
             </a:r>
             <a:r>
-              <a:rPr kumimoji="0" lang="en-US" altLang="en-US" b="0" i="0" u="none" strike="noStrike" cap="none" normalizeH="0" baseline="0" dirty="0" smtClean="0">
+              <a:rPr kumimoji="0" lang="en-US" altLang="en-US" b="0" i="0" u="none" strike="noStrike" cap="none" normalizeH="0" baseline="0" dirty="0">
                 <a:ln>
                   <a:noFill/>
                 </a:ln>
@@ -5762,7 +5762,7 @@
               <a:t> </a:t>
             </a:r>
             <a:r>
-              <a:rPr kumimoji="0" lang="en-US" altLang="en-US" b="0" i="0" u="none" strike="noStrike" cap="none" normalizeH="0" baseline="0" dirty="0" err="1" smtClean="0">
+              <a:rPr kumimoji="0" lang="en-US" altLang="en-US" b="0" i="0" u="none" strike="noStrike" cap="none" normalizeH="0" baseline="0" dirty="0" err="1">
                 <a:ln>
                   <a:noFill/>
                 </a:ln>
@@ -5775,7 +5775,7 @@
               <a:t>clientMethod</a:t>
             </a:r>
             <a:r>
-              <a:rPr kumimoji="0" lang="en-US" altLang="en-US" b="0" i="0" u="none" strike="noStrike" cap="none" normalizeH="0" baseline="0" dirty="0" smtClean="0">
+              <a:rPr kumimoji="0" lang="en-US" altLang="en-US" b="0" i="0" u="none" strike="noStrike" cap="none" normalizeH="0" baseline="0" dirty="0">
                 <a:ln>
                   <a:noFill/>
                 </a:ln>
@@ -5788,7 +5788,7 @@
               <a:t>(</a:t>
             </a:r>
             <a:r>
-              <a:rPr kumimoji="0" lang="en-US" altLang="en-US" b="0" i="0" u="none" strike="noStrike" cap="none" normalizeH="0" baseline="0" dirty="0" err="1" smtClean="0">
+              <a:rPr kumimoji="0" lang="en-US" altLang="en-US" b="0" i="0" u="none" strike="noStrike" cap="none" normalizeH="0" baseline="0" dirty="0" err="1">
                 <a:ln>
                   <a:noFill/>
                 </a:ln>
@@ -5801,7 +5801,7 @@
               <a:t>str</a:t>
             </a:r>
             <a:r>
-              <a:rPr kumimoji="0" lang="en-US" altLang="en-US" b="0" i="0" u="none" strike="noStrike" cap="none" normalizeH="0" baseline="0" dirty="0" smtClean="0">
+              <a:rPr kumimoji="0" lang="en-US" altLang="en-US" b="0" i="0" u="none" strike="noStrike" cap="none" normalizeH="0" baseline="0" dirty="0">
                 <a:ln>
                   <a:noFill/>
                 </a:ln>
@@ -5832,7 +5832,7 @@
               <a:tabLst/>
             </a:pPr>
             <a:r>
-              <a:rPr kumimoji="0" lang="en-US" altLang="en-US" b="0" i="0" u="none" strike="noStrike" cap="none" normalizeH="0" baseline="0" dirty="0" smtClean="0">
+              <a:rPr kumimoji="0" lang="en-US" altLang="en-US" b="0" i="0" u="none" strike="noStrike" cap="none" normalizeH="0" baseline="0" dirty="0">
                 <a:ln>
                   <a:noFill/>
                 </a:ln>
@@ -5845,7 +5845,7 @@
               <a:t>     console.log(</a:t>
             </a:r>
             <a:r>
-              <a:rPr kumimoji="0" lang="en-US" altLang="en-US" b="0" i="0" u="none" strike="noStrike" cap="none" normalizeH="0" baseline="0" dirty="0" err="1" smtClean="0">
+              <a:rPr kumimoji="0" lang="en-US" altLang="en-US" b="0" i="0" u="none" strike="noStrike" cap="none" normalizeH="0" baseline="0" dirty="0" err="1">
                 <a:ln>
                   <a:noFill/>
                 </a:ln>
@@ -5858,7 +5858,7 @@
               <a:t>JSON.parse</a:t>
             </a:r>
             <a:r>
-              <a:rPr kumimoji="0" lang="en-US" altLang="en-US" b="0" i="0" u="none" strike="noStrike" cap="none" normalizeH="0" baseline="0" dirty="0" smtClean="0">
+              <a:rPr kumimoji="0" lang="en-US" altLang="en-US" b="0" i="0" u="none" strike="noStrike" cap="none" normalizeH="0" baseline="0" dirty="0">
                 <a:ln>
                   <a:noFill/>
                 </a:ln>
@@ -5871,7 +5871,7 @@
               <a:t>(</a:t>
             </a:r>
             <a:r>
-              <a:rPr kumimoji="0" lang="en-US" altLang="en-US" b="0" i="0" u="none" strike="noStrike" cap="none" normalizeH="0" baseline="0" dirty="0" err="1" smtClean="0">
+              <a:rPr kumimoji="0" lang="en-US" altLang="en-US" b="0" i="0" u="none" strike="noStrike" cap="none" normalizeH="0" baseline="0" dirty="0" err="1">
                 <a:ln>
                   <a:noFill/>
                 </a:ln>
@@ -5884,7 +5884,7 @@
               <a:t>str</a:t>
             </a:r>
             <a:r>
-              <a:rPr kumimoji="0" lang="en-US" altLang="en-US" b="0" i="0" u="none" strike="noStrike" cap="none" normalizeH="0" baseline="0" dirty="0" smtClean="0">
+              <a:rPr kumimoji="0" lang="en-US" altLang="en-US" b="0" i="0" u="none" strike="noStrike" cap="none" normalizeH="0" baseline="0" dirty="0">
                 <a:ln>
                   <a:noFill/>
                 </a:ln>
@@ -5915,7 +5915,7 @@
               <a:tabLst/>
             </a:pPr>
             <a:r>
-              <a:rPr kumimoji="0" lang="en-US" altLang="en-US" b="0" i="0" u="none" strike="noStrike" cap="none" normalizeH="0" baseline="0" dirty="0" smtClean="0">
+              <a:rPr kumimoji="0" lang="en-US" altLang="en-US" b="0" i="0" u="none" strike="noStrike" cap="none" normalizeH="0" baseline="0" dirty="0">
                 <a:ln>
                   <a:noFill/>
                 </a:ln>
@@ -5927,7 +5927,7 @@
               </a:rPr>
               <a:t>} </a:t>
             </a:r>
-            <a:endParaRPr kumimoji="0" lang="en-US" altLang="en-US" b="0" i="0" u="none" strike="noStrike" cap="none" normalizeH="0" baseline="0" dirty="0" smtClean="0">
+            <a:endParaRPr kumimoji="0" lang="en-US" altLang="en-US" b="0" i="0" u="none" strike="noStrike" cap="none" normalizeH="0" baseline="0" dirty="0">
               <a:ln>
                 <a:noFill/>
               </a:ln>
@@ -5949,13 +5949,6 @@
   <p:clrMapOvr>
     <a:masterClrMapping/>
   </p:clrMapOvr>
-  <p:timing>
-    <p:tnLst>
-      <p:par>
-        <p:cTn id="1" dur="indefinite" restart="never" nodeType="tmRoot"/>
-      </p:par>
-    </p:tnLst>
-  </p:timing>
 </p:sld>
 </file>
 
@@ -5992,10 +5985,9 @@
           <a:lstStyle/>
           <a:p>
             <a:r>
-              <a:rPr lang="en-US" dirty="0" smtClean="0"/>
+              <a:rPr lang="en-US" dirty="0"/>
               <a:t>JSONP - jQuery</a:t>
             </a:r>
-            <a:endParaRPr lang="en-US" dirty="0"/>
           </a:p>
         </p:txBody>
       </p:sp>
@@ -6015,8 +6007,8 @@
           <a:lstStyle/>
           <a:p>
             <a:r>
-              <a:rPr lang="en-US" smtClean="0"/>
-              <a:t>© 2016 Ori Calvo</a:t>
+              <a:rPr lang="en-US"/>
+              <a:t>© 2017 Ori Calvo</a:t>
             </a:r>
             <a:endParaRPr lang="en-US" dirty="0"/>
           </a:p>
@@ -6064,35 +6056,34 @@
           <a:lstStyle/>
           <a:p>
             <a:r>
-              <a:rPr lang="en-US" dirty="0" smtClean="0"/>
+              <a:rPr lang="en-US" dirty="0"/>
               <a:t>jQuery supports JSONP invocation through $.</a:t>
             </a:r>
             <a:r>
-              <a:rPr lang="en-US" dirty="0" err="1" smtClean="0"/>
+              <a:rPr lang="en-US" dirty="0" err="1"/>
               <a:t>ajax</a:t>
             </a:r>
-            <a:endParaRPr lang="en-US" dirty="0" smtClean="0"/>
-          </a:p>
-          <a:p>
-            <a:r>
-              <a:rPr lang="en-US" dirty="0" smtClean="0"/>
+            <a:endParaRPr lang="en-US" dirty="0"/>
+          </a:p>
+          <a:p>
+            <a:r>
+              <a:rPr lang="en-US" dirty="0"/>
               <a:t>This is a totally different mechanism since there is no use of </a:t>
             </a:r>
             <a:r>
-              <a:rPr lang="en-US" dirty="0" err="1" smtClean="0"/>
+              <a:rPr lang="en-US" dirty="0" err="1"/>
               <a:t>XMLHttpRequest</a:t>
             </a:r>
             <a:r>
-              <a:rPr lang="en-US" dirty="0" smtClean="0"/>
+              <a:rPr lang="en-US" dirty="0"/>
               <a:t> object</a:t>
             </a:r>
           </a:p>
           <a:p>
             <a:r>
-              <a:rPr lang="en-US" dirty="0" smtClean="0"/>
+              <a:rPr lang="en-US" dirty="0"/>
               <a:t>Allow us to consume JSONP content as if it was plain HTTP service which returns JSON</a:t>
             </a:r>
-            <a:endParaRPr lang="en-US" dirty="0"/>
           </a:p>
         </p:txBody>
       </p:sp>
@@ -6155,7 +6146,7 @@
               <a:tabLst/>
             </a:pPr>
             <a:r>
-              <a:rPr kumimoji="0" lang="en-US" altLang="en-US" sz="1600" b="0" i="0" u="none" strike="noStrike" cap="none" normalizeH="0" baseline="0" dirty="0" smtClean="0">
+              <a:rPr kumimoji="0" lang="en-US" altLang="en-US" sz="1600" b="0" i="0" u="none" strike="noStrike" cap="none" normalizeH="0" baseline="0" dirty="0">
                 <a:ln>
                   <a:noFill/>
                 </a:ln>
@@ -6168,7 +6159,7 @@
               <a:t>$.</a:t>
             </a:r>
             <a:r>
-              <a:rPr kumimoji="0" lang="en-US" altLang="en-US" sz="1600" b="0" i="0" u="none" strike="noStrike" cap="none" normalizeH="0" baseline="0" dirty="0" err="1" smtClean="0">
+              <a:rPr kumimoji="0" lang="en-US" altLang="en-US" sz="1600" b="0" i="0" u="none" strike="noStrike" cap="none" normalizeH="0" baseline="0" dirty="0" err="1">
                 <a:ln>
                   <a:noFill/>
                 </a:ln>
@@ -6181,7 +6172,7 @@
               <a:t>ajax</a:t>
             </a:r>
             <a:r>
-              <a:rPr kumimoji="0" lang="en-US" altLang="en-US" sz="1600" b="0" i="0" u="none" strike="noStrike" cap="none" normalizeH="0" baseline="0" dirty="0" smtClean="0">
+              <a:rPr kumimoji="0" lang="en-US" altLang="en-US" sz="1600" b="0" i="0" u="none" strike="noStrike" cap="none" normalizeH="0" baseline="0" dirty="0">
                 <a:ln>
                   <a:noFill/>
                 </a:ln>
@@ -6212,7 +6203,7 @@
               <a:tabLst/>
             </a:pPr>
             <a:r>
-              <a:rPr kumimoji="0" lang="en-US" altLang="en-US" sz="1600" b="0" i="0" u="none" strike="noStrike" cap="none" normalizeH="0" baseline="0" dirty="0" smtClean="0">
+              <a:rPr kumimoji="0" lang="en-US" altLang="en-US" sz="1600" b="0" i="0" u="none" strike="noStrike" cap="none" normalizeH="0" baseline="0" dirty="0">
                 <a:ln>
                   <a:noFill/>
                 </a:ln>
@@ -6225,7 +6216,7 @@
               <a:t>     url: </a:t>
             </a:r>
             <a:r>
-              <a:rPr kumimoji="0" lang="en-US" altLang="en-US" sz="1600" b="0" i="0" u="none" strike="noStrike" cap="none" normalizeH="0" baseline="0" dirty="0" smtClean="0">
+              <a:rPr kumimoji="0" lang="en-US" altLang="en-US" sz="1600" b="0" i="0" u="none" strike="noStrike" cap="none" normalizeH="0" baseline="0" dirty="0">
                 <a:ln>
                   <a:noFill/>
                 </a:ln>
@@ -6238,7 +6229,7 @@
               <a:t>"/Home/Get"</a:t>
             </a:r>
             <a:r>
-              <a:rPr kumimoji="0" lang="en-US" altLang="en-US" sz="1600" b="0" i="0" u="none" strike="noStrike" cap="none" normalizeH="0" baseline="0" dirty="0" smtClean="0">
+              <a:rPr kumimoji="0" lang="en-US" altLang="en-US" sz="1600" b="0" i="0" u="none" strike="noStrike" cap="none" normalizeH="0" baseline="0" dirty="0">
                 <a:ln>
                   <a:noFill/>
                 </a:ln>
@@ -6269,7 +6260,7 @@
               <a:tabLst/>
             </a:pPr>
             <a:r>
-              <a:rPr kumimoji="0" lang="en-US" altLang="en-US" sz="1600" b="0" i="0" u="none" strike="noStrike" cap="none" normalizeH="0" baseline="0" dirty="0" smtClean="0">
+              <a:rPr kumimoji="0" lang="en-US" altLang="en-US" sz="1600" b="0" i="0" u="none" strike="noStrike" cap="none" normalizeH="0" baseline="0" dirty="0">
                 <a:ln>
                   <a:noFill/>
                 </a:ln>
@@ -6282,7 +6273,7 @@
               <a:t>     </a:t>
             </a:r>
             <a:r>
-              <a:rPr kumimoji="0" lang="en-US" altLang="en-US" sz="1600" b="0" i="0" u="none" strike="noStrike" cap="none" normalizeH="0" baseline="0" dirty="0" err="1" smtClean="0">
+              <a:rPr kumimoji="0" lang="en-US" altLang="en-US" sz="1600" b="0" i="0" u="none" strike="noStrike" cap="none" normalizeH="0" baseline="0" dirty="0" err="1">
                 <a:ln>
                   <a:noFill/>
                 </a:ln>
@@ -6295,7 +6286,7 @@
               <a:t>dataType</a:t>
             </a:r>
             <a:r>
-              <a:rPr kumimoji="0" lang="en-US" altLang="en-US" sz="1600" b="0" i="0" u="none" strike="noStrike" cap="none" normalizeH="0" baseline="0" dirty="0" smtClean="0">
+              <a:rPr kumimoji="0" lang="en-US" altLang="en-US" sz="1600" b="0" i="0" u="none" strike="noStrike" cap="none" normalizeH="0" baseline="0" dirty="0">
                 <a:ln>
                   <a:noFill/>
                 </a:ln>
@@ -6308,7 +6299,7 @@
               <a:t>: </a:t>
             </a:r>
             <a:r>
-              <a:rPr kumimoji="0" lang="en-US" altLang="en-US" sz="1600" b="0" i="0" u="none" strike="noStrike" cap="none" normalizeH="0" baseline="0" dirty="0" smtClean="0">
+              <a:rPr kumimoji="0" lang="en-US" altLang="en-US" sz="1600" b="0" i="0" u="none" strike="noStrike" cap="none" normalizeH="0" baseline="0" dirty="0">
                 <a:ln>
                   <a:noFill/>
                 </a:ln>
@@ -6321,7 +6312,7 @@
               <a:t>"</a:t>
             </a:r>
             <a:r>
-              <a:rPr kumimoji="0" lang="en-US" altLang="en-US" sz="1600" b="0" i="0" u="none" strike="noStrike" cap="none" normalizeH="0" baseline="0" dirty="0" err="1" smtClean="0">
+              <a:rPr kumimoji="0" lang="en-US" altLang="en-US" sz="1600" b="0" i="0" u="none" strike="noStrike" cap="none" normalizeH="0" baseline="0" dirty="0" err="1">
                 <a:ln>
                   <a:noFill/>
                 </a:ln>
@@ -6334,7 +6325,7 @@
               <a:t>jsonp</a:t>
             </a:r>
             <a:r>
-              <a:rPr kumimoji="0" lang="en-US" altLang="en-US" sz="1600" b="0" i="0" u="none" strike="noStrike" cap="none" normalizeH="0" baseline="0" dirty="0" smtClean="0">
+              <a:rPr kumimoji="0" lang="en-US" altLang="en-US" sz="1600" b="0" i="0" u="none" strike="noStrike" cap="none" normalizeH="0" baseline="0" dirty="0">
                 <a:ln>
                   <a:noFill/>
                 </a:ln>
@@ -6347,7 +6338,7 @@
               <a:t>"</a:t>
             </a:r>
             <a:r>
-              <a:rPr kumimoji="0" lang="en-US" altLang="en-US" sz="1600" b="0" i="0" u="none" strike="noStrike" cap="none" normalizeH="0" baseline="0" dirty="0" smtClean="0">
+              <a:rPr kumimoji="0" lang="en-US" altLang="en-US" sz="1600" b="0" i="0" u="none" strike="noStrike" cap="none" normalizeH="0" baseline="0" dirty="0">
                 <a:ln>
                   <a:noFill/>
                 </a:ln>
@@ -6378,7 +6369,7 @@
               <a:tabLst/>
             </a:pPr>
             <a:r>
-              <a:rPr kumimoji="0" lang="en-US" altLang="en-US" sz="1600" b="0" i="0" u="none" strike="noStrike" cap="none" normalizeH="0" baseline="0" dirty="0" smtClean="0">
+              <a:rPr kumimoji="0" lang="en-US" altLang="en-US" sz="1600" b="0" i="0" u="none" strike="noStrike" cap="none" normalizeH="0" baseline="0" dirty="0">
                 <a:ln>
                   <a:noFill/>
                 </a:ln>
@@ -6391,7 +6382,7 @@
               <a:t>     success: </a:t>
             </a:r>
             <a:r>
-              <a:rPr kumimoji="0" lang="en-US" altLang="en-US" sz="1600" b="0" i="0" u="none" strike="noStrike" cap="none" normalizeH="0" baseline="0" dirty="0" smtClean="0">
+              <a:rPr kumimoji="0" lang="en-US" altLang="en-US" sz="1600" b="0" i="0" u="none" strike="noStrike" cap="none" normalizeH="0" baseline="0" dirty="0">
                 <a:ln>
                   <a:noFill/>
                 </a:ln>
@@ -6404,7 +6395,7 @@
               <a:t>function</a:t>
             </a:r>
             <a:r>
-              <a:rPr kumimoji="0" lang="en-US" altLang="en-US" sz="1600" b="0" i="0" u="none" strike="noStrike" cap="none" normalizeH="0" baseline="0" dirty="0" smtClean="0">
+              <a:rPr kumimoji="0" lang="en-US" altLang="en-US" sz="1600" b="0" i="0" u="none" strike="noStrike" cap="none" normalizeH="0" baseline="0" dirty="0">
                 <a:ln>
                   <a:noFill/>
                 </a:ln>
@@ -6435,7 +6426,7 @@
               <a:tabLst/>
             </a:pPr>
             <a:r>
-              <a:rPr kumimoji="0" lang="en-US" altLang="en-US" sz="1600" b="0" i="0" u="none" strike="noStrike" cap="none" normalizeH="0" baseline="0" dirty="0" smtClean="0">
+              <a:rPr kumimoji="0" lang="en-US" altLang="en-US" sz="1600" b="0" i="0" u="none" strike="noStrike" cap="none" normalizeH="0" baseline="0" dirty="0">
                 <a:ln>
                   <a:noFill/>
                 </a:ln>
@@ -6466,7 +6457,7 @@
               <a:tabLst/>
             </a:pPr>
             <a:r>
-              <a:rPr kumimoji="0" lang="en-US" altLang="en-US" sz="1600" b="0" i="0" u="none" strike="noStrike" cap="none" normalizeH="0" baseline="0" dirty="0" smtClean="0">
+              <a:rPr kumimoji="0" lang="en-US" altLang="en-US" sz="1600" b="0" i="0" u="none" strike="noStrike" cap="none" normalizeH="0" baseline="0" dirty="0">
                 <a:ln>
                   <a:noFill/>
                 </a:ln>
@@ -6497,7 +6488,7 @@
               <a:tabLst/>
             </a:pPr>
             <a:r>
-              <a:rPr kumimoji="0" lang="en-US" altLang="en-US" sz="1600" b="0" i="0" u="none" strike="noStrike" cap="none" normalizeH="0" baseline="0" dirty="0" smtClean="0">
+              <a:rPr kumimoji="0" lang="en-US" altLang="en-US" sz="1600" b="0" i="0" u="none" strike="noStrike" cap="none" normalizeH="0" baseline="0" dirty="0">
                 <a:ln>
                   <a:noFill/>
                 </a:ln>
@@ -6510,7 +6501,7 @@
               <a:t>     error: </a:t>
             </a:r>
             <a:r>
-              <a:rPr kumimoji="0" lang="en-US" altLang="en-US" sz="1600" b="0" i="0" u="none" strike="noStrike" cap="none" normalizeH="0" baseline="0" dirty="0" smtClean="0">
+              <a:rPr kumimoji="0" lang="en-US" altLang="en-US" sz="1600" b="0" i="0" u="none" strike="noStrike" cap="none" normalizeH="0" baseline="0" dirty="0">
                 <a:ln>
                   <a:noFill/>
                 </a:ln>
@@ -6523,7 +6514,7 @@
               <a:t>function</a:t>
             </a:r>
             <a:r>
-              <a:rPr kumimoji="0" lang="en-US" altLang="en-US" sz="1600" b="0" i="0" u="none" strike="noStrike" cap="none" normalizeH="0" baseline="0" dirty="0" smtClean="0">
+              <a:rPr kumimoji="0" lang="en-US" altLang="en-US" sz="1600" b="0" i="0" u="none" strike="noStrike" cap="none" normalizeH="0" baseline="0" dirty="0">
                 <a:ln>
                   <a:noFill/>
                 </a:ln>
@@ -6554,7 +6545,7 @@
               <a:tabLst/>
             </a:pPr>
             <a:r>
-              <a:rPr kumimoji="0" lang="en-US" altLang="en-US" sz="1600" b="0" i="0" u="none" strike="noStrike" cap="none" normalizeH="0" baseline="0" dirty="0" smtClean="0">
+              <a:rPr kumimoji="0" lang="en-US" altLang="en-US" sz="1600" b="0" i="0" u="none" strike="noStrike" cap="none" normalizeH="0" baseline="0" dirty="0">
                 <a:ln>
                   <a:noFill/>
                 </a:ln>
@@ -6567,7 +6558,7 @@
               <a:t>         console.log(</a:t>
             </a:r>
             <a:r>
-              <a:rPr kumimoji="0" lang="en-US" altLang="en-US" sz="1600" b="0" i="0" u="none" strike="noStrike" cap="none" normalizeH="0" baseline="0" dirty="0" smtClean="0">
+              <a:rPr kumimoji="0" lang="en-US" altLang="en-US" sz="1600" b="0" i="0" u="none" strike="noStrike" cap="none" normalizeH="0" baseline="0" dirty="0">
                 <a:ln>
                   <a:noFill/>
                 </a:ln>
@@ -6580,7 +6571,7 @@
               <a:t>"ERROR"</a:t>
             </a:r>
             <a:r>
-              <a:rPr kumimoji="0" lang="en-US" altLang="en-US" sz="1600" b="0" i="0" u="none" strike="noStrike" cap="none" normalizeH="0" baseline="0" dirty="0" smtClean="0">
+              <a:rPr kumimoji="0" lang="en-US" altLang="en-US" sz="1600" b="0" i="0" u="none" strike="noStrike" cap="none" normalizeH="0" baseline="0" dirty="0">
                 <a:ln>
                   <a:noFill/>
                 </a:ln>
@@ -6611,7 +6602,7 @@
               <a:tabLst/>
             </a:pPr>
             <a:r>
-              <a:rPr kumimoji="0" lang="en-US" altLang="en-US" sz="1600" b="0" i="0" u="none" strike="noStrike" cap="none" normalizeH="0" baseline="0" dirty="0" smtClean="0">
+              <a:rPr kumimoji="0" lang="en-US" altLang="en-US" sz="1600" b="0" i="0" u="none" strike="noStrike" cap="none" normalizeH="0" baseline="0" dirty="0">
                 <a:ln>
                   <a:noFill/>
                 </a:ln>
@@ -6642,7 +6633,7 @@
               <a:tabLst/>
             </a:pPr>
             <a:r>
-              <a:rPr kumimoji="0" lang="en-US" altLang="en-US" sz="1600" b="0" i="0" u="none" strike="noStrike" cap="none" normalizeH="0" baseline="0" dirty="0" smtClean="0">
+              <a:rPr kumimoji="0" lang="en-US" altLang="en-US" sz="1600" b="0" i="0" u="none" strike="noStrike" cap="none" normalizeH="0" baseline="0" dirty="0">
                 <a:ln>
                   <a:noFill/>
                 </a:ln>
@@ -6654,7 +6645,7 @@
               </a:rPr>
               <a:t>}); </a:t>
             </a:r>
-            <a:endParaRPr kumimoji="0" lang="en-US" altLang="en-US" sz="1600" b="0" i="0" u="none" strike="noStrike" cap="none" normalizeH="0" baseline="0" dirty="0" smtClean="0">
+            <a:endParaRPr kumimoji="0" lang="en-US" altLang="en-US" sz="1600" b="0" i="0" u="none" strike="noStrike" cap="none" normalizeH="0" baseline="0" dirty="0">
               <a:ln>
                 <a:noFill/>
               </a:ln>
@@ -6676,13 +6667,6 @@
   <p:clrMapOvr>
     <a:masterClrMapping/>
   </p:clrMapOvr>
-  <p:timing>
-    <p:tnLst>
-      <p:par>
-        <p:cTn id="1" dur="indefinite" restart="never" nodeType="tmRoot"/>
-      </p:par>
-    </p:tnLst>
-  </p:timing>
 </p:sld>
 </file>
 
@@ -6719,10 +6703,9 @@
           <a:lstStyle/>
           <a:p>
             <a:r>
-              <a:rPr lang="en-US" dirty="0" smtClean="0"/>
+              <a:rPr lang="en-US" dirty="0"/>
               <a:t>JSONP - DEMO</a:t>
             </a:r>
-            <a:endParaRPr lang="en-US" dirty="0"/>
           </a:p>
         </p:txBody>
       </p:sp>
@@ -6742,8 +6725,8 @@
           <a:lstStyle/>
           <a:p>
             <a:r>
-              <a:rPr lang="en-US" smtClean="0"/>
-              <a:t>© 2016 Ori Calvo</a:t>
+              <a:rPr lang="en-US"/>
+              <a:t>© 2017 Ori Calvo</a:t>
             </a:r>
             <a:endParaRPr lang="en-US" dirty="0"/>
           </a:p>
@@ -6791,16 +6774,15 @@
           <a:lstStyle/>
           <a:p>
             <a:r>
-              <a:rPr lang="en-US" dirty="0" smtClean="0"/>
+              <a:rPr lang="en-US" dirty="0"/>
               <a:t>Create a REST API that returns JSONP</a:t>
             </a:r>
           </a:p>
           <a:p>
             <a:r>
-              <a:rPr lang="en-US" dirty="0" smtClean="0"/>
+              <a:rPr lang="en-US" dirty="0"/>
               <a:t>Consume JSONP using Angular</a:t>
             </a:r>
-            <a:endParaRPr lang="en-US" dirty="0"/>
           </a:p>
         </p:txBody>
       </p:sp>
@@ -6850,10 +6832,9 @@
           <a:lstStyle/>
           <a:p>
             <a:r>
-              <a:rPr lang="en-US" dirty="0" smtClean="0"/>
+              <a:rPr lang="en-US" dirty="0"/>
               <a:t>CORS</a:t>
             </a:r>
-            <a:endParaRPr lang="en-US" dirty="0"/>
           </a:p>
         </p:txBody>
       </p:sp>
@@ -6873,8 +6854,8 @@
           <a:lstStyle/>
           <a:p>
             <a:r>
-              <a:rPr lang="en-US" smtClean="0"/>
-              <a:t>© 2016 Ori Calvo</a:t>
+              <a:rPr lang="en-US"/>
+              <a:t>© 2017 Ori Calvo</a:t>
             </a:r>
             <a:endParaRPr lang="en-US" dirty="0"/>
           </a:p>
@@ -6924,14 +6905,14 @@
           <a:lstStyle/>
           <a:p>
             <a:r>
-              <a:rPr lang="en-US" dirty="0" smtClean="0"/>
+              <a:rPr lang="en-US" dirty="0"/>
               <a:t>HTML5 introduces the concept of CORS</a:t>
             </a:r>
           </a:p>
           <a:p>
             <a:pPr lvl="1"/>
             <a:r>
-              <a:rPr lang="en-US" dirty="0" smtClean="0">
+              <a:rPr lang="en-US" dirty="0">
                 <a:solidFill>
                   <a:srgbClr val="FF0000"/>
                 </a:solidFill>
@@ -6942,27 +6923,27 @@
           <a:p>
             <a:pPr lvl="1"/>
             <a:r>
-              <a:rPr lang="en-US" dirty="0" smtClean="0"/>
+              <a:rPr lang="en-US" dirty="0"/>
               <a:t>A challenge-response mini protocol</a:t>
             </a:r>
           </a:p>
           <a:p>
             <a:r>
-              <a:rPr lang="en-US" dirty="0" smtClean="0"/>
+              <a:rPr lang="en-US" dirty="0"/>
               <a:t>Old servers</a:t>
             </a:r>
           </a:p>
           <a:p>
             <a:pPr lvl="1"/>
             <a:r>
-              <a:rPr lang="en-US" dirty="0" smtClean="0"/>
+              <a:rPr lang="en-US" dirty="0"/>
               <a:t>Do not support the new protocol</a:t>
             </a:r>
           </a:p>
           <a:p>
             <a:pPr lvl="1"/>
             <a:r>
-              <a:rPr lang="en-US" dirty="0" smtClean="0"/>
+              <a:rPr lang="en-US" dirty="0"/>
               <a:t>Therefore the returned response is detected as invalid</a:t>
             </a:r>
           </a:p>
@@ -6970,39 +6951,30 @@
             <a:pPr lvl="1"/>
             <a:r>
               <a:rPr lang="en-US" dirty="0"/>
-              <a:t>T</a:t>
-            </a:r>
-            <a:r>
-              <a:rPr lang="en-US" dirty="0" smtClean="0"/>
-              <a:t>he browser rejects the response</a:t>
+              <a:t>The browser rejects the response</a:t>
             </a:r>
           </a:p>
           <a:p>
             <a:pPr lvl="1"/>
             <a:r>
-              <a:rPr lang="en-US" dirty="0" smtClean="0"/>
+              <a:rPr lang="en-US" dirty="0"/>
               <a:t>Application </a:t>
             </a:r>
             <a:r>
-              <a:rPr lang="en-US" u="sng" dirty="0" smtClean="0"/>
+              <a:rPr lang="en-US" u="sng" dirty="0"/>
               <a:t>does not get a chance </a:t>
             </a:r>
             <a:r>
-              <a:rPr lang="en-US" dirty="0" smtClean="0"/>
-              <a:t>to process the </a:t>
-            </a:r>
-            <a:r>
-              <a:rPr lang="en-US" dirty="0" smtClean="0"/>
-              <a:t>response</a:t>
+              <a:rPr lang="en-US" dirty="0"/>
+              <a:t>to process the response</a:t>
             </a:r>
           </a:p>
           <a:p>
             <a:pPr lvl="1"/>
             <a:r>
-              <a:rPr lang="en-US" dirty="0" smtClean="0"/>
+              <a:rPr lang="en-US" dirty="0"/>
               <a:t>Request is still being sent to the server !!!</a:t>
             </a:r>
-            <a:endParaRPr lang="en-US" dirty="0"/>
           </a:p>
         </p:txBody>
       </p:sp>
@@ -7016,13 +6988,6 @@
   <p:clrMapOvr>
     <a:masterClrMapping/>
   </p:clrMapOvr>
-  <p:timing>
-    <p:tnLst>
-      <p:par>
-        <p:cTn id="1" dur="indefinite" restart="never" nodeType="tmRoot"/>
-      </p:par>
-    </p:tnLst>
-  </p:timing>
 </p:sld>
 </file>
 
@@ -7059,10 +7024,9 @@
           <a:lstStyle/>
           <a:p>
             <a:r>
-              <a:rPr lang="en-US" dirty="0" smtClean="0"/>
+              <a:rPr lang="en-US" dirty="0"/>
               <a:t>CORS</a:t>
             </a:r>
-            <a:endParaRPr lang="en-US" dirty="0"/>
           </a:p>
         </p:txBody>
       </p:sp>
@@ -7082,8 +7046,8 @@
           <a:lstStyle/>
           <a:p>
             <a:r>
-              <a:rPr lang="en-US" smtClean="0"/>
-              <a:t>© 2016 Ori Calvo</a:t>
+              <a:rPr lang="en-US"/>
+              <a:t>© 2017 Ori Calvo</a:t>
             </a:r>
             <a:endParaRPr lang="en-US" dirty="0"/>
           </a:p>
@@ -7133,24 +7097,24 @@
           <a:lstStyle/>
           <a:p>
             <a:r>
-              <a:rPr lang="en-US" dirty="0" smtClean="0"/>
+              <a:rPr lang="en-US" dirty="0"/>
               <a:t>Assuming new browser and server</a:t>
             </a:r>
           </a:p>
           <a:p>
             <a:r>
-              <a:rPr lang="en-US" dirty="0" smtClean="0"/>
+              <a:rPr lang="en-US" dirty="0"/>
               <a:t>The browser allows the request to be sent</a:t>
             </a:r>
           </a:p>
           <a:p>
             <a:pPr lvl="1"/>
             <a:r>
-              <a:rPr lang="en-US" dirty="0" smtClean="0"/>
+              <a:rPr lang="en-US" dirty="0"/>
               <a:t>Appends an HTTP header named </a:t>
             </a:r>
             <a:r>
-              <a:rPr lang="en-US" dirty="0" smtClean="0">
+              <a:rPr lang="en-US" dirty="0">
                 <a:solidFill>
                   <a:srgbClr val="FF0000"/>
                 </a:solidFill>
@@ -7161,17 +7125,17 @@
           <a:p>
             <a:pPr lvl="1"/>
             <a:r>
-              <a:rPr lang="en-US" dirty="0" smtClean="0"/>
+              <a:rPr lang="en-US" dirty="0"/>
               <a:t>Contains the URL of the requesting domain</a:t>
             </a:r>
           </a:p>
           <a:p>
             <a:r>
-              <a:rPr lang="en-US" dirty="0" smtClean="0"/>
+              <a:rPr lang="en-US" dirty="0"/>
               <a:t>The response includes an HTTP header named </a:t>
             </a:r>
             <a:r>
-              <a:rPr lang="en-US" dirty="0" smtClean="0">
+              <a:rPr lang="en-US" dirty="0">
                 <a:solidFill>
                   <a:srgbClr val="FF0000"/>
                 </a:solidFill>
@@ -7182,16 +7146,15 @@
           <a:p>
             <a:pPr lvl="1"/>
             <a:r>
-              <a:rPr lang="en-US" dirty="0" smtClean="0"/>
+              <a:rPr lang="en-US" dirty="0"/>
               <a:t>Contains a list of allowed domains</a:t>
             </a:r>
           </a:p>
           <a:p>
             <a:r>
-              <a:rPr lang="en-US" dirty="0" smtClean="0"/>
+              <a:rPr lang="en-US" dirty="0"/>
               <a:t>If the requesting domain is included inside the allowed list the browser let the application process the response as if it was a plain AJAX response</a:t>
             </a:r>
-            <a:endParaRPr lang="en-US" dirty="0"/>
           </a:p>
         </p:txBody>
       </p:sp>
@@ -7205,13 +7168,6 @@
   <p:clrMapOvr>
     <a:masterClrMapping/>
   </p:clrMapOvr>
-  <p:timing>
-    <p:tnLst>
-      <p:par>
-        <p:cTn id="1" dur="indefinite" restart="never" nodeType="tmRoot"/>
-      </p:par>
-    </p:tnLst>
-  </p:timing>
 </p:sld>
 </file>
 
@@ -7248,10 +7204,9 @@
           <a:lstStyle/>
           <a:p>
             <a:r>
-              <a:rPr lang="en-US" dirty="0" smtClean="0"/>
+              <a:rPr lang="en-US" dirty="0"/>
               <a:t>Cookie Based Authentication</a:t>
             </a:r>
-            <a:endParaRPr lang="en-US" dirty="0"/>
           </a:p>
         </p:txBody>
       </p:sp>
@@ -7271,8 +7226,8 @@
           <a:lstStyle/>
           <a:p>
             <a:r>
-              <a:rPr lang="en-US" smtClean="0"/>
-              <a:t>© 2016 Ori Calvo</a:t>
+              <a:rPr lang="en-US"/>
+              <a:t>© 2017 Ori Calvo</a:t>
             </a:r>
             <a:endParaRPr lang="en-US" dirty="0"/>
           </a:p>
@@ -7320,34 +7275,33 @@
           <a:lstStyle/>
           <a:p>
             <a:r>
-              <a:rPr lang="en-US" dirty="0" smtClean="0"/>
+              <a:rPr lang="en-US" dirty="0"/>
               <a:t>Web site detects that no cookie is presented</a:t>
             </a:r>
           </a:p>
           <a:p>
             <a:r>
-              <a:rPr lang="en-US" dirty="0" smtClean="0"/>
+              <a:rPr lang="en-US" dirty="0"/>
               <a:t>Browser is redirected to login page</a:t>
             </a:r>
           </a:p>
           <a:p>
             <a:r>
-              <a:rPr lang="en-US" dirty="0" smtClean="0"/>
+              <a:rPr lang="en-US" dirty="0"/>
               <a:t>User enters credentials</a:t>
             </a:r>
           </a:p>
           <a:p>
             <a:r>
-              <a:rPr lang="en-US" dirty="0" smtClean="0"/>
+              <a:rPr lang="en-US" dirty="0"/>
               <a:t>Server validate the credentials and generates an authentication cookie</a:t>
             </a:r>
           </a:p>
           <a:p>
             <a:r>
-              <a:rPr lang="en-US" dirty="0" smtClean="0"/>
+              <a:rPr lang="en-US" dirty="0"/>
               <a:t>Cookie is sent back to the browser and re sent with every future request</a:t>
             </a:r>
-            <a:endParaRPr lang="en-US" dirty="0"/>
           </a:p>
         </p:txBody>
       </p:sp>
@@ -7419,8 +7373,8 @@
           <a:lstStyle/>
           <a:p>
             <a:r>
-              <a:rPr lang="en-US" smtClean="0"/>
-              <a:t>© 2016 Ori Calvo</a:t>
+              <a:rPr lang="en-US"/>
+              <a:t>© 2017 Ori Calvo</a:t>
             </a:r>
             <a:endParaRPr lang="en-US" dirty="0"/>
           </a:p>
@@ -7468,24 +7422,24 @@
           <a:lstStyle/>
           <a:p>
             <a:r>
-              <a:rPr lang="en-US" dirty="0" smtClean="0"/>
+              <a:rPr lang="en-US" dirty="0"/>
               <a:t>By default the browser does not sent any cookie alongside the request</a:t>
             </a:r>
           </a:p>
           <a:p>
             <a:r>
-              <a:rPr lang="en-US" dirty="0" smtClean="0"/>
+              <a:rPr lang="en-US" dirty="0"/>
               <a:t>To change this behavior</a:t>
             </a:r>
           </a:p>
           <a:p>
             <a:pPr lvl="1"/>
             <a:r>
-              <a:rPr lang="en-US" dirty="0" smtClean="0"/>
+              <a:rPr lang="en-US" dirty="0"/>
               <a:t>Specify </a:t>
             </a:r>
             <a:r>
-              <a:rPr lang="en-US" dirty="0" err="1" smtClean="0">
+              <a:rPr lang="en-US" dirty="0" err="1">
                 <a:solidFill>
                   <a:srgbClr val="FF0000"/>
                 </a:solidFill>
@@ -7493,18 +7447,18 @@
               <a:t>xhrFields.withCredentials</a:t>
             </a:r>
             <a:r>
-              <a:rPr lang="en-US" dirty="0" smtClean="0"/>
+              <a:rPr lang="en-US" dirty="0"/>
               <a:t> = true</a:t>
             </a:r>
           </a:p>
           <a:p>
             <a:pPr lvl="1"/>
             <a:r>
-              <a:rPr lang="en-US" dirty="0" smtClean="0"/>
+              <a:rPr lang="en-US" dirty="0"/>
               <a:t>Server must return </a:t>
             </a:r>
             <a:r>
-              <a:rPr lang="en-US" dirty="0" smtClean="0">
+              <a:rPr lang="en-US" dirty="0">
                 <a:solidFill>
                   <a:srgbClr val="FF0000"/>
                 </a:solidFill>
@@ -7512,10 +7466,9 @@
               <a:t>Access-Control-Allow-Credentials</a:t>
             </a:r>
             <a:r>
-              <a:rPr lang="en-US" dirty="0" smtClean="0"/>
+              <a:rPr lang="en-US" dirty="0"/>
               <a:t> HTTP header with value equals true</a:t>
             </a:r>
-            <a:endParaRPr lang="en-US" dirty="0"/>
           </a:p>
         </p:txBody>
       </p:sp>
@@ -7578,7 +7531,7 @@
               <a:tabLst/>
             </a:pPr>
             <a:r>
-              <a:rPr kumimoji="0" lang="en-US" altLang="en-US" sz="1200" b="0" i="0" u="none" strike="noStrike" cap="none" normalizeH="0" baseline="0" dirty="0" smtClean="0">
+              <a:rPr kumimoji="0" lang="en-US" altLang="en-US" sz="1200" b="0" i="0" u="none" strike="noStrike" cap="none" normalizeH="0" baseline="0" dirty="0">
                 <a:ln>
                   <a:noFill/>
                 </a:ln>
@@ -7592,7 +7545,7 @@
               <a:t>$.</a:t>
             </a:r>
             <a:r>
-              <a:rPr kumimoji="0" lang="en-US" altLang="en-US" sz="1200" b="0" i="0" u="none" strike="noStrike" cap="none" normalizeH="0" baseline="0" dirty="0" err="1" smtClean="0">
+              <a:rPr kumimoji="0" lang="en-US" altLang="en-US" sz="1200" b="0" i="0" u="none" strike="noStrike" cap="none" normalizeH="0" baseline="0" dirty="0" err="1">
                 <a:ln>
                   <a:noFill/>
                 </a:ln>
@@ -7606,7 +7559,7 @@
               <a:t>ajax</a:t>
             </a:r>
             <a:r>
-              <a:rPr kumimoji="0" lang="en-US" altLang="en-US" sz="1200" b="0" i="0" u="none" strike="noStrike" cap="none" normalizeH="0" baseline="0" dirty="0" smtClean="0">
+              <a:rPr kumimoji="0" lang="en-US" altLang="en-US" sz="1200" b="0" i="0" u="none" strike="noStrike" cap="none" normalizeH="0" baseline="0" dirty="0">
                 <a:ln>
                   <a:noFill/>
                 </a:ln>
@@ -7638,7 +7591,7 @@
               <a:tabLst/>
             </a:pPr>
             <a:r>
-              <a:rPr kumimoji="0" lang="en-US" altLang="en-US" sz="1200" b="0" i="0" u="none" strike="noStrike" cap="none" normalizeH="0" baseline="0" dirty="0" smtClean="0">
+              <a:rPr kumimoji="0" lang="en-US" altLang="en-US" sz="1200" b="0" i="0" u="none" strike="noStrike" cap="none" normalizeH="0" baseline="0" dirty="0">
                 <a:ln>
                   <a:noFill/>
                 </a:ln>
@@ -7652,7 +7605,7 @@
               <a:t>     url: </a:t>
             </a:r>
             <a:r>
-              <a:rPr kumimoji="0" lang="en-US" altLang="en-US" sz="1200" b="0" i="0" u="none" strike="noStrike" cap="none" normalizeH="0" baseline="0" dirty="0" smtClean="0">
+              <a:rPr kumimoji="0" lang="en-US" altLang="en-US" sz="1200" b="0" i="0" u="none" strike="noStrike" cap="none" normalizeH="0" baseline="0" dirty="0">
                 <a:ln>
                   <a:noFill/>
                 </a:ln>
@@ -7666,7 +7619,7 @@
               <a:t>"http://localhost:10659/</a:t>
             </a:r>
             <a:r>
-              <a:rPr kumimoji="0" lang="en-US" altLang="en-US" sz="1200" b="0" i="0" u="none" strike="noStrike" cap="none" normalizeH="0" baseline="0" dirty="0" err="1" smtClean="0">
+              <a:rPr kumimoji="0" lang="en-US" altLang="en-US" sz="1200" b="0" i="0" u="none" strike="noStrike" cap="none" normalizeH="0" baseline="0" dirty="0" err="1">
                 <a:ln>
                   <a:noFill/>
                 </a:ln>
@@ -7680,7 +7633,7 @@
               <a:t>api</a:t>
             </a:r>
             <a:r>
-              <a:rPr kumimoji="0" lang="en-US" altLang="en-US" sz="1200" b="0" i="0" u="none" strike="noStrike" cap="none" normalizeH="0" baseline="0" dirty="0" smtClean="0">
+              <a:rPr kumimoji="0" lang="en-US" altLang="en-US" sz="1200" b="0" i="0" u="none" strike="noStrike" cap="none" normalizeH="0" baseline="0" dirty="0">
                 <a:ln>
                   <a:noFill/>
                 </a:ln>
@@ -7694,7 +7647,7 @@
               <a:t>/contact"</a:t>
             </a:r>
             <a:r>
-              <a:rPr kumimoji="0" lang="en-US" altLang="en-US" sz="1200" b="0" i="0" u="none" strike="noStrike" cap="none" normalizeH="0" baseline="0" dirty="0" smtClean="0">
+              <a:rPr kumimoji="0" lang="en-US" altLang="en-US" sz="1200" b="0" i="0" u="none" strike="noStrike" cap="none" normalizeH="0" baseline="0" dirty="0">
                 <a:ln>
                   <a:noFill/>
                 </a:ln>
@@ -7726,7 +7679,7 @@
               <a:tabLst/>
             </a:pPr>
             <a:r>
-              <a:rPr kumimoji="0" lang="en-US" altLang="en-US" sz="1200" b="0" i="0" u="none" strike="noStrike" cap="none" normalizeH="0" baseline="0" dirty="0" smtClean="0">
+              <a:rPr kumimoji="0" lang="en-US" altLang="en-US" sz="1200" b="0" i="0" u="none" strike="noStrike" cap="none" normalizeH="0" baseline="0" dirty="0">
                 <a:ln>
                   <a:noFill/>
                 </a:ln>
@@ -7740,7 +7693,7 @@
               <a:t>     type: </a:t>
             </a:r>
             <a:r>
-              <a:rPr kumimoji="0" lang="en-US" altLang="en-US" sz="1200" b="0" i="0" u="none" strike="noStrike" cap="none" normalizeH="0" baseline="0" dirty="0" smtClean="0">
+              <a:rPr kumimoji="0" lang="en-US" altLang="en-US" sz="1200" b="0" i="0" u="none" strike="noStrike" cap="none" normalizeH="0" baseline="0" dirty="0">
                 <a:ln>
                   <a:noFill/>
                 </a:ln>
@@ -7754,7 +7707,7 @@
               <a:t>"GET"</a:t>
             </a:r>
             <a:r>
-              <a:rPr kumimoji="0" lang="en-US" altLang="en-US" sz="1200" b="0" i="0" u="none" strike="noStrike" cap="none" normalizeH="0" baseline="0" dirty="0" smtClean="0">
+              <a:rPr kumimoji="0" lang="en-US" altLang="en-US" sz="1200" b="0" i="0" u="none" strike="noStrike" cap="none" normalizeH="0" baseline="0" dirty="0">
                 <a:ln>
                   <a:noFill/>
                 </a:ln>
@@ -7786,7 +7739,7 @@
               <a:tabLst/>
             </a:pPr>
             <a:r>
-              <a:rPr kumimoji="0" lang="en-US" altLang="en-US" sz="1200" b="0" i="0" u="none" strike="noStrike" cap="none" normalizeH="0" baseline="0" dirty="0" smtClean="0">
+              <a:rPr kumimoji="0" lang="en-US" altLang="en-US" sz="1200" b="0" i="0" u="none" strike="noStrike" cap="none" normalizeH="0" baseline="0" dirty="0">
                 <a:ln>
                   <a:noFill/>
                 </a:ln>
@@ -7800,7 +7753,7 @@
               <a:t>     success: </a:t>
             </a:r>
             <a:r>
-              <a:rPr kumimoji="0" lang="en-US" altLang="en-US" sz="1200" b="0" i="0" u="none" strike="noStrike" cap="none" normalizeH="0" baseline="0" dirty="0" smtClean="0">
+              <a:rPr kumimoji="0" lang="en-US" altLang="en-US" sz="1200" b="0" i="0" u="none" strike="noStrike" cap="none" normalizeH="0" baseline="0" dirty="0">
                 <a:ln>
                   <a:noFill/>
                 </a:ln>
@@ -7814,7 +7767,7 @@
               <a:t>function</a:t>
             </a:r>
             <a:r>
-              <a:rPr kumimoji="0" lang="en-US" altLang="en-US" sz="1200" b="0" i="0" u="none" strike="noStrike" cap="none" normalizeH="0" baseline="0" dirty="0" smtClean="0">
+              <a:rPr kumimoji="0" lang="en-US" altLang="en-US" sz="1200" b="0" i="0" u="none" strike="noStrike" cap="none" normalizeH="0" baseline="0" dirty="0">
                 <a:ln>
                   <a:noFill/>
                 </a:ln>
@@ -7846,7 +7799,7 @@
               <a:tabLst/>
             </a:pPr>
             <a:r>
-              <a:rPr kumimoji="0" lang="en-US" altLang="en-US" sz="1200" b="0" i="0" u="none" strike="noStrike" cap="none" normalizeH="0" baseline="0" dirty="0" smtClean="0">
+              <a:rPr kumimoji="0" lang="en-US" altLang="en-US" sz="1200" b="0" i="0" u="none" strike="noStrike" cap="none" normalizeH="0" baseline="0" dirty="0">
                 <a:ln>
                   <a:noFill/>
                 </a:ln>
@@ -7860,7 +7813,7 @@
               <a:t>     error: </a:t>
             </a:r>
             <a:r>
-              <a:rPr kumimoji="0" lang="en-US" altLang="en-US" sz="1200" b="0" i="0" u="none" strike="noStrike" cap="none" normalizeH="0" baseline="0" dirty="0" smtClean="0">
+              <a:rPr kumimoji="0" lang="en-US" altLang="en-US" sz="1200" b="0" i="0" u="none" strike="noStrike" cap="none" normalizeH="0" baseline="0" dirty="0">
                 <a:ln>
                   <a:noFill/>
                 </a:ln>
@@ -7874,7 +7827,7 @@
               <a:t>function</a:t>
             </a:r>
             <a:r>
-              <a:rPr kumimoji="0" lang="en-US" altLang="en-US" sz="1200" b="0" i="0" u="none" strike="noStrike" cap="none" normalizeH="0" baseline="0" dirty="0" smtClean="0">
+              <a:rPr kumimoji="0" lang="en-US" altLang="en-US" sz="1200" b="0" i="0" u="none" strike="noStrike" cap="none" normalizeH="0" baseline="0" dirty="0">
                 <a:ln>
                   <a:noFill/>
                 </a:ln>
@@ -7888,7 +7841,7 @@
               <a:t> (</a:t>
             </a:r>
             <a:r>
-              <a:rPr kumimoji="0" lang="en-US" altLang="en-US" sz="1200" b="0" i="0" u="none" strike="noStrike" cap="none" normalizeH="0" baseline="0" dirty="0" err="1" smtClean="0">
+              <a:rPr kumimoji="0" lang="en-US" altLang="en-US" sz="1200" b="0" i="0" u="none" strike="noStrike" cap="none" normalizeH="0" baseline="0" dirty="0" err="1">
                 <a:ln>
                   <a:noFill/>
                 </a:ln>
@@ -7902,7 +7855,7 @@
               <a:t>jqXHR</a:t>
             </a:r>
             <a:r>
-              <a:rPr kumimoji="0" lang="en-US" altLang="en-US" sz="1200" b="0" i="0" u="none" strike="noStrike" cap="none" normalizeH="0" baseline="0" dirty="0" smtClean="0">
+              <a:rPr kumimoji="0" lang="en-US" altLang="en-US" sz="1200" b="0" i="0" u="none" strike="noStrike" cap="none" normalizeH="0" baseline="0" dirty="0">
                 <a:ln>
                   <a:noFill/>
                 </a:ln>
@@ -7934,7 +7887,7 @@
               <a:tabLst/>
             </a:pPr>
             <a:r>
-              <a:rPr kumimoji="0" lang="en-US" altLang="en-US" sz="1200" b="0" i="0" u="none" strike="noStrike" cap="none" normalizeH="0" baseline="0" dirty="0" smtClean="0">
+              <a:rPr kumimoji="0" lang="en-US" altLang="en-US" sz="1200" b="0" i="0" u="none" strike="noStrike" cap="none" normalizeH="0" baseline="0" dirty="0">
                 <a:ln>
                   <a:noFill/>
                 </a:ln>
@@ -7948,7 +7901,7 @@
               <a:t>     </a:t>
             </a:r>
             <a:r>
-              <a:rPr kumimoji="0" lang="en-US" altLang="en-US" sz="1200" b="0" i="0" u="none" strike="noStrike" cap="none" normalizeH="0" baseline="0" dirty="0" err="1" smtClean="0">
+              <a:rPr kumimoji="0" lang="en-US" altLang="en-US" sz="1200" b="0" i="0" u="none" strike="noStrike" cap="none" normalizeH="0" baseline="0" dirty="0" err="1">
                 <a:ln>
                   <a:noFill/>
                 </a:ln>
@@ -7962,7 +7915,7 @@
               <a:t>xhrFields</a:t>
             </a:r>
             <a:r>
-              <a:rPr kumimoji="0" lang="en-US" altLang="en-US" sz="1200" b="0" i="0" u="none" strike="noStrike" cap="none" normalizeH="0" baseline="0" dirty="0" smtClean="0">
+              <a:rPr kumimoji="0" lang="en-US" altLang="en-US" sz="1200" b="0" i="0" u="none" strike="noStrike" cap="none" normalizeH="0" baseline="0" dirty="0">
                 <a:ln>
                   <a:noFill/>
                 </a:ln>
@@ -7994,7 +7947,7 @@
               <a:tabLst/>
             </a:pPr>
             <a:r>
-              <a:rPr kumimoji="0" lang="en-US" altLang="en-US" sz="1200" b="0" i="0" u="none" strike="noStrike" cap="none" normalizeH="0" baseline="0" dirty="0" smtClean="0">
+              <a:rPr kumimoji="0" lang="en-US" altLang="en-US" sz="1200" b="0" i="0" u="none" strike="noStrike" cap="none" normalizeH="0" baseline="0" dirty="0">
                 <a:ln>
                   <a:noFill/>
                 </a:ln>
@@ -8008,7 +7961,7 @@
               <a:t>         </a:t>
             </a:r>
             <a:r>
-              <a:rPr kumimoji="0" lang="en-US" altLang="en-US" sz="1200" b="0" i="0" u="none" strike="noStrike" cap="none" normalizeH="0" baseline="0" dirty="0" err="1" smtClean="0">
+              <a:rPr kumimoji="0" lang="en-US" altLang="en-US" sz="1200" b="0" i="0" u="none" strike="noStrike" cap="none" normalizeH="0" baseline="0" dirty="0" err="1">
                 <a:ln>
                   <a:noFill/>
                 </a:ln>
@@ -8022,7 +7975,7 @@
               <a:t>withCredentials</a:t>
             </a:r>
             <a:r>
-              <a:rPr kumimoji="0" lang="en-US" altLang="en-US" sz="1200" b="0" i="0" u="none" strike="noStrike" cap="none" normalizeH="0" baseline="0" dirty="0" smtClean="0">
+              <a:rPr kumimoji="0" lang="en-US" altLang="en-US" sz="1200" b="0" i="0" u="none" strike="noStrike" cap="none" normalizeH="0" baseline="0" dirty="0">
                 <a:ln>
                   <a:noFill/>
                 </a:ln>
@@ -8036,7 +7989,7 @@
               <a:t>: </a:t>
             </a:r>
             <a:r>
-              <a:rPr kumimoji="0" lang="en-US" altLang="en-US" sz="1200" b="0" i="0" u="none" strike="noStrike" cap="none" normalizeH="0" baseline="0" dirty="0" smtClean="0">
+              <a:rPr kumimoji="0" lang="en-US" altLang="en-US" sz="1200" b="0" i="0" u="none" strike="noStrike" cap="none" normalizeH="0" baseline="0" dirty="0">
                 <a:ln>
                   <a:noFill/>
                 </a:ln>
@@ -8050,7 +8003,7 @@
               <a:t>true</a:t>
             </a:r>
             <a:r>
-              <a:rPr kumimoji="0" lang="en-US" altLang="en-US" sz="1200" b="0" i="0" u="none" strike="noStrike" cap="none" normalizeH="0" baseline="0" dirty="0" smtClean="0">
+              <a:rPr kumimoji="0" lang="en-US" altLang="en-US" sz="1200" b="0" i="0" u="none" strike="noStrike" cap="none" normalizeH="0" baseline="0" dirty="0">
                 <a:ln>
                   <a:noFill/>
                 </a:ln>
@@ -8082,7 +8035,7 @@
               <a:tabLst/>
             </a:pPr>
             <a:r>
-              <a:rPr kumimoji="0" lang="en-US" altLang="en-US" sz="1200" b="0" i="0" u="none" strike="noStrike" cap="none" normalizeH="0" baseline="0" dirty="0" smtClean="0">
+              <a:rPr kumimoji="0" lang="en-US" altLang="en-US" sz="1200" b="0" i="0" u="none" strike="noStrike" cap="none" normalizeH="0" baseline="0" dirty="0">
                 <a:ln>
                   <a:noFill/>
                 </a:ln>
@@ -8114,7 +8067,7 @@
               <a:tabLst/>
             </a:pPr>
             <a:r>
-              <a:rPr kumimoji="0" lang="en-US" altLang="en-US" sz="1200" b="0" i="0" u="none" strike="noStrike" cap="none" normalizeH="0" baseline="0" dirty="0" smtClean="0">
+              <a:rPr kumimoji="0" lang="en-US" altLang="en-US" sz="1200" b="0" i="0" u="none" strike="noStrike" cap="none" normalizeH="0" baseline="0" dirty="0">
                 <a:ln>
                   <a:noFill/>
                 </a:ln>
@@ -8127,7 +8080,7 @@
               </a:rPr>
               <a:t>}); </a:t>
             </a:r>
-            <a:endParaRPr kumimoji="0" lang="en-US" altLang="en-US" sz="1200" b="0" i="0" u="none" strike="noStrike" cap="none" normalizeH="0" baseline="0" dirty="0" smtClean="0">
+            <a:endParaRPr kumimoji="0" lang="en-US" altLang="en-US" sz="1200" b="0" i="0" u="none" strike="noStrike" cap="none" normalizeH="0" baseline="0" dirty="0">
               <a:ln>
                 <a:noFill/>
               </a:ln>
@@ -8150,13 +8103,6 @@
   <p:clrMapOvr>
     <a:masterClrMapping/>
   </p:clrMapOvr>
-  <p:timing>
-    <p:tnLst>
-      <p:par>
-        <p:cTn id="1" dur="indefinite" restart="never" nodeType="tmRoot"/>
-      </p:par>
-    </p:tnLst>
-  </p:timing>
 </p:sld>
 </file>
 
@@ -8193,10 +8139,9 @@
           <a:lstStyle/>
           <a:p>
             <a:r>
-              <a:rPr lang="en-US" dirty="0" smtClean="0"/>
+              <a:rPr lang="en-US" dirty="0"/>
               <a:t>Summary</a:t>
             </a:r>
-            <a:endParaRPr lang="en-US" dirty="0"/>
           </a:p>
         </p:txBody>
       </p:sp>
@@ -8216,8 +8161,8 @@
           <a:lstStyle/>
           <a:p>
             <a:r>
-              <a:rPr lang="en-US" smtClean="0"/>
-              <a:t>© 2016 Ori Calvo</a:t>
+              <a:rPr lang="en-US"/>
+              <a:t>© 2017 Ori Calvo</a:t>
             </a:r>
             <a:endParaRPr lang="en-US" dirty="0"/>
           </a:p>
@@ -8265,32 +8210,31 @@
           <a:lstStyle/>
           <a:p>
             <a:r>
-              <a:rPr lang="en-US" dirty="0" smtClean="0"/>
+              <a:rPr lang="en-US" dirty="0"/>
               <a:t>Be aware of CSRF</a:t>
             </a:r>
           </a:p>
           <a:p>
             <a:r>
-              <a:rPr lang="en-US" dirty="0" smtClean="0"/>
+              <a:rPr lang="en-US" dirty="0"/>
               <a:t>Prefer header over cookie</a:t>
             </a:r>
           </a:p>
           <a:p>
             <a:r>
-              <a:rPr lang="en-US" dirty="0" smtClean="0"/>
+              <a:rPr lang="en-US" dirty="0"/>
               <a:t>An attacker is not always a user</a:t>
             </a:r>
           </a:p>
           <a:p>
             <a:r>
-              <a:rPr lang="en-US" dirty="0" smtClean="0"/>
+              <a:rPr lang="en-US" dirty="0"/>
               <a:t>You may need to protect against malicious </a:t>
             </a:r>
             <a:r>
-              <a:rPr lang="en-US" smtClean="0"/>
+              <a:rPr lang="en-US"/>
               <a:t>web sites</a:t>
             </a:r>
-            <a:endParaRPr lang="en-US"/>
           </a:p>
         </p:txBody>
       </p:sp>
@@ -8340,10 +8284,9 @@
           <a:lstStyle/>
           <a:p>
             <a:r>
-              <a:rPr lang="en-US" dirty="0" smtClean="0"/>
+              <a:rPr lang="en-US" dirty="0"/>
               <a:t>Authentication Cookie</a:t>
             </a:r>
-            <a:endParaRPr lang="en-US" dirty="0"/>
           </a:p>
         </p:txBody>
       </p:sp>
@@ -8363,8 +8306,8 @@
           <a:lstStyle/>
           <a:p>
             <a:r>
-              <a:rPr lang="en-US" smtClean="0"/>
-              <a:t>© 2016 Ori Calvo</a:t>
+              <a:rPr lang="en-US"/>
+              <a:t>© 2017 Ori Calvo</a:t>
             </a:r>
             <a:endParaRPr lang="en-US" dirty="0"/>
           </a:p>
@@ -8412,42 +8355,41 @@
           <a:lstStyle/>
           <a:p>
             <a:r>
-              <a:rPr lang="en-US" dirty="0" smtClean="0"/>
+              <a:rPr lang="en-US" dirty="0"/>
               <a:t>Is encrypted</a:t>
             </a:r>
           </a:p>
           <a:p>
             <a:r>
-              <a:rPr lang="en-US" dirty="0" smtClean="0"/>
+              <a:rPr lang="en-US" dirty="0"/>
               <a:t>Has expiration</a:t>
             </a:r>
           </a:p>
           <a:p>
             <a:r>
-              <a:rPr lang="en-US" dirty="0" smtClean="0"/>
+              <a:rPr lang="en-US" dirty="0"/>
               <a:t>Usually contains user details such as</a:t>
             </a:r>
           </a:p>
           <a:p>
             <a:pPr lvl="1"/>
             <a:r>
-              <a:rPr lang="en-US" dirty="0" smtClean="0"/>
+              <a:rPr lang="en-US" dirty="0"/>
               <a:t>Name</a:t>
             </a:r>
           </a:p>
           <a:p>
             <a:pPr lvl="1"/>
             <a:r>
-              <a:rPr lang="en-US" dirty="0" smtClean="0"/>
+              <a:rPr lang="en-US" dirty="0"/>
               <a:t>Role/Claims</a:t>
             </a:r>
           </a:p>
           <a:p>
             <a:r>
-              <a:rPr lang="en-US" dirty="0" smtClean="0"/>
+              <a:rPr lang="en-US" dirty="0"/>
               <a:t>What is wrong with a cookie ?</a:t>
             </a:r>
-            <a:endParaRPr lang="en-US" dirty="0"/>
           </a:p>
         </p:txBody>
       </p:sp>
@@ -8497,10 +8439,9 @@
           <a:lstStyle/>
           <a:p>
             <a:r>
-              <a:rPr lang="en-US" dirty="0" smtClean="0"/>
+              <a:rPr lang="en-US" dirty="0"/>
               <a:t>Cross Origin Navigation</a:t>
             </a:r>
-            <a:endParaRPr lang="en-US" dirty="0"/>
           </a:p>
         </p:txBody>
       </p:sp>
@@ -8520,8 +8461,8 @@
           <a:lstStyle/>
           <a:p>
             <a:r>
-              <a:rPr lang="en-US" smtClean="0"/>
-              <a:t>© 2016 Ori Calvo</a:t>
+              <a:rPr lang="en-US"/>
+              <a:t>© 2017 Ori Calvo</a:t>
             </a:r>
             <a:endParaRPr lang="en-US" dirty="0"/>
           </a:p>
@@ -8571,36 +8512,36 @@
           <a:lstStyle/>
           <a:p>
             <a:r>
-              <a:rPr lang="en-US" dirty="0" smtClean="0"/>
+              <a:rPr lang="en-US" dirty="0"/>
               <a:t>You login to Facebook</a:t>
             </a:r>
           </a:p>
           <a:p>
             <a:r>
-              <a:rPr lang="en-US" dirty="0" smtClean="0"/>
+              <a:rPr lang="en-US" dirty="0"/>
               <a:t>Inside a new browser instance you navigates inside arbitrary web site which offers a link to Facebook</a:t>
             </a:r>
           </a:p>
           <a:p>
             <a:r>
-              <a:rPr lang="en-US" dirty="0" smtClean="0"/>
+              <a:rPr lang="en-US" dirty="0"/>
               <a:t>Once clicking the link the browser is directed to Facebook</a:t>
             </a:r>
           </a:p>
           <a:p>
             <a:r>
-              <a:rPr lang="en-US" dirty="0" smtClean="0"/>
+              <a:rPr lang="en-US" dirty="0"/>
               <a:t>User is not asked to enter credential </a:t>
             </a:r>
             <a:r>
-              <a:rPr lang="en-US" dirty="0" err="1" smtClean="0"/>
+              <a:rPr lang="en-US" dirty="0" err="1"/>
               <a:t>agains</a:t>
             </a:r>
-            <a:endParaRPr lang="en-US" dirty="0" smtClean="0"/>
-          </a:p>
-          <a:p>
-            <a:r>
-              <a:rPr lang="en-US" dirty="0" smtClean="0"/>
+            <a:endParaRPr lang="en-US" dirty="0"/>
+          </a:p>
+          <a:p>
+            <a:r>
+              <a:rPr lang="en-US" dirty="0"/>
               <a:t>It means the cookie was sent automatically by the browser</a:t>
             </a:r>
           </a:p>
@@ -8652,10 +8593,9 @@
           <a:lstStyle/>
           <a:p>
             <a:r>
-              <a:rPr lang="en-US" dirty="0" smtClean="0"/>
+              <a:rPr lang="en-US" dirty="0"/>
               <a:t>XSS</a:t>
             </a:r>
-            <a:endParaRPr lang="en-US" dirty="0"/>
           </a:p>
         </p:txBody>
       </p:sp>
@@ -8675,8 +8615,8 @@
           <a:lstStyle/>
           <a:p>
             <a:r>
-              <a:rPr lang="en-US" smtClean="0"/>
-              <a:t>© 2016 Ori Calvo</a:t>
+              <a:rPr lang="en-US"/>
+              <a:t>© 2017 Ori Calvo</a:t>
             </a:r>
             <a:endParaRPr lang="en-US" dirty="0"/>
           </a:p>
@@ -8724,25 +8664,25 @@
           <a:lstStyle/>
           <a:p>
             <a:r>
-              <a:rPr lang="en-US" dirty="0" smtClean="0"/>
+              <a:rPr lang="en-US" dirty="0"/>
               <a:t>Cross site scripting</a:t>
             </a:r>
           </a:p>
           <a:p>
             <a:r>
-              <a:rPr lang="en-US" dirty="0" smtClean="0"/>
+              <a:rPr lang="en-US" dirty="0"/>
               <a:t>Attacker injects client side scripts into web page  viewed by other users</a:t>
             </a:r>
           </a:p>
           <a:p>
             <a:r>
-              <a:rPr lang="en-US" dirty="0" smtClean="0"/>
+              <a:rPr lang="en-US" dirty="0"/>
               <a:t>Allows attacker to bypass access control</a:t>
             </a:r>
           </a:p>
           <a:p>
             <a:r>
-              <a:rPr lang="en-US" dirty="0" smtClean="0"/>
+              <a:rPr lang="en-US" dirty="0"/>
               <a:t>Reported by Symantec at 2007 as 84% of all security vulnerability</a:t>
             </a:r>
           </a:p>
@@ -8751,7 +8691,7 @@
           </a:p>
           <a:p>
             <a:r>
-              <a:rPr lang="en-US" dirty="0" smtClean="0"/>
+              <a:rPr lang="en-US" dirty="0"/>
               <a:t>Not our interest</a:t>
             </a:r>
           </a:p>
@@ -8806,10 +8746,9 @@
           <a:lstStyle/>
           <a:p>
             <a:r>
-              <a:rPr lang="en-US" dirty="0" smtClean="0"/>
+              <a:rPr lang="en-US" dirty="0"/>
               <a:t>CSRF</a:t>
             </a:r>
-            <a:endParaRPr lang="en-US" dirty="0"/>
           </a:p>
         </p:txBody>
       </p:sp>
@@ -8829,8 +8768,8 @@
           <a:lstStyle/>
           <a:p>
             <a:r>
-              <a:rPr lang="en-US" smtClean="0"/>
-              <a:t>© 2016 Ori Calvo</a:t>
+              <a:rPr lang="en-US"/>
+              <a:t>© 2017 Ori Calvo</a:t>
             </a:r>
             <a:endParaRPr lang="en-US" dirty="0"/>
           </a:p>
@@ -8878,33 +8817,33 @@
           <a:lstStyle/>
           <a:p>
             <a:r>
-              <a:rPr lang="en-US" dirty="0" smtClean="0"/>
+              <a:rPr lang="en-US" dirty="0"/>
               <a:t>Cross site request forgery</a:t>
             </a:r>
           </a:p>
           <a:p>
             <a:r>
-              <a:rPr lang="en-US" dirty="0" smtClean="0"/>
+              <a:rPr lang="en-US" dirty="0"/>
               <a:t>Exploits the trust that a site has in a user’s browser</a:t>
             </a:r>
           </a:p>
           <a:p>
             <a:r>
-              <a:rPr lang="en-US" dirty="0" smtClean="0"/>
+              <a:rPr lang="en-US" dirty="0"/>
               <a:t>Probably under reported since the attacked web site logs the attack as usual activity</a:t>
             </a:r>
           </a:p>
           <a:p>
             <a:r>
-              <a:rPr lang="en-US" dirty="0" smtClean="0"/>
+              <a:rPr lang="en-US" dirty="0"/>
               <a:t>Well documented examples are: Netflix, </a:t>
             </a:r>
             <a:r>
-              <a:rPr lang="en-US" dirty="0" err="1" smtClean="0"/>
+              <a:rPr lang="en-US" dirty="0" err="1"/>
               <a:t>Youtube</a:t>
             </a:r>
             <a:r>
-              <a:rPr lang="en-US" dirty="0" smtClean="0"/>
+              <a:rPr lang="en-US" dirty="0"/>
               <a:t>, uTorrent, McAfee</a:t>
             </a:r>
           </a:p>
@@ -8962,10 +8901,9 @@
           <a:lstStyle/>
           <a:p>
             <a:r>
-              <a:rPr lang="en-US" dirty="0" smtClean="0"/>
+              <a:rPr lang="en-US" dirty="0"/>
               <a:t>CSRF</a:t>
             </a:r>
-            <a:endParaRPr lang="en-US" dirty="0"/>
           </a:p>
         </p:txBody>
       </p:sp>
@@ -8985,8 +8923,8 @@
           <a:lstStyle/>
           <a:p>
             <a:r>
-              <a:rPr lang="en-US" smtClean="0"/>
-              <a:t>© 2016 Ori Calvo</a:t>
+              <a:rPr lang="en-US"/>
+              <a:t>© 2017 Ori Calvo</a:t>
             </a:r>
             <a:endParaRPr lang="en-US" dirty="0"/>
           </a:p>
@@ -9034,48 +8972,47 @@
           <a:lstStyle/>
           <a:p>
             <a:r>
-              <a:rPr lang="en-US" dirty="0" smtClean="0"/>
+              <a:rPr lang="en-US" dirty="0"/>
               <a:t>User logs in to Facebook</a:t>
             </a:r>
           </a:p>
           <a:p>
             <a:r>
-              <a:rPr lang="en-US" dirty="0" smtClean="0"/>
+              <a:rPr lang="en-US" dirty="0"/>
               <a:t>User gets new email with a link to malicious website</a:t>
             </a:r>
           </a:p>
           <a:p>
             <a:r>
-              <a:rPr lang="en-US" dirty="0" smtClean="0"/>
+              <a:rPr lang="en-US" dirty="0"/>
               <a:t>User navigates to the malicious website</a:t>
             </a:r>
           </a:p>
           <a:p>
             <a:r>
-              <a:rPr lang="en-US" dirty="0" smtClean="0"/>
+              <a:rPr lang="en-US" dirty="0"/>
               <a:t>Malicious website uses JavaScript and send HTTP requests to Facebook without the user being aware</a:t>
             </a:r>
           </a:p>
           <a:p>
             <a:r>
-              <a:rPr lang="en-US" dirty="0" smtClean="0"/>
+              <a:rPr lang="en-US" dirty="0"/>
               <a:t>The requests may have side effects like</a:t>
             </a:r>
           </a:p>
           <a:p>
             <a:pPr lvl="1"/>
             <a:r>
-              <a:rPr lang="en-US" dirty="0" smtClean="0"/>
+              <a:rPr lang="en-US" dirty="0"/>
               <a:t>Posting new message</a:t>
             </a:r>
           </a:p>
           <a:p>
             <a:pPr lvl="1"/>
             <a:r>
-              <a:rPr lang="en-US" dirty="0" smtClean="0"/>
+              <a:rPr lang="en-US" dirty="0"/>
               <a:t>Change billing address</a:t>
             </a:r>
-            <a:endParaRPr lang="en-US" dirty="0"/>
           </a:p>
         </p:txBody>
       </p:sp>
@@ -9125,10 +9062,9 @@
           <a:lstStyle/>
           <a:p>
             <a:r>
-              <a:rPr lang="en-US" dirty="0" smtClean="0"/>
+              <a:rPr lang="en-US" dirty="0"/>
               <a:t>DEMO</a:t>
             </a:r>
-            <a:endParaRPr lang="en-US" dirty="0"/>
           </a:p>
         </p:txBody>
       </p:sp>
@@ -9148,8 +9084,8 @@
           <a:lstStyle/>
           <a:p>
             <a:r>
-              <a:rPr lang="en-US" smtClean="0"/>
-              <a:t>© 2016 Ori Calvo</a:t>
+              <a:rPr lang="en-US"/>
+              <a:t>© 2017 Ori Calvo</a:t>
             </a:r>
             <a:endParaRPr lang="en-US" dirty="0"/>
           </a:p>
@@ -9197,16 +9133,15 @@
           <a:lstStyle/>
           <a:p>
             <a:r>
-              <a:rPr lang="en-US" dirty="0" smtClean="0"/>
+              <a:rPr lang="en-US" dirty="0"/>
               <a:t>Create REST API with Cookie bases authentication</a:t>
             </a:r>
           </a:p>
           <a:p>
             <a:r>
-              <a:rPr lang="en-US" dirty="0" smtClean="0"/>
+              <a:rPr lang="en-US" dirty="0"/>
               <a:t>Demonstrates that malicious site can execute any REST API on behalf of a logged in user</a:t>
             </a:r>
-            <a:endParaRPr lang="en-US" dirty="0"/>
           </a:p>
         </p:txBody>
       </p:sp>
@@ -9256,10 +9191,9 @@
           <a:lstStyle/>
           <a:p>
             <a:r>
-              <a:rPr lang="en-US" dirty="0" smtClean="0"/>
+              <a:rPr lang="en-US" dirty="0"/>
               <a:t>Protect against CSRF</a:t>
             </a:r>
-            <a:endParaRPr lang="en-US" dirty="0"/>
           </a:p>
         </p:txBody>
       </p:sp>
@@ -9279,8 +9213,8 @@
           <a:lstStyle/>
           <a:p>
             <a:r>
-              <a:rPr lang="en-US" smtClean="0"/>
-              <a:t>© 2016 Ori Calvo</a:t>
+              <a:rPr lang="en-US"/>
+              <a:t>© 2017 Ori Calvo</a:t>
             </a:r>
             <a:endParaRPr lang="en-US" dirty="0"/>
           </a:p>
@@ -9328,51 +9262,50 @@
           <a:lstStyle/>
           <a:p>
             <a:r>
-              <a:rPr lang="en-US" dirty="0" smtClean="0"/>
+              <a:rPr lang="en-US" dirty="0"/>
               <a:t>New system</a:t>
             </a:r>
           </a:p>
           <a:p>
             <a:pPr lvl="1"/>
             <a:r>
-              <a:rPr lang="en-US" dirty="0" smtClean="0"/>
+              <a:rPr lang="en-US" dirty="0"/>
               <a:t>Use HTTP header instead of cookie</a:t>
             </a:r>
           </a:p>
           <a:p>
             <a:pPr lvl="1"/>
             <a:r>
-              <a:rPr lang="en-US" dirty="0" smtClean="0"/>
+              <a:rPr lang="en-US" dirty="0"/>
               <a:t>Headers are not automatically sent by the browser</a:t>
             </a:r>
           </a:p>
           <a:p>
             <a:r>
-              <a:rPr lang="en-US" dirty="0" smtClean="0"/>
+              <a:rPr lang="en-US" dirty="0"/>
               <a:t>Legacy system</a:t>
             </a:r>
           </a:p>
           <a:p>
             <a:pPr lvl="1"/>
             <a:r>
-              <a:rPr lang="en-US" dirty="0" smtClean="0"/>
+              <a:rPr lang="en-US" dirty="0"/>
               <a:t>require the presence of an HTTP header in addition to the cookie</a:t>
             </a:r>
           </a:p>
           <a:p>
             <a:pPr lvl="1"/>
             <a:r>
-              <a:rPr lang="en-US" dirty="0" smtClean="0"/>
+              <a:rPr lang="en-US" dirty="0"/>
               <a:t>Only the authorizing origin has access to the cookie and can attach it as an header</a:t>
             </a:r>
           </a:p>
           <a:p>
             <a:pPr lvl="1"/>
             <a:r>
-              <a:rPr lang="en-US" dirty="0" smtClean="0"/>
+              <a:rPr lang="en-US" dirty="0"/>
               <a:t>The web server compares cookie with header</a:t>
             </a:r>
-            <a:endParaRPr lang="en-US" dirty="0"/>
           </a:p>
         </p:txBody>
       </p:sp>

--- a/PPTs/02 CSRF & Friends.pptx
+++ b/PPTs/02 CSRF & Friends.pptx
@@ -5,30 +5,32 @@
     <p:sldMasterId id="2147483672" r:id="rId1"/>
   </p:sldMasterIdLst>
   <p:notesMasterIdLst>
-    <p:notesMasterId r:id="rId23"/>
+    <p:notesMasterId r:id="rId25"/>
   </p:notesMasterIdLst>
   <p:sldIdLst>
     <p:sldId id="256" r:id="rId2"/>
     <p:sldId id="264" r:id="rId3"/>
-    <p:sldId id="266" r:id="rId4"/>
-    <p:sldId id="265" r:id="rId5"/>
-    <p:sldId id="268" r:id="rId6"/>
-    <p:sldId id="267" r:id="rId7"/>
-    <p:sldId id="269" r:id="rId8"/>
-    <p:sldId id="270" r:id="rId9"/>
-    <p:sldId id="275" r:id="rId10"/>
-    <p:sldId id="276" r:id="rId11"/>
-    <p:sldId id="257" r:id="rId12"/>
-    <p:sldId id="271" r:id="rId13"/>
-    <p:sldId id="272" r:id="rId14"/>
-    <p:sldId id="258" r:id="rId15"/>
-    <p:sldId id="259" r:id="rId16"/>
-    <p:sldId id="260" r:id="rId17"/>
-    <p:sldId id="273" r:id="rId18"/>
-    <p:sldId id="261" r:id="rId19"/>
-    <p:sldId id="262" r:id="rId20"/>
-    <p:sldId id="263" r:id="rId21"/>
-    <p:sldId id="274" r:id="rId22"/>
+    <p:sldId id="277" r:id="rId4"/>
+    <p:sldId id="278" r:id="rId5"/>
+    <p:sldId id="266" r:id="rId6"/>
+    <p:sldId id="265" r:id="rId7"/>
+    <p:sldId id="268" r:id="rId8"/>
+    <p:sldId id="267" r:id="rId9"/>
+    <p:sldId id="269" r:id="rId10"/>
+    <p:sldId id="270" r:id="rId11"/>
+    <p:sldId id="275" r:id="rId12"/>
+    <p:sldId id="276" r:id="rId13"/>
+    <p:sldId id="257" r:id="rId14"/>
+    <p:sldId id="271" r:id="rId15"/>
+    <p:sldId id="272" r:id="rId16"/>
+    <p:sldId id="258" r:id="rId17"/>
+    <p:sldId id="259" r:id="rId18"/>
+    <p:sldId id="260" r:id="rId19"/>
+    <p:sldId id="273" r:id="rId20"/>
+    <p:sldId id="261" r:id="rId21"/>
+    <p:sldId id="262" r:id="rId22"/>
+    <p:sldId id="263" r:id="rId23"/>
+    <p:sldId id="274" r:id="rId24"/>
   </p:sldIdLst>
   <p:sldSz cx="9144000" cy="6858000" type="screen4x3"/>
   <p:notesSz cx="6858000" cy="9144000"/>
@@ -4434,7 +4436,7 @@
           <a:p>
             <a:r>
               <a:rPr lang="en-US" dirty="0"/>
-              <a:t>DEMO – CSRF Protection</a:t>
+              <a:t>DEMO</a:t>
             </a:r>
           </a:p>
         </p:txBody>
@@ -4505,13 +4507,13 @@
           <a:p>
             <a:r>
               <a:rPr lang="en-US" dirty="0"/>
-              <a:t>Add HTTP header for every request</a:t>
-            </a:r>
-          </a:p>
-          <a:p>
-            <a:r>
-              <a:rPr lang="en-US" dirty="0"/>
-              <a:t>Verify cookie against header</a:t>
+              <a:t>Create REST API with Cookie based authentication</a:t>
+            </a:r>
+          </a:p>
+          <a:p>
+            <a:r>
+              <a:rPr lang="en-US" dirty="0"/>
+              <a:t>Demonstrates that malicious site can execute any REST API on behalf of a logged in user</a:t>
             </a:r>
           </a:p>
         </p:txBody>
@@ -4519,7 +4521,7 @@
     </p:spTree>
     <p:extLst>
       <p:ext uri="{BB962C8B-B14F-4D97-AF65-F5344CB8AC3E}">
-        <p14:creationId xmlns:p14="http://schemas.microsoft.com/office/powerpoint/2010/main" val="818603420"/>
+        <p14:creationId xmlns:p14="http://schemas.microsoft.com/office/powerpoint/2010/main" val="1863311139"/>
       </p:ext>
     </p:extLst>
   </p:cSld>
@@ -4563,7 +4565,7 @@
           <a:p>
             <a:r>
               <a:rPr lang="en-US" dirty="0"/>
-              <a:t>Same Origin Policy</a:t>
+              <a:t>Protect against CSRF</a:t>
             </a:r>
           </a:p>
         </p:txBody>
@@ -4608,7 +4610,7 @@
           </a:bodyPr>
           <a:lstStyle/>
           <a:p>
-            <a:fld id="{87B78B44-2135-4DB2-B732-E7D5FFF77B6A}" type="slidenum">
+            <a:fld id="{6EDEC3BC-0694-4586-AE63-02B4D54ABF43}" type="slidenum">
               <a:rPr lang="en-US" smtClean="0"/>
               <a:pPr/>
               <a:t>11</a:t>
@@ -4629,86 +4631,61 @@
         </p:nvSpPr>
         <p:spPr/>
         <p:txBody>
-          <a:bodyPr>
-            <a:normAutofit lnSpcReduction="10000"/>
-          </a:bodyPr>
-          <a:lstStyle/>
-          <a:p>
-            <a:r>
-              <a:rPr lang="en-US" dirty="0"/>
-              <a:t>AJAX request sent to different domain is prohibited</a:t>
+          <a:bodyPr/>
+          <a:lstStyle/>
+          <a:p>
+            <a:r>
+              <a:rPr lang="en-US" dirty="0"/>
+              <a:t>New system</a:t>
             </a:r>
           </a:p>
           <a:p>
             <a:pPr lvl="1"/>
             <a:r>
               <a:rPr lang="en-US" dirty="0"/>
-              <a:t>To prevent CSRF</a:t>
-            </a:r>
-          </a:p>
-          <a:p>
-            <a:r>
-              <a:rPr lang="en-US" dirty="0"/>
-              <a:t>The following is considered different origin</a:t>
+              <a:t>Use HTTP header instead of cookie</a:t>
             </a:r>
           </a:p>
           <a:p>
             <a:pPr lvl="1"/>
             <a:r>
-              <a:rPr lang="en-US" b="1" dirty="0"/>
-              <a:t>Schema</a:t>
-            </a:r>
-            <a:r>
-              <a:rPr lang="en-US" dirty="0"/>
-              <a:t> - http vs. https</a:t>
+              <a:rPr lang="en-US" dirty="0"/>
+              <a:t>Headers are not automatically sent by the browser</a:t>
+            </a:r>
+          </a:p>
+          <a:p>
+            <a:r>
+              <a:rPr lang="en-US" dirty="0"/>
+              <a:t>Legacy system</a:t>
             </a:r>
           </a:p>
           <a:p>
             <a:pPr lvl="1"/>
             <a:r>
-              <a:rPr lang="en-US" b="1" dirty="0"/>
-              <a:t>Host</a:t>
-            </a:r>
-            <a:r>
-              <a:rPr lang="en-US" dirty="0"/>
-              <a:t> – g.com vs. goole.com</a:t>
+              <a:rPr lang="en-US" dirty="0"/>
+              <a:t>require the presence of an HTTP header in addition to the cookie</a:t>
             </a:r>
           </a:p>
           <a:p>
             <a:pPr lvl="1"/>
             <a:r>
-              <a:rPr lang="en-US" b="1" dirty="0"/>
-              <a:t>Port</a:t>
-            </a:r>
-            <a:r>
-              <a:rPr lang="en-US" dirty="0"/>
-              <a:t> – http://localhost:123 vs. http:/localhost:124</a:t>
-            </a:r>
-          </a:p>
-          <a:p>
-            <a:r>
-              <a:rPr lang="en-US" dirty="0"/>
-              <a:t>This means that one web site cannot share its data with other web sites</a:t>
+              <a:rPr lang="en-US" dirty="0"/>
+              <a:t>Only the authorizing origin has access to the cookie and can attach it as an header</a:t>
             </a:r>
           </a:p>
           <a:p>
             <a:pPr lvl="1"/>
             <a:r>
               <a:rPr lang="en-US" dirty="0"/>
-              <a:t>For example, Twitter would like any site to get a list of the 10 latest most popular </a:t>
-            </a:r>
-            <a:r>
-              <a:rPr lang="en-US" dirty="0" err="1"/>
-              <a:t>twitts</a:t>
-            </a:r>
-            <a:endParaRPr lang="en-US" dirty="0"/>
+              <a:t>The web server compares the cookie with the header</a:t>
+            </a:r>
           </a:p>
         </p:txBody>
       </p:sp>
     </p:spTree>
     <p:extLst>
       <p:ext uri="{BB962C8B-B14F-4D97-AF65-F5344CB8AC3E}">
-        <p14:creationId xmlns:p14="http://schemas.microsoft.com/office/powerpoint/2010/main" val="1428768577"/>
+        <p14:creationId xmlns:p14="http://schemas.microsoft.com/office/powerpoint/2010/main" val="507671134"/>
       </p:ext>
     </p:extLst>
   </p:cSld>
@@ -4752,7 +4729,7 @@
           <a:p>
             <a:r>
               <a:rPr lang="en-US" dirty="0"/>
-              <a:t>Same Origin Policy</a:t>
+              <a:t>DEMO – CSRF Protection</a:t>
             </a:r>
           </a:p>
         </p:txBody>
@@ -4823,25 +4800,13 @@
           <a:p>
             <a:r>
               <a:rPr lang="en-US" dirty="0"/>
-              <a:t>This policy prevent sharing data easily between different sites</a:t>
-            </a:r>
-          </a:p>
-          <a:p>
-            <a:r>
-              <a:rPr lang="en-US" dirty="0"/>
-              <a:t>Think about Twitter</a:t>
-            </a:r>
-          </a:p>
-          <a:p>
-            <a:r>
-              <a:rPr lang="en-US" dirty="0"/>
-              <a:t>It want to share the top 10 most popular twits with any site</a:t>
-            </a:r>
-          </a:p>
-          <a:p>
-            <a:r>
-              <a:rPr lang="en-US" dirty="0"/>
-              <a:t>How can we bypass this policy ?</a:t>
+              <a:t>Add HTTP header for every request</a:t>
+            </a:r>
+          </a:p>
+          <a:p>
+            <a:r>
+              <a:rPr lang="en-US" dirty="0"/>
+              <a:t>Verify cookie against header</a:t>
             </a:r>
           </a:p>
         </p:txBody>
@@ -4849,7 +4814,7 @@
     </p:spTree>
     <p:extLst>
       <p:ext uri="{BB962C8B-B14F-4D97-AF65-F5344CB8AC3E}">
-        <p14:creationId xmlns:p14="http://schemas.microsoft.com/office/powerpoint/2010/main" val="4209884408"/>
+        <p14:creationId xmlns:p14="http://schemas.microsoft.com/office/powerpoint/2010/main" val="818603420"/>
       </p:ext>
     </p:extLst>
   </p:cSld>
@@ -4893,7 +4858,7 @@
           <a:p>
             <a:r>
               <a:rPr lang="en-US" dirty="0"/>
-              <a:t>Server as a Proxy</a:t>
+              <a:t>Same Origin Policy</a:t>
             </a:r>
           </a:p>
         </p:txBody>
@@ -4938,7 +4903,7 @@
           </a:bodyPr>
           <a:lstStyle/>
           <a:p>
-            <a:fld id="{6EDEC3BC-0694-4586-AE63-02B4D54ABF43}" type="slidenum">
+            <a:fld id="{87B78B44-2135-4DB2-B732-E7D5FFF77B6A}" type="slidenum">
               <a:rPr lang="en-US" smtClean="0"/>
               <a:pPr/>
               <a:t>13</a:t>
@@ -4959,38 +4924,86 @@
         </p:nvSpPr>
         <p:spPr/>
         <p:txBody>
-          <a:bodyPr/>
-          <a:lstStyle/>
-          <a:p>
-            <a:r>
-              <a:rPr lang="en-US" dirty="0"/>
-              <a:t>Same origin policy is enforced by browsers</a:t>
-            </a:r>
-          </a:p>
-          <a:p>
-            <a:r>
-              <a:rPr lang="en-US" dirty="0"/>
-              <a:t>Communicating with Twitter can move to the server</a:t>
-            </a:r>
-          </a:p>
-          <a:p>
-            <a:r>
-              <a:rPr lang="en-US" dirty="0"/>
-              <a:t>Server is allowed to send request to any origin</a:t>
-            </a:r>
-          </a:p>
-          <a:p>
-            <a:r>
-              <a:rPr lang="en-US" dirty="0"/>
-              <a:t>However, user identity is lost</a:t>
-            </a:r>
+          <a:bodyPr>
+            <a:normAutofit lnSpcReduction="10000"/>
+          </a:bodyPr>
+          <a:lstStyle/>
+          <a:p>
+            <a:r>
+              <a:rPr lang="en-US" dirty="0"/>
+              <a:t>AJAX request sent to different domain is prohibited</a:t>
+            </a:r>
+          </a:p>
+          <a:p>
+            <a:pPr lvl="1"/>
+            <a:r>
+              <a:rPr lang="en-US" dirty="0"/>
+              <a:t>To prevent CSRF</a:t>
+            </a:r>
+          </a:p>
+          <a:p>
+            <a:r>
+              <a:rPr lang="en-US" dirty="0"/>
+              <a:t>The following is considered different origin</a:t>
+            </a:r>
+          </a:p>
+          <a:p>
+            <a:pPr lvl="1"/>
+            <a:r>
+              <a:rPr lang="en-US" b="1" dirty="0"/>
+              <a:t>Schema</a:t>
+            </a:r>
+            <a:r>
+              <a:rPr lang="en-US" dirty="0"/>
+              <a:t> - http vs. https</a:t>
+            </a:r>
+          </a:p>
+          <a:p>
+            <a:pPr lvl="1"/>
+            <a:r>
+              <a:rPr lang="en-US" b="1" dirty="0"/>
+              <a:t>Host</a:t>
+            </a:r>
+            <a:r>
+              <a:rPr lang="en-US" dirty="0"/>
+              <a:t> – g.com vs. google.com</a:t>
+            </a:r>
+          </a:p>
+          <a:p>
+            <a:pPr lvl="1"/>
+            <a:r>
+              <a:rPr lang="en-US" b="1" dirty="0"/>
+              <a:t>Port</a:t>
+            </a:r>
+            <a:r>
+              <a:rPr lang="en-US" dirty="0"/>
+              <a:t> – http://localhost:123 vs. http:/localhost:124</a:t>
+            </a:r>
+          </a:p>
+          <a:p>
+            <a:r>
+              <a:rPr lang="en-US" dirty="0"/>
+              <a:t>This means that one web site cannot share its data with other web sites</a:t>
+            </a:r>
+          </a:p>
+          <a:p>
+            <a:pPr lvl="1"/>
+            <a:r>
+              <a:rPr lang="en-US" dirty="0"/>
+              <a:t>For example, Twitter would like any site to get a list of the 10 latest most popular </a:t>
+            </a:r>
+            <a:r>
+              <a:rPr lang="en-US" dirty="0" err="1"/>
+              <a:t>twitts</a:t>
+            </a:r>
+            <a:endParaRPr lang="en-US" dirty="0"/>
           </a:p>
         </p:txBody>
       </p:sp>
     </p:spTree>
     <p:extLst>
       <p:ext uri="{BB962C8B-B14F-4D97-AF65-F5344CB8AC3E}">
-        <p14:creationId xmlns:p14="http://schemas.microsoft.com/office/powerpoint/2010/main" val="514619177"/>
+        <p14:creationId xmlns:p14="http://schemas.microsoft.com/office/powerpoint/2010/main" val="1428768577"/>
       </p:ext>
     </p:extLst>
   </p:cSld>
@@ -5034,7 +5047,7 @@
           <a:p>
             <a:r>
               <a:rPr lang="en-US" dirty="0"/>
-              <a:t>JSONP</a:t>
+              <a:t>Same Origin Policy</a:t>
             </a:r>
           </a:p>
         </p:txBody>
@@ -5079,10 +5092,292 @@
           </a:bodyPr>
           <a:lstStyle/>
           <a:p>
+            <a:fld id="{6EDEC3BC-0694-4586-AE63-02B4D54ABF43}" type="slidenum">
+              <a:rPr lang="en-US" smtClean="0"/>
+              <a:pPr/>
+              <a:t>14</a:t>
+            </a:fld>
+            <a:endParaRPr lang="en-US"/>
+          </a:p>
+        </p:txBody>
+      </p:sp>
+      <p:sp>
+        <p:nvSpPr>
+          <p:cNvPr id="5" name="Content Placeholder 4"/>
+          <p:cNvSpPr>
+            <a:spLocks noGrp="1"/>
+          </p:cNvSpPr>
+          <p:nvPr>
+            <p:ph sz="quarter" idx="1"/>
+          </p:nvPr>
+        </p:nvSpPr>
+        <p:spPr/>
+        <p:txBody>
+          <a:bodyPr/>
+          <a:lstStyle/>
+          <a:p>
+            <a:r>
+              <a:rPr lang="en-US" dirty="0"/>
+              <a:t>This policy prevents sharing data easily between different sites</a:t>
+            </a:r>
+          </a:p>
+          <a:p>
+            <a:r>
+              <a:rPr lang="en-US" dirty="0"/>
+              <a:t>Think about Twitter</a:t>
+            </a:r>
+          </a:p>
+          <a:p>
+            <a:r>
+              <a:rPr lang="en-US" dirty="0"/>
+              <a:t>It want to share the top 10 most popular twits with any site</a:t>
+            </a:r>
+          </a:p>
+          <a:p>
+            <a:r>
+              <a:rPr lang="en-US" dirty="0"/>
+              <a:t>How can we bypass this policy ?</a:t>
+            </a:r>
+          </a:p>
+        </p:txBody>
+      </p:sp>
+    </p:spTree>
+    <p:extLst>
+      <p:ext uri="{BB962C8B-B14F-4D97-AF65-F5344CB8AC3E}">
+        <p14:creationId xmlns:p14="http://schemas.microsoft.com/office/powerpoint/2010/main" val="4209884408"/>
+      </p:ext>
+    </p:extLst>
+  </p:cSld>
+  <p:clrMapOvr>
+    <a:masterClrMapping/>
+  </p:clrMapOvr>
+</p:sld>
+</file>
+
+<file path=ppt/slides/slide15.xml><?xml version="1.0" encoding="utf-8"?>
+<p:sld xmlns:a="http://schemas.openxmlformats.org/drawingml/2006/main" xmlns:r="http://schemas.openxmlformats.org/officeDocument/2006/relationships" xmlns:p="http://schemas.openxmlformats.org/presentationml/2006/main">
+  <p:cSld>
+    <p:spTree>
+      <p:nvGrpSpPr>
+        <p:cNvPr id="1" name=""/>
+        <p:cNvGrpSpPr/>
+        <p:nvPr/>
+      </p:nvGrpSpPr>
+      <p:grpSpPr>
+        <a:xfrm>
+          <a:off x="0" y="0"/>
+          <a:ext cx="0" cy="0"/>
+          <a:chOff x="0" y="0"/>
+          <a:chExt cx="0" cy="0"/>
+        </a:xfrm>
+      </p:grpSpPr>
+      <p:sp>
+        <p:nvSpPr>
+          <p:cNvPr id="2" name="Title 1"/>
+          <p:cNvSpPr>
+            <a:spLocks noGrp="1"/>
+          </p:cNvSpPr>
+          <p:nvPr>
+            <p:ph type="title"/>
+          </p:nvPr>
+        </p:nvSpPr>
+        <p:spPr/>
+        <p:txBody>
+          <a:bodyPr/>
+          <a:lstStyle/>
+          <a:p>
+            <a:r>
+              <a:rPr lang="en-US" dirty="0"/>
+              <a:t>Server as a Proxy</a:t>
+            </a:r>
+          </a:p>
+        </p:txBody>
+      </p:sp>
+      <p:sp>
+        <p:nvSpPr>
+          <p:cNvPr id="3" name="Footer Placeholder 2"/>
+          <p:cNvSpPr>
+            <a:spLocks noGrp="1"/>
+          </p:cNvSpPr>
+          <p:nvPr>
+            <p:ph type="ftr" sz="quarter" idx="11"/>
+          </p:nvPr>
+        </p:nvSpPr>
+        <p:spPr/>
+        <p:txBody>
+          <a:bodyPr/>
+          <a:lstStyle/>
+          <a:p>
+            <a:r>
+              <a:rPr lang="en-US"/>
+              <a:t>© 2017 Ori Calvo</a:t>
+            </a:r>
+            <a:endParaRPr lang="en-US" dirty="0"/>
+          </a:p>
+        </p:txBody>
+      </p:sp>
+      <p:sp>
+        <p:nvSpPr>
+          <p:cNvPr id="4" name="Slide Number Placeholder 3"/>
+          <p:cNvSpPr>
+            <a:spLocks noGrp="1"/>
+          </p:cNvSpPr>
+          <p:nvPr>
+            <p:ph type="sldNum" sz="quarter" idx="12"/>
+          </p:nvPr>
+        </p:nvSpPr>
+        <p:spPr/>
+        <p:txBody>
+          <a:bodyPr>
+            <a:normAutofit fontScale="85000" lnSpcReduction="20000"/>
+          </a:bodyPr>
+          <a:lstStyle/>
+          <a:p>
+            <a:fld id="{6EDEC3BC-0694-4586-AE63-02B4D54ABF43}" type="slidenum">
+              <a:rPr lang="en-US" smtClean="0"/>
+              <a:pPr/>
+              <a:t>15</a:t>
+            </a:fld>
+            <a:endParaRPr lang="en-US"/>
+          </a:p>
+        </p:txBody>
+      </p:sp>
+      <p:sp>
+        <p:nvSpPr>
+          <p:cNvPr id="5" name="Content Placeholder 4"/>
+          <p:cNvSpPr>
+            <a:spLocks noGrp="1"/>
+          </p:cNvSpPr>
+          <p:nvPr>
+            <p:ph sz="quarter" idx="1"/>
+          </p:nvPr>
+        </p:nvSpPr>
+        <p:spPr/>
+        <p:txBody>
+          <a:bodyPr/>
+          <a:lstStyle/>
+          <a:p>
+            <a:r>
+              <a:rPr lang="en-US" dirty="0"/>
+              <a:t>Same origin policy is enforced by browsers</a:t>
+            </a:r>
+          </a:p>
+          <a:p>
+            <a:r>
+              <a:rPr lang="en-US" dirty="0"/>
+              <a:t>Communicating with Twitter can move to the server</a:t>
+            </a:r>
+          </a:p>
+          <a:p>
+            <a:r>
+              <a:rPr lang="en-US" dirty="0"/>
+              <a:t>Server is allowed to send request to any origin</a:t>
+            </a:r>
+          </a:p>
+          <a:p>
+            <a:r>
+              <a:rPr lang="en-US" dirty="0"/>
+              <a:t>However, user identity is lost</a:t>
+            </a:r>
+          </a:p>
+        </p:txBody>
+      </p:sp>
+    </p:spTree>
+    <p:extLst>
+      <p:ext uri="{BB962C8B-B14F-4D97-AF65-F5344CB8AC3E}">
+        <p14:creationId xmlns:p14="http://schemas.microsoft.com/office/powerpoint/2010/main" val="514619177"/>
+      </p:ext>
+    </p:extLst>
+  </p:cSld>
+  <p:clrMapOvr>
+    <a:masterClrMapping/>
+  </p:clrMapOvr>
+</p:sld>
+</file>
+
+<file path=ppt/slides/slide16.xml><?xml version="1.0" encoding="utf-8"?>
+<p:sld xmlns:a="http://schemas.openxmlformats.org/drawingml/2006/main" xmlns:r="http://schemas.openxmlformats.org/officeDocument/2006/relationships" xmlns:p="http://schemas.openxmlformats.org/presentationml/2006/main">
+  <p:cSld>
+    <p:spTree>
+      <p:nvGrpSpPr>
+        <p:cNvPr id="1" name=""/>
+        <p:cNvGrpSpPr/>
+        <p:nvPr/>
+      </p:nvGrpSpPr>
+      <p:grpSpPr>
+        <a:xfrm>
+          <a:off x="0" y="0"/>
+          <a:ext cx="0" cy="0"/>
+          <a:chOff x="0" y="0"/>
+          <a:chExt cx="0" cy="0"/>
+        </a:xfrm>
+      </p:grpSpPr>
+      <p:sp>
+        <p:nvSpPr>
+          <p:cNvPr id="2" name="Title 1"/>
+          <p:cNvSpPr>
+            <a:spLocks noGrp="1"/>
+          </p:cNvSpPr>
+          <p:nvPr>
+            <p:ph type="title"/>
+          </p:nvPr>
+        </p:nvSpPr>
+        <p:spPr/>
+        <p:txBody>
+          <a:bodyPr/>
+          <a:lstStyle/>
+          <a:p>
+            <a:r>
+              <a:rPr lang="en-US" dirty="0"/>
+              <a:t>JSONP</a:t>
+            </a:r>
+          </a:p>
+        </p:txBody>
+      </p:sp>
+      <p:sp>
+        <p:nvSpPr>
+          <p:cNvPr id="3" name="Footer Placeholder 2"/>
+          <p:cNvSpPr>
+            <a:spLocks noGrp="1"/>
+          </p:cNvSpPr>
+          <p:nvPr>
+            <p:ph type="ftr" sz="quarter" idx="11"/>
+          </p:nvPr>
+        </p:nvSpPr>
+        <p:spPr/>
+        <p:txBody>
+          <a:bodyPr/>
+          <a:lstStyle/>
+          <a:p>
+            <a:r>
+              <a:rPr lang="en-US"/>
+              <a:t>© 2017 Ori Calvo</a:t>
+            </a:r>
+            <a:endParaRPr lang="en-US" dirty="0"/>
+          </a:p>
+        </p:txBody>
+      </p:sp>
+      <p:sp>
+        <p:nvSpPr>
+          <p:cNvPr id="4" name="Slide Number Placeholder 3"/>
+          <p:cNvSpPr>
+            <a:spLocks noGrp="1"/>
+          </p:cNvSpPr>
+          <p:nvPr>
+            <p:ph type="sldNum" sz="quarter" idx="12"/>
+          </p:nvPr>
+        </p:nvSpPr>
+        <p:spPr/>
+        <p:txBody>
+          <a:bodyPr>
+            <a:normAutofit fontScale="85000" lnSpcReduction="20000"/>
+          </a:bodyPr>
+          <a:lstStyle/>
+          <a:p>
             <a:fld id="{87B78B44-2135-4DB2-B732-E7D5FFF77B6A}" type="slidenum">
               <a:rPr lang="en-US" smtClean="0"/>
               <a:pPr/>
-              <a:t>14</a:t>
+              <a:t>16</a:t>
             </a:fld>
             <a:endParaRPr lang="en-US"/>
           </a:p>
@@ -5405,7 +5700,7 @@
 </p:sld>
 </file>
 
-<file path=ppt/slides/slide15.xml><?xml version="1.0" encoding="utf-8"?>
+<file path=ppt/slides/slide17.xml><?xml version="1.0" encoding="utf-8"?>
 <p:sld xmlns:a="http://schemas.openxmlformats.org/drawingml/2006/main" xmlns:r="http://schemas.openxmlformats.org/officeDocument/2006/relationships" xmlns:p="http://schemas.openxmlformats.org/presentationml/2006/main">
   <p:cSld>
     <p:spTree>
@@ -5487,7 +5782,7 @@
             <a:fld id="{87B78B44-2135-4DB2-B732-E7D5FFF77B6A}" type="slidenum">
               <a:rPr lang="en-US" smtClean="0"/>
               <a:pPr/>
-              <a:t>15</a:t>
+              <a:t>17</a:t>
             </a:fld>
             <a:endParaRPr lang="en-US"/>
           </a:p>
@@ -5943,853 +6238,6 @@
     <p:extLst>
       <p:ext uri="{BB962C8B-B14F-4D97-AF65-F5344CB8AC3E}">
         <p14:creationId xmlns:p14="http://schemas.microsoft.com/office/powerpoint/2010/main" val="2774266087"/>
-      </p:ext>
-    </p:extLst>
-  </p:cSld>
-  <p:clrMapOvr>
-    <a:masterClrMapping/>
-  </p:clrMapOvr>
-</p:sld>
-</file>
-
-<file path=ppt/slides/slide16.xml><?xml version="1.0" encoding="utf-8"?>
-<p:sld xmlns:a="http://schemas.openxmlformats.org/drawingml/2006/main" xmlns:r="http://schemas.openxmlformats.org/officeDocument/2006/relationships" xmlns:p="http://schemas.openxmlformats.org/presentationml/2006/main">
-  <p:cSld>
-    <p:spTree>
-      <p:nvGrpSpPr>
-        <p:cNvPr id="1" name=""/>
-        <p:cNvGrpSpPr/>
-        <p:nvPr/>
-      </p:nvGrpSpPr>
-      <p:grpSpPr>
-        <a:xfrm>
-          <a:off x="0" y="0"/>
-          <a:ext cx="0" cy="0"/>
-          <a:chOff x="0" y="0"/>
-          <a:chExt cx="0" cy="0"/>
-        </a:xfrm>
-      </p:grpSpPr>
-      <p:sp>
-        <p:nvSpPr>
-          <p:cNvPr id="2" name="Title 1"/>
-          <p:cNvSpPr>
-            <a:spLocks noGrp="1"/>
-          </p:cNvSpPr>
-          <p:nvPr>
-            <p:ph type="title"/>
-          </p:nvPr>
-        </p:nvSpPr>
-        <p:spPr/>
-        <p:txBody>
-          <a:bodyPr/>
-          <a:lstStyle/>
-          <a:p>
-            <a:r>
-              <a:rPr lang="en-US" dirty="0"/>
-              <a:t>JSONP - jQuery</a:t>
-            </a:r>
-          </a:p>
-        </p:txBody>
-      </p:sp>
-      <p:sp>
-        <p:nvSpPr>
-          <p:cNvPr id="3" name="Footer Placeholder 2"/>
-          <p:cNvSpPr>
-            <a:spLocks noGrp="1"/>
-          </p:cNvSpPr>
-          <p:nvPr>
-            <p:ph type="ftr" sz="quarter" idx="11"/>
-          </p:nvPr>
-        </p:nvSpPr>
-        <p:spPr/>
-        <p:txBody>
-          <a:bodyPr/>
-          <a:lstStyle/>
-          <a:p>
-            <a:r>
-              <a:rPr lang="en-US"/>
-              <a:t>© 2017 Ori Calvo</a:t>
-            </a:r>
-            <a:endParaRPr lang="en-US" dirty="0"/>
-          </a:p>
-        </p:txBody>
-      </p:sp>
-      <p:sp>
-        <p:nvSpPr>
-          <p:cNvPr id="4" name="Slide Number Placeholder 3"/>
-          <p:cNvSpPr>
-            <a:spLocks noGrp="1"/>
-          </p:cNvSpPr>
-          <p:nvPr>
-            <p:ph type="sldNum" sz="quarter" idx="12"/>
-          </p:nvPr>
-        </p:nvSpPr>
-        <p:spPr/>
-        <p:txBody>
-          <a:bodyPr>
-            <a:normAutofit fontScale="85000" lnSpcReduction="20000"/>
-          </a:bodyPr>
-          <a:lstStyle/>
-          <a:p>
-            <a:fld id="{87B78B44-2135-4DB2-B732-E7D5FFF77B6A}" type="slidenum">
-              <a:rPr lang="en-US" smtClean="0"/>
-              <a:pPr/>
-              <a:t>16</a:t>
-            </a:fld>
-            <a:endParaRPr lang="en-US"/>
-          </a:p>
-        </p:txBody>
-      </p:sp>
-      <p:sp>
-        <p:nvSpPr>
-          <p:cNvPr id="5" name="Content Placeholder 4"/>
-          <p:cNvSpPr>
-            <a:spLocks noGrp="1"/>
-          </p:cNvSpPr>
-          <p:nvPr>
-            <p:ph sz="quarter" idx="1"/>
-          </p:nvPr>
-        </p:nvSpPr>
-        <p:spPr/>
-        <p:txBody>
-          <a:bodyPr/>
-          <a:lstStyle/>
-          <a:p>
-            <a:r>
-              <a:rPr lang="en-US" dirty="0"/>
-              <a:t>jQuery supports JSONP invocation through $.</a:t>
-            </a:r>
-            <a:r>
-              <a:rPr lang="en-US" dirty="0" err="1"/>
-              <a:t>ajax</a:t>
-            </a:r>
-            <a:endParaRPr lang="en-US" dirty="0"/>
-          </a:p>
-          <a:p>
-            <a:r>
-              <a:rPr lang="en-US" dirty="0"/>
-              <a:t>This is a totally different mechanism since there is no use of </a:t>
-            </a:r>
-            <a:r>
-              <a:rPr lang="en-US" dirty="0" err="1"/>
-              <a:t>XMLHttpRequest</a:t>
-            </a:r>
-            <a:r>
-              <a:rPr lang="en-US" dirty="0"/>
-              <a:t> object</a:t>
-            </a:r>
-          </a:p>
-          <a:p>
-            <a:r>
-              <a:rPr lang="en-US" dirty="0"/>
-              <a:t>Allow us to consume JSONP content as if it was plain HTTP service which returns JSON</a:t>
-            </a:r>
-          </a:p>
-        </p:txBody>
-      </p:sp>
-      <p:sp>
-        <p:nvSpPr>
-          <p:cNvPr id="6" name="Rectangle 1"/>
-          <p:cNvSpPr>
-            <a:spLocks noChangeArrowheads="1"/>
-          </p:cNvSpPr>
-          <p:nvPr/>
-        </p:nvSpPr>
-        <p:spPr bwMode="auto">
-          <a:xfrm>
-            <a:off x="3154959" y="4077072"/>
-            <a:ext cx="3068778" cy="2554545"/>
-          </a:xfrm>
-          <a:prstGeom prst="rect">
-            <a:avLst/>
-          </a:prstGeom>
-          <a:solidFill>
-            <a:schemeClr val="accent1">
-              <a:lumMod val="60000"/>
-              <a:lumOff val="40000"/>
-            </a:schemeClr>
-          </a:solidFill>
-          <a:ln>
-            <a:noFill/>
-          </a:ln>
-          <a:effectLst>
-            <a:outerShdw blurRad="50800" dist="38100" dir="2700000" algn="tl" rotWithShape="0">
-              <a:prstClr val="black">
-                <a:alpha val="40000"/>
-              </a:prstClr>
-            </a:outerShdw>
-          </a:effectLst>
-        </p:spPr>
-        <p:txBody>
-          <a:bodyPr vert="horz" wrap="square" lIns="91440" tIns="45720" rIns="91440" bIns="45720" numCol="1" anchor="ctr" anchorCtr="0" compatLnSpc="1">
-            <a:prstTxWarp prst="textNoShape">
-              <a:avLst/>
-            </a:prstTxWarp>
-            <a:spAutoFit/>
-          </a:bodyPr>
-          <a:lstStyle/>
-          <a:p>
-            <a:pPr marL="0" marR="0" lvl="0" indent="0" algn="l" defTabSz="914400" rtl="0" eaLnBrk="0" fontAlgn="base" latinLnBrk="0" hangingPunct="0">
-              <a:lnSpc>
-                <a:spcPct val="100000"/>
-              </a:lnSpc>
-              <a:spcBef>
-                <a:spcPct val="0"/>
-              </a:spcBef>
-              <a:spcAft>
-                <a:spcPct val="0"/>
-              </a:spcAft>
-              <a:buClrTx/>
-              <a:buSzTx/>
-              <a:buFontTx/>
-              <a:buNone/>
-              <a:tabLst/>
-            </a:pPr>
-            <a:r>
-              <a:rPr kumimoji="0" lang="en-US" altLang="en-US" sz="1600" b="0" i="0" u="none" strike="noStrike" cap="none" normalizeH="0" baseline="0" dirty="0">
-                <a:ln>
-                  <a:noFill/>
-                </a:ln>
-                <a:solidFill>
-                  <a:srgbClr val="000000"/>
-                </a:solidFill>
-                <a:effectLst/>
-                <a:cs typeface="Consolas" panose="020B0609020204030204" pitchFamily="49" charset="0"/>
-              </a:rPr>
-              <a:t>$.</a:t>
-            </a:r>
-            <a:r>
-              <a:rPr kumimoji="0" lang="en-US" altLang="en-US" sz="1600" b="0" i="0" u="none" strike="noStrike" cap="none" normalizeH="0" baseline="0" dirty="0" err="1">
-                <a:ln>
-                  <a:noFill/>
-                </a:ln>
-                <a:solidFill>
-                  <a:srgbClr val="000000"/>
-                </a:solidFill>
-                <a:effectLst/>
-                <a:cs typeface="Consolas" panose="020B0609020204030204" pitchFamily="49" charset="0"/>
-              </a:rPr>
-              <a:t>ajax</a:t>
-            </a:r>
-            <a:r>
-              <a:rPr kumimoji="0" lang="en-US" altLang="en-US" sz="1600" b="0" i="0" u="none" strike="noStrike" cap="none" normalizeH="0" baseline="0" dirty="0">
-                <a:ln>
-                  <a:noFill/>
-                </a:ln>
-                <a:solidFill>
-                  <a:srgbClr val="000000"/>
-                </a:solidFill>
-                <a:effectLst/>
-                <a:cs typeface="Consolas" panose="020B0609020204030204" pitchFamily="49" charset="0"/>
-              </a:rPr>
-              <a:t>({</a:t>
-            </a:r>
-          </a:p>
-          <a:p>
-            <a:pPr marL="0" marR="0" lvl="0" indent="0" algn="l" defTabSz="914400" rtl="0" eaLnBrk="0" fontAlgn="base" latinLnBrk="0" hangingPunct="0">
-              <a:lnSpc>
-                <a:spcPct val="100000"/>
-              </a:lnSpc>
-              <a:spcBef>
-                <a:spcPct val="0"/>
-              </a:spcBef>
-              <a:spcAft>
-                <a:spcPct val="0"/>
-              </a:spcAft>
-              <a:buClrTx/>
-              <a:buSzTx/>
-              <a:buFontTx/>
-              <a:buNone/>
-              <a:tabLst/>
-            </a:pPr>
-            <a:r>
-              <a:rPr kumimoji="0" lang="en-US" altLang="en-US" sz="1600" b="0" i="0" u="none" strike="noStrike" cap="none" normalizeH="0" baseline="0" dirty="0">
-                <a:ln>
-                  <a:noFill/>
-                </a:ln>
-                <a:solidFill>
-                  <a:srgbClr val="000000"/>
-                </a:solidFill>
-                <a:effectLst/>
-                <a:cs typeface="Consolas" panose="020B0609020204030204" pitchFamily="49" charset="0"/>
-              </a:rPr>
-              <a:t>     url: </a:t>
-            </a:r>
-            <a:r>
-              <a:rPr kumimoji="0" lang="en-US" altLang="en-US" sz="1600" b="0" i="0" u="none" strike="noStrike" cap="none" normalizeH="0" baseline="0" dirty="0">
-                <a:ln>
-                  <a:noFill/>
-                </a:ln>
-                <a:solidFill>
-                  <a:srgbClr val="A31515"/>
-                </a:solidFill>
-                <a:effectLst/>
-                <a:cs typeface="Consolas" panose="020B0609020204030204" pitchFamily="49" charset="0"/>
-              </a:rPr>
-              <a:t>"/Home/Get"</a:t>
-            </a:r>
-            <a:r>
-              <a:rPr kumimoji="0" lang="en-US" altLang="en-US" sz="1600" b="0" i="0" u="none" strike="noStrike" cap="none" normalizeH="0" baseline="0" dirty="0">
-                <a:ln>
-                  <a:noFill/>
-                </a:ln>
-                <a:solidFill>
-                  <a:srgbClr val="000000"/>
-                </a:solidFill>
-                <a:effectLst/>
-                <a:cs typeface="Consolas" panose="020B0609020204030204" pitchFamily="49" charset="0"/>
-              </a:rPr>
-              <a:t>,</a:t>
-            </a:r>
-          </a:p>
-          <a:p>
-            <a:pPr marL="0" marR="0" lvl="0" indent="0" algn="l" defTabSz="914400" rtl="0" eaLnBrk="0" fontAlgn="base" latinLnBrk="0" hangingPunct="0">
-              <a:lnSpc>
-                <a:spcPct val="100000"/>
-              </a:lnSpc>
-              <a:spcBef>
-                <a:spcPct val="0"/>
-              </a:spcBef>
-              <a:spcAft>
-                <a:spcPct val="0"/>
-              </a:spcAft>
-              <a:buClrTx/>
-              <a:buSzTx/>
-              <a:buFontTx/>
-              <a:buNone/>
-              <a:tabLst/>
-            </a:pPr>
-            <a:r>
-              <a:rPr kumimoji="0" lang="en-US" altLang="en-US" sz="1600" b="0" i="0" u="none" strike="noStrike" cap="none" normalizeH="0" baseline="0" dirty="0">
-                <a:ln>
-                  <a:noFill/>
-                </a:ln>
-                <a:solidFill>
-                  <a:srgbClr val="000000"/>
-                </a:solidFill>
-                <a:effectLst/>
-                <a:cs typeface="Consolas" panose="020B0609020204030204" pitchFamily="49" charset="0"/>
-              </a:rPr>
-              <a:t>     </a:t>
-            </a:r>
-            <a:r>
-              <a:rPr kumimoji="0" lang="en-US" altLang="en-US" sz="1600" b="0" i="0" u="none" strike="noStrike" cap="none" normalizeH="0" baseline="0" dirty="0" err="1">
-                <a:ln>
-                  <a:noFill/>
-                </a:ln>
-                <a:solidFill>
-                  <a:srgbClr val="000000"/>
-                </a:solidFill>
-                <a:effectLst/>
-                <a:cs typeface="Consolas" panose="020B0609020204030204" pitchFamily="49" charset="0"/>
-              </a:rPr>
-              <a:t>dataType</a:t>
-            </a:r>
-            <a:r>
-              <a:rPr kumimoji="0" lang="en-US" altLang="en-US" sz="1600" b="0" i="0" u="none" strike="noStrike" cap="none" normalizeH="0" baseline="0" dirty="0">
-                <a:ln>
-                  <a:noFill/>
-                </a:ln>
-                <a:solidFill>
-                  <a:srgbClr val="000000"/>
-                </a:solidFill>
-                <a:effectLst/>
-                <a:cs typeface="Consolas" panose="020B0609020204030204" pitchFamily="49" charset="0"/>
-              </a:rPr>
-              <a:t>: </a:t>
-            </a:r>
-            <a:r>
-              <a:rPr kumimoji="0" lang="en-US" altLang="en-US" sz="1600" b="0" i="0" u="none" strike="noStrike" cap="none" normalizeH="0" baseline="0" dirty="0">
-                <a:ln>
-                  <a:noFill/>
-                </a:ln>
-                <a:solidFill>
-                  <a:srgbClr val="A31515"/>
-                </a:solidFill>
-                <a:effectLst/>
-                <a:cs typeface="Consolas" panose="020B0609020204030204" pitchFamily="49" charset="0"/>
-              </a:rPr>
-              <a:t>"</a:t>
-            </a:r>
-            <a:r>
-              <a:rPr kumimoji="0" lang="en-US" altLang="en-US" sz="1600" b="0" i="0" u="none" strike="noStrike" cap="none" normalizeH="0" baseline="0" dirty="0" err="1">
-                <a:ln>
-                  <a:noFill/>
-                </a:ln>
-                <a:solidFill>
-                  <a:srgbClr val="A31515"/>
-                </a:solidFill>
-                <a:effectLst/>
-                <a:cs typeface="Consolas" panose="020B0609020204030204" pitchFamily="49" charset="0"/>
-              </a:rPr>
-              <a:t>jsonp</a:t>
-            </a:r>
-            <a:r>
-              <a:rPr kumimoji="0" lang="en-US" altLang="en-US" sz="1600" b="0" i="0" u="none" strike="noStrike" cap="none" normalizeH="0" baseline="0" dirty="0">
-                <a:ln>
-                  <a:noFill/>
-                </a:ln>
-                <a:solidFill>
-                  <a:srgbClr val="A31515"/>
-                </a:solidFill>
-                <a:effectLst/>
-                <a:cs typeface="Consolas" panose="020B0609020204030204" pitchFamily="49" charset="0"/>
-              </a:rPr>
-              <a:t>"</a:t>
-            </a:r>
-            <a:r>
-              <a:rPr kumimoji="0" lang="en-US" altLang="en-US" sz="1600" b="0" i="0" u="none" strike="noStrike" cap="none" normalizeH="0" baseline="0" dirty="0">
-                <a:ln>
-                  <a:noFill/>
-                </a:ln>
-                <a:solidFill>
-                  <a:srgbClr val="000000"/>
-                </a:solidFill>
-                <a:effectLst/>
-                <a:cs typeface="Consolas" panose="020B0609020204030204" pitchFamily="49" charset="0"/>
-              </a:rPr>
-              <a:t>,</a:t>
-            </a:r>
-          </a:p>
-          <a:p>
-            <a:pPr marL="0" marR="0" lvl="0" indent="0" algn="l" defTabSz="914400" rtl="0" eaLnBrk="0" fontAlgn="base" latinLnBrk="0" hangingPunct="0">
-              <a:lnSpc>
-                <a:spcPct val="100000"/>
-              </a:lnSpc>
-              <a:spcBef>
-                <a:spcPct val="0"/>
-              </a:spcBef>
-              <a:spcAft>
-                <a:spcPct val="0"/>
-              </a:spcAft>
-              <a:buClrTx/>
-              <a:buSzTx/>
-              <a:buFontTx/>
-              <a:buNone/>
-              <a:tabLst/>
-            </a:pPr>
-            <a:r>
-              <a:rPr kumimoji="0" lang="en-US" altLang="en-US" sz="1600" b="0" i="0" u="none" strike="noStrike" cap="none" normalizeH="0" baseline="0" dirty="0">
-                <a:ln>
-                  <a:noFill/>
-                </a:ln>
-                <a:solidFill>
-                  <a:srgbClr val="000000"/>
-                </a:solidFill>
-                <a:effectLst/>
-                <a:cs typeface="Consolas" panose="020B0609020204030204" pitchFamily="49" charset="0"/>
-              </a:rPr>
-              <a:t>     success: </a:t>
-            </a:r>
-            <a:r>
-              <a:rPr kumimoji="0" lang="en-US" altLang="en-US" sz="1600" b="0" i="0" u="none" strike="noStrike" cap="none" normalizeH="0" baseline="0" dirty="0">
-                <a:ln>
-                  <a:noFill/>
-                </a:ln>
-                <a:solidFill>
-                  <a:srgbClr val="0000FF"/>
-                </a:solidFill>
-                <a:effectLst/>
-                <a:cs typeface="Consolas" panose="020B0609020204030204" pitchFamily="49" charset="0"/>
-              </a:rPr>
-              <a:t>function</a:t>
-            </a:r>
-            <a:r>
-              <a:rPr kumimoji="0" lang="en-US" altLang="en-US" sz="1600" b="0" i="0" u="none" strike="noStrike" cap="none" normalizeH="0" baseline="0" dirty="0">
-                <a:ln>
-                  <a:noFill/>
-                </a:ln>
-                <a:solidFill>
-                  <a:srgbClr val="000000"/>
-                </a:solidFill>
-                <a:effectLst/>
-                <a:cs typeface="Consolas" panose="020B0609020204030204" pitchFamily="49" charset="0"/>
-              </a:rPr>
-              <a:t> (data) {</a:t>
-            </a:r>
-          </a:p>
-          <a:p>
-            <a:pPr marL="0" marR="0" lvl="0" indent="0" algn="l" defTabSz="914400" rtl="0" eaLnBrk="0" fontAlgn="base" latinLnBrk="0" hangingPunct="0">
-              <a:lnSpc>
-                <a:spcPct val="100000"/>
-              </a:lnSpc>
-              <a:spcBef>
-                <a:spcPct val="0"/>
-              </a:spcBef>
-              <a:spcAft>
-                <a:spcPct val="0"/>
-              </a:spcAft>
-              <a:buClrTx/>
-              <a:buSzTx/>
-              <a:buFontTx/>
-              <a:buNone/>
-              <a:tabLst/>
-            </a:pPr>
-            <a:r>
-              <a:rPr kumimoji="0" lang="en-US" altLang="en-US" sz="1600" b="0" i="0" u="none" strike="noStrike" cap="none" normalizeH="0" baseline="0" dirty="0">
-                <a:ln>
-                  <a:noFill/>
-                </a:ln>
-                <a:solidFill>
-                  <a:srgbClr val="000000"/>
-                </a:solidFill>
-                <a:effectLst/>
-                <a:cs typeface="Consolas" panose="020B0609020204030204" pitchFamily="49" charset="0"/>
-              </a:rPr>
-              <a:t>         console.log(data);</a:t>
-            </a:r>
-          </a:p>
-          <a:p>
-            <a:pPr marL="0" marR="0" lvl="0" indent="0" algn="l" defTabSz="914400" rtl="0" eaLnBrk="0" fontAlgn="base" latinLnBrk="0" hangingPunct="0">
-              <a:lnSpc>
-                <a:spcPct val="100000"/>
-              </a:lnSpc>
-              <a:spcBef>
-                <a:spcPct val="0"/>
-              </a:spcBef>
-              <a:spcAft>
-                <a:spcPct val="0"/>
-              </a:spcAft>
-              <a:buClrTx/>
-              <a:buSzTx/>
-              <a:buFontTx/>
-              <a:buNone/>
-              <a:tabLst/>
-            </a:pPr>
-            <a:r>
-              <a:rPr kumimoji="0" lang="en-US" altLang="en-US" sz="1600" b="0" i="0" u="none" strike="noStrike" cap="none" normalizeH="0" baseline="0" dirty="0">
-                <a:ln>
-                  <a:noFill/>
-                </a:ln>
-                <a:solidFill>
-                  <a:srgbClr val="000000"/>
-                </a:solidFill>
-                <a:effectLst/>
-                <a:cs typeface="Consolas" panose="020B0609020204030204" pitchFamily="49" charset="0"/>
-              </a:rPr>
-              <a:t>     },</a:t>
-            </a:r>
-          </a:p>
-          <a:p>
-            <a:pPr marL="0" marR="0" lvl="0" indent="0" algn="l" defTabSz="914400" rtl="0" eaLnBrk="0" fontAlgn="base" latinLnBrk="0" hangingPunct="0">
-              <a:lnSpc>
-                <a:spcPct val="100000"/>
-              </a:lnSpc>
-              <a:spcBef>
-                <a:spcPct val="0"/>
-              </a:spcBef>
-              <a:spcAft>
-                <a:spcPct val="0"/>
-              </a:spcAft>
-              <a:buClrTx/>
-              <a:buSzTx/>
-              <a:buFontTx/>
-              <a:buNone/>
-              <a:tabLst/>
-            </a:pPr>
-            <a:r>
-              <a:rPr kumimoji="0" lang="en-US" altLang="en-US" sz="1600" b="0" i="0" u="none" strike="noStrike" cap="none" normalizeH="0" baseline="0" dirty="0">
-                <a:ln>
-                  <a:noFill/>
-                </a:ln>
-                <a:solidFill>
-                  <a:srgbClr val="000000"/>
-                </a:solidFill>
-                <a:effectLst/>
-                <a:cs typeface="Consolas" panose="020B0609020204030204" pitchFamily="49" charset="0"/>
-              </a:rPr>
-              <a:t>     error: </a:t>
-            </a:r>
-            <a:r>
-              <a:rPr kumimoji="0" lang="en-US" altLang="en-US" sz="1600" b="0" i="0" u="none" strike="noStrike" cap="none" normalizeH="0" baseline="0" dirty="0">
-                <a:ln>
-                  <a:noFill/>
-                </a:ln>
-                <a:solidFill>
-                  <a:srgbClr val="0000FF"/>
-                </a:solidFill>
-                <a:effectLst/>
-                <a:cs typeface="Consolas" panose="020B0609020204030204" pitchFamily="49" charset="0"/>
-              </a:rPr>
-              <a:t>function</a:t>
-            </a:r>
-            <a:r>
-              <a:rPr kumimoji="0" lang="en-US" altLang="en-US" sz="1600" b="0" i="0" u="none" strike="noStrike" cap="none" normalizeH="0" baseline="0" dirty="0">
-                <a:ln>
-                  <a:noFill/>
-                </a:ln>
-                <a:solidFill>
-                  <a:srgbClr val="000000"/>
-                </a:solidFill>
-                <a:effectLst/>
-                <a:cs typeface="Consolas" panose="020B0609020204030204" pitchFamily="49" charset="0"/>
-              </a:rPr>
-              <a:t> () {</a:t>
-            </a:r>
-          </a:p>
-          <a:p>
-            <a:pPr marL="0" marR="0" lvl="0" indent="0" algn="l" defTabSz="914400" rtl="0" eaLnBrk="0" fontAlgn="base" latinLnBrk="0" hangingPunct="0">
-              <a:lnSpc>
-                <a:spcPct val="100000"/>
-              </a:lnSpc>
-              <a:spcBef>
-                <a:spcPct val="0"/>
-              </a:spcBef>
-              <a:spcAft>
-                <a:spcPct val="0"/>
-              </a:spcAft>
-              <a:buClrTx/>
-              <a:buSzTx/>
-              <a:buFontTx/>
-              <a:buNone/>
-              <a:tabLst/>
-            </a:pPr>
-            <a:r>
-              <a:rPr kumimoji="0" lang="en-US" altLang="en-US" sz="1600" b="0" i="0" u="none" strike="noStrike" cap="none" normalizeH="0" baseline="0" dirty="0">
-                <a:ln>
-                  <a:noFill/>
-                </a:ln>
-                <a:solidFill>
-                  <a:srgbClr val="000000"/>
-                </a:solidFill>
-                <a:effectLst/>
-                <a:cs typeface="Consolas" panose="020B0609020204030204" pitchFamily="49" charset="0"/>
-              </a:rPr>
-              <a:t>         console.log(</a:t>
-            </a:r>
-            <a:r>
-              <a:rPr kumimoji="0" lang="en-US" altLang="en-US" sz="1600" b="0" i="0" u="none" strike="noStrike" cap="none" normalizeH="0" baseline="0" dirty="0">
-                <a:ln>
-                  <a:noFill/>
-                </a:ln>
-                <a:solidFill>
-                  <a:srgbClr val="A31515"/>
-                </a:solidFill>
-                <a:effectLst/>
-                <a:cs typeface="Consolas" panose="020B0609020204030204" pitchFamily="49" charset="0"/>
-              </a:rPr>
-              <a:t>"ERROR"</a:t>
-            </a:r>
-            <a:r>
-              <a:rPr kumimoji="0" lang="en-US" altLang="en-US" sz="1600" b="0" i="0" u="none" strike="noStrike" cap="none" normalizeH="0" baseline="0" dirty="0">
-                <a:ln>
-                  <a:noFill/>
-                </a:ln>
-                <a:solidFill>
-                  <a:srgbClr val="000000"/>
-                </a:solidFill>
-                <a:effectLst/>
-                <a:cs typeface="Consolas" panose="020B0609020204030204" pitchFamily="49" charset="0"/>
-              </a:rPr>
-              <a:t>);</a:t>
-            </a:r>
-          </a:p>
-          <a:p>
-            <a:pPr marL="0" marR="0" lvl="0" indent="0" algn="l" defTabSz="914400" rtl="0" eaLnBrk="0" fontAlgn="base" latinLnBrk="0" hangingPunct="0">
-              <a:lnSpc>
-                <a:spcPct val="100000"/>
-              </a:lnSpc>
-              <a:spcBef>
-                <a:spcPct val="0"/>
-              </a:spcBef>
-              <a:spcAft>
-                <a:spcPct val="0"/>
-              </a:spcAft>
-              <a:buClrTx/>
-              <a:buSzTx/>
-              <a:buFontTx/>
-              <a:buNone/>
-              <a:tabLst/>
-            </a:pPr>
-            <a:r>
-              <a:rPr kumimoji="0" lang="en-US" altLang="en-US" sz="1600" b="0" i="0" u="none" strike="noStrike" cap="none" normalizeH="0" baseline="0" dirty="0">
-                <a:ln>
-                  <a:noFill/>
-                </a:ln>
-                <a:solidFill>
-                  <a:srgbClr val="000000"/>
-                </a:solidFill>
-                <a:effectLst/>
-                <a:cs typeface="Consolas" panose="020B0609020204030204" pitchFamily="49" charset="0"/>
-              </a:rPr>
-              <a:t>     } </a:t>
-            </a:r>
-          </a:p>
-          <a:p>
-            <a:pPr marL="0" marR="0" lvl="0" indent="0" algn="l" defTabSz="914400" rtl="0" eaLnBrk="0" fontAlgn="base" latinLnBrk="0" hangingPunct="0">
-              <a:lnSpc>
-                <a:spcPct val="100000"/>
-              </a:lnSpc>
-              <a:spcBef>
-                <a:spcPct val="0"/>
-              </a:spcBef>
-              <a:spcAft>
-                <a:spcPct val="0"/>
-              </a:spcAft>
-              <a:buClrTx/>
-              <a:buSzTx/>
-              <a:buFontTx/>
-              <a:buNone/>
-              <a:tabLst/>
-            </a:pPr>
-            <a:r>
-              <a:rPr kumimoji="0" lang="en-US" altLang="en-US" sz="1600" b="0" i="0" u="none" strike="noStrike" cap="none" normalizeH="0" baseline="0" dirty="0">
-                <a:ln>
-                  <a:noFill/>
-                </a:ln>
-                <a:solidFill>
-                  <a:srgbClr val="000000"/>
-                </a:solidFill>
-                <a:effectLst/>
-                <a:cs typeface="Consolas" panose="020B0609020204030204" pitchFamily="49" charset="0"/>
-              </a:rPr>
-              <a:t>}); </a:t>
-            </a:r>
-            <a:endParaRPr kumimoji="0" lang="en-US" altLang="en-US" sz="1600" b="0" i="0" u="none" strike="noStrike" cap="none" normalizeH="0" baseline="0" dirty="0">
-              <a:ln>
-                <a:noFill/>
-              </a:ln>
-              <a:solidFill>
-                <a:schemeClr val="tx1"/>
-              </a:solidFill>
-              <a:effectLst/>
-            </a:endParaRPr>
-          </a:p>
-        </p:txBody>
-      </p:sp>
-    </p:spTree>
-    <p:extLst>
-      <p:ext uri="{BB962C8B-B14F-4D97-AF65-F5344CB8AC3E}">
-        <p14:creationId xmlns:p14="http://schemas.microsoft.com/office/powerpoint/2010/main" val="4265853025"/>
-      </p:ext>
-    </p:extLst>
-  </p:cSld>
-  <p:clrMapOvr>
-    <a:masterClrMapping/>
-  </p:clrMapOvr>
-</p:sld>
-</file>
-
-<file path=ppt/slides/slide17.xml><?xml version="1.0" encoding="utf-8"?>
-<p:sld xmlns:a="http://schemas.openxmlformats.org/drawingml/2006/main" xmlns:r="http://schemas.openxmlformats.org/officeDocument/2006/relationships" xmlns:p="http://schemas.openxmlformats.org/presentationml/2006/main">
-  <p:cSld>
-    <p:spTree>
-      <p:nvGrpSpPr>
-        <p:cNvPr id="1" name=""/>
-        <p:cNvGrpSpPr/>
-        <p:nvPr/>
-      </p:nvGrpSpPr>
-      <p:grpSpPr>
-        <a:xfrm>
-          <a:off x="0" y="0"/>
-          <a:ext cx="0" cy="0"/>
-          <a:chOff x="0" y="0"/>
-          <a:chExt cx="0" cy="0"/>
-        </a:xfrm>
-      </p:grpSpPr>
-      <p:sp>
-        <p:nvSpPr>
-          <p:cNvPr id="2" name="Title 1"/>
-          <p:cNvSpPr>
-            <a:spLocks noGrp="1"/>
-          </p:cNvSpPr>
-          <p:nvPr>
-            <p:ph type="title"/>
-          </p:nvPr>
-        </p:nvSpPr>
-        <p:spPr/>
-        <p:txBody>
-          <a:bodyPr/>
-          <a:lstStyle/>
-          <a:p>
-            <a:r>
-              <a:rPr lang="en-US" dirty="0"/>
-              <a:t>JSONP - DEMO</a:t>
-            </a:r>
-          </a:p>
-        </p:txBody>
-      </p:sp>
-      <p:sp>
-        <p:nvSpPr>
-          <p:cNvPr id="3" name="Footer Placeholder 2"/>
-          <p:cNvSpPr>
-            <a:spLocks noGrp="1"/>
-          </p:cNvSpPr>
-          <p:nvPr>
-            <p:ph type="ftr" sz="quarter" idx="11"/>
-          </p:nvPr>
-        </p:nvSpPr>
-        <p:spPr/>
-        <p:txBody>
-          <a:bodyPr/>
-          <a:lstStyle/>
-          <a:p>
-            <a:r>
-              <a:rPr lang="en-US"/>
-              <a:t>© 2017 Ori Calvo</a:t>
-            </a:r>
-            <a:endParaRPr lang="en-US" dirty="0"/>
-          </a:p>
-        </p:txBody>
-      </p:sp>
-      <p:sp>
-        <p:nvSpPr>
-          <p:cNvPr id="4" name="Slide Number Placeholder 3"/>
-          <p:cNvSpPr>
-            <a:spLocks noGrp="1"/>
-          </p:cNvSpPr>
-          <p:nvPr>
-            <p:ph type="sldNum" sz="quarter" idx="12"/>
-          </p:nvPr>
-        </p:nvSpPr>
-        <p:spPr/>
-        <p:txBody>
-          <a:bodyPr>
-            <a:normAutofit fontScale="85000" lnSpcReduction="20000"/>
-          </a:bodyPr>
-          <a:lstStyle/>
-          <a:p>
-            <a:fld id="{6EDEC3BC-0694-4586-AE63-02B4D54ABF43}" type="slidenum">
-              <a:rPr lang="en-US" smtClean="0"/>
-              <a:pPr/>
-              <a:t>17</a:t>
-            </a:fld>
-            <a:endParaRPr lang="en-US"/>
-          </a:p>
-        </p:txBody>
-      </p:sp>
-      <p:sp>
-        <p:nvSpPr>
-          <p:cNvPr id="5" name="Content Placeholder 4"/>
-          <p:cNvSpPr>
-            <a:spLocks noGrp="1"/>
-          </p:cNvSpPr>
-          <p:nvPr>
-            <p:ph sz="quarter" idx="1"/>
-          </p:nvPr>
-        </p:nvSpPr>
-        <p:spPr/>
-        <p:txBody>
-          <a:bodyPr/>
-          <a:lstStyle/>
-          <a:p>
-            <a:r>
-              <a:rPr lang="en-US" dirty="0"/>
-              <a:t>Create a REST API that returns JSONP</a:t>
-            </a:r>
-          </a:p>
-          <a:p>
-            <a:r>
-              <a:rPr lang="en-US" dirty="0"/>
-              <a:t>Consume JSONP using Angular</a:t>
-            </a:r>
-          </a:p>
-        </p:txBody>
-      </p:sp>
-    </p:spTree>
-    <p:extLst>
-      <p:ext uri="{BB962C8B-B14F-4D97-AF65-F5344CB8AC3E}">
-        <p14:creationId xmlns:p14="http://schemas.microsoft.com/office/powerpoint/2010/main" val="3913038432"/>
       </p:ext>
     </p:extLst>
   </p:cSld>
@@ -6833,7 +6281,7 @@
           <a:p>
             <a:r>
               <a:rPr lang="en-US" dirty="0"/>
-              <a:t>CORS</a:t>
+              <a:t>JSONP - jQuery</a:t>
             </a:r>
           </a:p>
         </p:txBody>
@@ -6899,89 +6347,615 @@
         </p:nvSpPr>
         <p:spPr/>
         <p:txBody>
-          <a:bodyPr>
-            <a:normAutofit lnSpcReduction="10000"/>
+          <a:bodyPr/>
+          <a:lstStyle/>
+          <a:p>
+            <a:r>
+              <a:rPr lang="en-US" dirty="0"/>
+              <a:t>jQuery supports JSONP invocation through $.</a:t>
+            </a:r>
+            <a:r>
+              <a:rPr lang="en-US" dirty="0" err="1"/>
+              <a:t>ajax</a:t>
+            </a:r>
+            <a:endParaRPr lang="en-US" dirty="0"/>
+          </a:p>
+          <a:p>
+            <a:r>
+              <a:rPr lang="en-US" dirty="0"/>
+              <a:t>This is a totally different mechanism since there is no use of </a:t>
+            </a:r>
+            <a:r>
+              <a:rPr lang="en-US" dirty="0" err="1"/>
+              <a:t>XMLHttpRequest</a:t>
+            </a:r>
+            <a:r>
+              <a:rPr lang="en-US" dirty="0"/>
+              <a:t> object</a:t>
+            </a:r>
+          </a:p>
+          <a:p>
+            <a:r>
+              <a:rPr lang="en-US" dirty="0"/>
+              <a:t>Allow us to consume JSONP content as if it was plain HTTP service which returns JSON</a:t>
+            </a:r>
+          </a:p>
+        </p:txBody>
+      </p:sp>
+      <p:sp>
+        <p:nvSpPr>
+          <p:cNvPr id="6" name="Rectangle 1"/>
+          <p:cNvSpPr>
+            <a:spLocks noChangeArrowheads="1"/>
+          </p:cNvSpPr>
+          <p:nvPr/>
+        </p:nvSpPr>
+        <p:spPr bwMode="auto">
+          <a:xfrm>
+            <a:off x="3154959" y="4077072"/>
+            <a:ext cx="3068778" cy="2554545"/>
+          </a:xfrm>
+          <a:prstGeom prst="rect">
+            <a:avLst/>
+          </a:prstGeom>
+          <a:solidFill>
+            <a:schemeClr val="accent1">
+              <a:lumMod val="60000"/>
+              <a:lumOff val="40000"/>
+            </a:schemeClr>
+          </a:solidFill>
+          <a:ln>
+            <a:noFill/>
+          </a:ln>
+          <a:effectLst>
+            <a:outerShdw blurRad="50800" dist="38100" dir="2700000" algn="tl" rotWithShape="0">
+              <a:prstClr val="black">
+                <a:alpha val="40000"/>
+              </a:prstClr>
+            </a:outerShdw>
+          </a:effectLst>
+        </p:spPr>
+        <p:txBody>
+          <a:bodyPr vert="horz" wrap="square" lIns="91440" tIns="45720" rIns="91440" bIns="45720" numCol="1" anchor="ctr" anchorCtr="0" compatLnSpc="1">
+            <a:prstTxWarp prst="textNoShape">
+              <a:avLst/>
+            </a:prstTxWarp>
+            <a:spAutoFit/>
           </a:bodyPr>
           <a:lstStyle/>
           <a:p>
-            <a:r>
-              <a:rPr lang="en-US" dirty="0"/>
-              <a:t>HTML5 introduces the concept of CORS</a:t>
-            </a:r>
-          </a:p>
-          <a:p>
-            <a:pPr lvl="1"/>
-            <a:r>
-              <a:rPr lang="en-US" dirty="0">
-                <a:solidFill>
-                  <a:srgbClr val="FF0000"/>
-                </a:solidFill>
-              </a:rPr>
-              <a:t>Cross Origin Resource Sharing</a:t>
-            </a:r>
-          </a:p>
-          <a:p>
-            <a:pPr lvl="1"/>
-            <a:r>
-              <a:rPr lang="en-US" dirty="0"/>
-              <a:t>A challenge-response mini protocol</a:t>
-            </a:r>
-          </a:p>
-          <a:p>
-            <a:r>
-              <a:rPr lang="en-US" dirty="0"/>
-              <a:t>Old servers</a:t>
-            </a:r>
-          </a:p>
-          <a:p>
-            <a:pPr lvl="1"/>
-            <a:r>
-              <a:rPr lang="en-US" dirty="0"/>
-              <a:t>Do not support the new protocol</a:t>
-            </a:r>
-          </a:p>
-          <a:p>
-            <a:pPr lvl="1"/>
-            <a:r>
-              <a:rPr lang="en-US" dirty="0"/>
-              <a:t>Therefore the returned response is detected as invalid</a:t>
-            </a:r>
-          </a:p>
-          <a:p>
-            <a:pPr lvl="1"/>
-            <a:r>
-              <a:rPr lang="en-US" dirty="0"/>
-              <a:t>The browser rejects the response</a:t>
-            </a:r>
-          </a:p>
-          <a:p>
-            <a:pPr lvl="1"/>
-            <a:r>
-              <a:rPr lang="en-US" dirty="0"/>
-              <a:t>Application </a:t>
-            </a:r>
-            <a:r>
-              <a:rPr lang="en-US" u="sng" dirty="0"/>
-              <a:t>does not get a chance </a:t>
-            </a:r>
-            <a:r>
-              <a:rPr lang="en-US" dirty="0"/>
-              <a:t>to process the response</a:t>
-            </a:r>
-          </a:p>
-          <a:p>
-            <a:pPr lvl="1"/>
-            <a:r>
-              <a:rPr lang="en-US" dirty="0"/>
-              <a:t>Request is still being sent to the server !!!</a:t>
-            </a:r>
+            <a:pPr marL="0" marR="0" lvl="0" indent="0" algn="l" defTabSz="914400" rtl="0" eaLnBrk="0" fontAlgn="base" latinLnBrk="0" hangingPunct="0">
+              <a:lnSpc>
+                <a:spcPct val="100000"/>
+              </a:lnSpc>
+              <a:spcBef>
+                <a:spcPct val="0"/>
+              </a:spcBef>
+              <a:spcAft>
+                <a:spcPct val="0"/>
+              </a:spcAft>
+              <a:buClrTx/>
+              <a:buSzTx/>
+              <a:buFontTx/>
+              <a:buNone/>
+              <a:tabLst/>
+            </a:pPr>
+            <a:r>
+              <a:rPr kumimoji="0" lang="en-US" altLang="en-US" sz="1600" b="0" i="0" u="none" strike="noStrike" cap="none" normalizeH="0" baseline="0" dirty="0">
+                <a:ln>
+                  <a:noFill/>
+                </a:ln>
+                <a:solidFill>
+                  <a:srgbClr val="000000"/>
+                </a:solidFill>
+                <a:effectLst/>
+                <a:cs typeface="Consolas" panose="020B0609020204030204" pitchFamily="49" charset="0"/>
+              </a:rPr>
+              <a:t>$.</a:t>
+            </a:r>
+            <a:r>
+              <a:rPr kumimoji="0" lang="en-US" altLang="en-US" sz="1600" b="0" i="0" u="none" strike="noStrike" cap="none" normalizeH="0" baseline="0" dirty="0" err="1">
+                <a:ln>
+                  <a:noFill/>
+                </a:ln>
+                <a:solidFill>
+                  <a:srgbClr val="000000"/>
+                </a:solidFill>
+                <a:effectLst/>
+                <a:cs typeface="Consolas" panose="020B0609020204030204" pitchFamily="49" charset="0"/>
+              </a:rPr>
+              <a:t>ajax</a:t>
+            </a:r>
+            <a:r>
+              <a:rPr kumimoji="0" lang="en-US" altLang="en-US" sz="1600" b="0" i="0" u="none" strike="noStrike" cap="none" normalizeH="0" baseline="0" dirty="0">
+                <a:ln>
+                  <a:noFill/>
+                </a:ln>
+                <a:solidFill>
+                  <a:srgbClr val="000000"/>
+                </a:solidFill>
+                <a:effectLst/>
+                <a:cs typeface="Consolas" panose="020B0609020204030204" pitchFamily="49" charset="0"/>
+              </a:rPr>
+              <a:t>({</a:t>
+            </a:r>
+          </a:p>
+          <a:p>
+            <a:pPr marL="0" marR="0" lvl="0" indent="0" algn="l" defTabSz="914400" rtl="0" eaLnBrk="0" fontAlgn="base" latinLnBrk="0" hangingPunct="0">
+              <a:lnSpc>
+                <a:spcPct val="100000"/>
+              </a:lnSpc>
+              <a:spcBef>
+                <a:spcPct val="0"/>
+              </a:spcBef>
+              <a:spcAft>
+                <a:spcPct val="0"/>
+              </a:spcAft>
+              <a:buClrTx/>
+              <a:buSzTx/>
+              <a:buFontTx/>
+              <a:buNone/>
+              <a:tabLst/>
+            </a:pPr>
+            <a:r>
+              <a:rPr kumimoji="0" lang="en-US" altLang="en-US" sz="1600" b="0" i="0" u="none" strike="noStrike" cap="none" normalizeH="0" baseline="0" dirty="0">
+                <a:ln>
+                  <a:noFill/>
+                </a:ln>
+                <a:solidFill>
+                  <a:srgbClr val="000000"/>
+                </a:solidFill>
+                <a:effectLst/>
+                <a:cs typeface="Consolas" panose="020B0609020204030204" pitchFamily="49" charset="0"/>
+              </a:rPr>
+              <a:t>     url: </a:t>
+            </a:r>
+            <a:r>
+              <a:rPr kumimoji="0" lang="en-US" altLang="en-US" sz="1600" b="0" i="0" u="none" strike="noStrike" cap="none" normalizeH="0" baseline="0" dirty="0">
+                <a:ln>
+                  <a:noFill/>
+                </a:ln>
+                <a:solidFill>
+                  <a:srgbClr val="A31515"/>
+                </a:solidFill>
+                <a:effectLst/>
+                <a:cs typeface="Consolas" panose="020B0609020204030204" pitchFamily="49" charset="0"/>
+              </a:rPr>
+              <a:t>"/Home/Get"</a:t>
+            </a:r>
+            <a:r>
+              <a:rPr kumimoji="0" lang="en-US" altLang="en-US" sz="1600" b="0" i="0" u="none" strike="noStrike" cap="none" normalizeH="0" baseline="0" dirty="0">
+                <a:ln>
+                  <a:noFill/>
+                </a:ln>
+                <a:solidFill>
+                  <a:srgbClr val="000000"/>
+                </a:solidFill>
+                <a:effectLst/>
+                <a:cs typeface="Consolas" panose="020B0609020204030204" pitchFamily="49" charset="0"/>
+              </a:rPr>
+              <a:t>,</a:t>
+            </a:r>
+          </a:p>
+          <a:p>
+            <a:pPr marL="0" marR="0" lvl="0" indent="0" algn="l" defTabSz="914400" rtl="0" eaLnBrk="0" fontAlgn="base" latinLnBrk="0" hangingPunct="0">
+              <a:lnSpc>
+                <a:spcPct val="100000"/>
+              </a:lnSpc>
+              <a:spcBef>
+                <a:spcPct val="0"/>
+              </a:spcBef>
+              <a:spcAft>
+                <a:spcPct val="0"/>
+              </a:spcAft>
+              <a:buClrTx/>
+              <a:buSzTx/>
+              <a:buFontTx/>
+              <a:buNone/>
+              <a:tabLst/>
+            </a:pPr>
+            <a:r>
+              <a:rPr kumimoji="0" lang="en-US" altLang="en-US" sz="1600" b="0" i="0" u="none" strike="noStrike" cap="none" normalizeH="0" baseline="0" dirty="0">
+                <a:ln>
+                  <a:noFill/>
+                </a:ln>
+                <a:solidFill>
+                  <a:srgbClr val="000000"/>
+                </a:solidFill>
+                <a:effectLst/>
+                <a:cs typeface="Consolas" panose="020B0609020204030204" pitchFamily="49" charset="0"/>
+              </a:rPr>
+              <a:t>     </a:t>
+            </a:r>
+            <a:r>
+              <a:rPr kumimoji="0" lang="en-US" altLang="en-US" sz="1600" b="0" i="0" u="none" strike="noStrike" cap="none" normalizeH="0" baseline="0" dirty="0" err="1">
+                <a:ln>
+                  <a:noFill/>
+                </a:ln>
+                <a:solidFill>
+                  <a:srgbClr val="000000"/>
+                </a:solidFill>
+                <a:effectLst/>
+                <a:cs typeface="Consolas" panose="020B0609020204030204" pitchFamily="49" charset="0"/>
+              </a:rPr>
+              <a:t>dataType</a:t>
+            </a:r>
+            <a:r>
+              <a:rPr kumimoji="0" lang="en-US" altLang="en-US" sz="1600" b="0" i="0" u="none" strike="noStrike" cap="none" normalizeH="0" baseline="0" dirty="0">
+                <a:ln>
+                  <a:noFill/>
+                </a:ln>
+                <a:solidFill>
+                  <a:srgbClr val="000000"/>
+                </a:solidFill>
+                <a:effectLst/>
+                <a:cs typeface="Consolas" panose="020B0609020204030204" pitchFamily="49" charset="0"/>
+              </a:rPr>
+              <a:t>: </a:t>
+            </a:r>
+            <a:r>
+              <a:rPr kumimoji="0" lang="en-US" altLang="en-US" sz="1600" b="0" i="0" u="none" strike="noStrike" cap="none" normalizeH="0" baseline="0" dirty="0">
+                <a:ln>
+                  <a:noFill/>
+                </a:ln>
+                <a:solidFill>
+                  <a:srgbClr val="A31515"/>
+                </a:solidFill>
+                <a:effectLst/>
+                <a:cs typeface="Consolas" panose="020B0609020204030204" pitchFamily="49" charset="0"/>
+              </a:rPr>
+              <a:t>"</a:t>
+            </a:r>
+            <a:r>
+              <a:rPr kumimoji="0" lang="en-US" altLang="en-US" sz="1600" b="0" i="0" u="none" strike="noStrike" cap="none" normalizeH="0" baseline="0" dirty="0" err="1">
+                <a:ln>
+                  <a:noFill/>
+                </a:ln>
+                <a:solidFill>
+                  <a:srgbClr val="A31515"/>
+                </a:solidFill>
+                <a:effectLst/>
+                <a:cs typeface="Consolas" panose="020B0609020204030204" pitchFamily="49" charset="0"/>
+              </a:rPr>
+              <a:t>jsonp</a:t>
+            </a:r>
+            <a:r>
+              <a:rPr kumimoji="0" lang="en-US" altLang="en-US" sz="1600" b="0" i="0" u="none" strike="noStrike" cap="none" normalizeH="0" baseline="0" dirty="0">
+                <a:ln>
+                  <a:noFill/>
+                </a:ln>
+                <a:solidFill>
+                  <a:srgbClr val="A31515"/>
+                </a:solidFill>
+                <a:effectLst/>
+                <a:cs typeface="Consolas" panose="020B0609020204030204" pitchFamily="49" charset="0"/>
+              </a:rPr>
+              <a:t>"</a:t>
+            </a:r>
+            <a:r>
+              <a:rPr kumimoji="0" lang="en-US" altLang="en-US" sz="1600" b="0" i="0" u="none" strike="noStrike" cap="none" normalizeH="0" baseline="0" dirty="0">
+                <a:ln>
+                  <a:noFill/>
+                </a:ln>
+                <a:solidFill>
+                  <a:srgbClr val="000000"/>
+                </a:solidFill>
+                <a:effectLst/>
+                <a:cs typeface="Consolas" panose="020B0609020204030204" pitchFamily="49" charset="0"/>
+              </a:rPr>
+              <a:t>,</a:t>
+            </a:r>
+          </a:p>
+          <a:p>
+            <a:pPr marL="0" marR="0" lvl="0" indent="0" algn="l" defTabSz="914400" rtl="0" eaLnBrk="0" fontAlgn="base" latinLnBrk="0" hangingPunct="0">
+              <a:lnSpc>
+                <a:spcPct val="100000"/>
+              </a:lnSpc>
+              <a:spcBef>
+                <a:spcPct val="0"/>
+              </a:spcBef>
+              <a:spcAft>
+                <a:spcPct val="0"/>
+              </a:spcAft>
+              <a:buClrTx/>
+              <a:buSzTx/>
+              <a:buFontTx/>
+              <a:buNone/>
+              <a:tabLst/>
+            </a:pPr>
+            <a:r>
+              <a:rPr kumimoji="0" lang="en-US" altLang="en-US" sz="1600" b="0" i="0" u="none" strike="noStrike" cap="none" normalizeH="0" baseline="0" dirty="0">
+                <a:ln>
+                  <a:noFill/>
+                </a:ln>
+                <a:solidFill>
+                  <a:srgbClr val="000000"/>
+                </a:solidFill>
+                <a:effectLst/>
+                <a:cs typeface="Consolas" panose="020B0609020204030204" pitchFamily="49" charset="0"/>
+              </a:rPr>
+              <a:t>     success: </a:t>
+            </a:r>
+            <a:r>
+              <a:rPr kumimoji="0" lang="en-US" altLang="en-US" sz="1600" b="0" i="0" u="none" strike="noStrike" cap="none" normalizeH="0" baseline="0" dirty="0">
+                <a:ln>
+                  <a:noFill/>
+                </a:ln>
+                <a:solidFill>
+                  <a:srgbClr val="0000FF"/>
+                </a:solidFill>
+                <a:effectLst/>
+                <a:cs typeface="Consolas" panose="020B0609020204030204" pitchFamily="49" charset="0"/>
+              </a:rPr>
+              <a:t>function</a:t>
+            </a:r>
+            <a:r>
+              <a:rPr kumimoji="0" lang="en-US" altLang="en-US" sz="1600" b="0" i="0" u="none" strike="noStrike" cap="none" normalizeH="0" baseline="0" dirty="0">
+                <a:ln>
+                  <a:noFill/>
+                </a:ln>
+                <a:solidFill>
+                  <a:srgbClr val="000000"/>
+                </a:solidFill>
+                <a:effectLst/>
+                <a:cs typeface="Consolas" panose="020B0609020204030204" pitchFamily="49" charset="0"/>
+              </a:rPr>
+              <a:t> (data) {</a:t>
+            </a:r>
+          </a:p>
+          <a:p>
+            <a:pPr marL="0" marR="0" lvl="0" indent="0" algn="l" defTabSz="914400" rtl="0" eaLnBrk="0" fontAlgn="base" latinLnBrk="0" hangingPunct="0">
+              <a:lnSpc>
+                <a:spcPct val="100000"/>
+              </a:lnSpc>
+              <a:spcBef>
+                <a:spcPct val="0"/>
+              </a:spcBef>
+              <a:spcAft>
+                <a:spcPct val="0"/>
+              </a:spcAft>
+              <a:buClrTx/>
+              <a:buSzTx/>
+              <a:buFontTx/>
+              <a:buNone/>
+              <a:tabLst/>
+            </a:pPr>
+            <a:r>
+              <a:rPr kumimoji="0" lang="en-US" altLang="en-US" sz="1600" b="0" i="0" u="none" strike="noStrike" cap="none" normalizeH="0" baseline="0" dirty="0">
+                <a:ln>
+                  <a:noFill/>
+                </a:ln>
+                <a:solidFill>
+                  <a:srgbClr val="000000"/>
+                </a:solidFill>
+                <a:effectLst/>
+                <a:cs typeface="Consolas" panose="020B0609020204030204" pitchFamily="49" charset="0"/>
+              </a:rPr>
+              <a:t>         console.log(data);</a:t>
+            </a:r>
+          </a:p>
+          <a:p>
+            <a:pPr marL="0" marR="0" lvl="0" indent="0" algn="l" defTabSz="914400" rtl="0" eaLnBrk="0" fontAlgn="base" latinLnBrk="0" hangingPunct="0">
+              <a:lnSpc>
+                <a:spcPct val="100000"/>
+              </a:lnSpc>
+              <a:spcBef>
+                <a:spcPct val="0"/>
+              </a:spcBef>
+              <a:spcAft>
+                <a:spcPct val="0"/>
+              </a:spcAft>
+              <a:buClrTx/>
+              <a:buSzTx/>
+              <a:buFontTx/>
+              <a:buNone/>
+              <a:tabLst/>
+            </a:pPr>
+            <a:r>
+              <a:rPr kumimoji="0" lang="en-US" altLang="en-US" sz="1600" b="0" i="0" u="none" strike="noStrike" cap="none" normalizeH="0" baseline="0" dirty="0">
+                <a:ln>
+                  <a:noFill/>
+                </a:ln>
+                <a:solidFill>
+                  <a:srgbClr val="000000"/>
+                </a:solidFill>
+                <a:effectLst/>
+                <a:cs typeface="Consolas" panose="020B0609020204030204" pitchFamily="49" charset="0"/>
+              </a:rPr>
+              <a:t>     },</a:t>
+            </a:r>
+          </a:p>
+          <a:p>
+            <a:pPr marL="0" marR="0" lvl="0" indent="0" algn="l" defTabSz="914400" rtl="0" eaLnBrk="0" fontAlgn="base" latinLnBrk="0" hangingPunct="0">
+              <a:lnSpc>
+                <a:spcPct val="100000"/>
+              </a:lnSpc>
+              <a:spcBef>
+                <a:spcPct val="0"/>
+              </a:spcBef>
+              <a:spcAft>
+                <a:spcPct val="0"/>
+              </a:spcAft>
+              <a:buClrTx/>
+              <a:buSzTx/>
+              <a:buFontTx/>
+              <a:buNone/>
+              <a:tabLst/>
+            </a:pPr>
+            <a:r>
+              <a:rPr kumimoji="0" lang="en-US" altLang="en-US" sz="1600" b="0" i="0" u="none" strike="noStrike" cap="none" normalizeH="0" baseline="0" dirty="0">
+                <a:ln>
+                  <a:noFill/>
+                </a:ln>
+                <a:solidFill>
+                  <a:srgbClr val="000000"/>
+                </a:solidFill>
+                <a:effectLst/>
+                <a:cs typeface="Consolas" panose="020B0609020204030204" pitchFamily="49" charset="0"/>
+              </a:rPr>
+              <a:t>     error: </a:t>
+            </a:r>
+            <a:r>
+              <a:rPr kumimoji="0" lang="en-US" altLang="en-US" sz="1600" b="0" i="0" u="none" strike="noStrike" cap="none" normalizeH="0" baseline="0" dirty="0">
+                <a:ln>
+                  <a:noFill/>
+                </a:ln>
+                <a:solidFill>
+                  <a:srgbClr val="0000FF"/>
+                </a:solidFill>
+                <a:effectLst/>
+                <a:cs typeface="Consolas" panose="020B0609020204030204" pitchFamily="49" charset="0"/>
+              </a:rPr>
+              <a:t>function</a:t>
+            </a:r>
+            <a:r>
+              <a:rPr kumimoji="0" lang="en-US" altLang="en-US" sz="1600" b="0" i="0" u="none" strike="noStrike" cap="none" normalizeH="0" baseline="0" dirty="0">
+                <a:ln>
+                  <a:noFill/>
+                </a:ln>
+                <a:solidFill>
+                  <a:srgbClr val="000000"/>
+                </a:solidFill>
+                <a:effectLst/>
+                <a:cs typeface="Consolas" panose="020B0609020204030204" pitchFamily="49" charset="0"/>
+              </a:rPr>
+              <a:t> () {</a:t>
+            </a:r>
+          </a:p>
+          <a:p>
+            <a:pPr marL="0" marR="0" lvl="0" indent="0" algn="l" defTabSz="914400" rtl="0" eaLnBrk="0" fontAlgn="base" latinLnBrk="0" hangingPunct="0">
+              <a:lnSpc>
+                <a:spcPct val="100000"/>
+              </a:lnSpc>
+              <a:spcBef>
+                <a:spcPct val="0"/>
+              </a:spcBef>
+              <a:spcAft>
+                <a:spcPct val="0"/>
+              </a:spcAft>
+              <a:buClrTx/>
+              <a:buSzTx/>
+              <a:buFontTx/>
+              <a:buNone/>
+              <a:tabLst/>
+            </a:pPr>
+            <a:r>
+              <a:rPr kumimoji="0" lang="en-US" altLang="en-US" sz="1600" b="0" i="0" u="none" strike="noStrike" cap="none" normalizeH="0" baseline="0" dirty="0">
+                <a:ln>
+                  <a:noFill/>
+                </a:ln>
+                <a:solidFill>
+                  <a:srgbClr val="000000"/>
+                </a:solidFill>
+                <a:effectLst/>
+                <a:cs typeface="Consolas" panose="020B0609020204030204" pitchFamily="49" charset="0"/>
+              </a:rPr>
+              <a:t>         console.log(</a:t>
+            </a:r>
+            <a:r>
+              <a:rPr kumimoji="0" lang="en-US" altLang="en-US" sz="1600" b="0" i="0" u="none" strike="noStrike" cap="none" normalizeH="0" baseline="0" dirty="0">
+                <a:ln>
+                  <a:noFill/>
+                </a:ln>
+                <a:solidFill>
+                  <a:srgbClr val="A31515"/>
+                </a:solidFill>
+                <a:effectLst/>
+                <a:cs typeface="Consolas" panose="020B0609020204030204" pitchFamily="49" charset="0"/>
+              </a:rPr>
+              <a:t>"ERROR"</a:t>
+            </a:r>
+            <a:r>
+              <a:rPr kumimoji="0" lang="en-US" altLang="en-US" sz="1600" b="0" i="0" u="none" strike="noStrike" cap="none" normalizeH="0" baseline="0" dirty="0">
+                <a:ln>
+                  <a:noFill/>
+                </a:ln>
+                <a:solidFill>
+                  <a:srgbClr val="000000"/>
+                </a:solidFill>
+                <a:effectLst/>
+                <a:cs typeface="Consolas" panose="020B0609020204030204" pitchFamily="49" charset="0"/>
+              </a:rPr>
+              <a:t>);</a:t>
+            </a:r>
+          </a:p>
+          <a:p>
+            <a:pPr marL="0" marR="0" lvl="0" indent="0" algn="l" defTabSz="914400" rtl="0" eaLnBrk="0" fontAlgn="base" latinLnBrk="0" hangingPunct="0">
+              <a:lnSpc>
+                <a:spcPct val="100000"/>
+              </a:lnSpc>
+              <a:spcBef>
+                <a:spcPct val="0"/>
+              </a:spcBef>
+              <a:spcAft>
+                <a:spcPct val="0"/>
+              </a:spcAft>
+              <a:buClrTx/>
+              <a:buSzTx/>
+              <a:buFontTx/>
+              <a:buNone/>
+              <a:tabLst/>
+            </a:pPr>
+            <a:r>
+              <a:rPr kumimoji="0" lang="en-US" altLang="en-US" sz="1600" b="0" i="0" u="none" strike="noStrike" cap="none" normalizeH="0" baseline="0" dirty="0">
+                <a:ln>
+                  <a:noFill/>
+                </a:ln>
+                <a:solidFill>
+                  <a:srgbClr val="000000"/>
+                </a:solidFill>
+                <a:effectLst/>
+                <a:cs typeface="Consolas" panose="020B0609020204030204" pitchFamily="49" charset="0"/>
+              </a:rPr>
+              <a:t>     } </a:t>
+            </a:r>
+          </a:p>
+          <a:p>
+            <a:pPr marL="0" marR="0" lvl="0" indent="0" algn="l" defTabSz="914400" rtl="0" eaLnBrk="0" fontAlgn="base" latinLnBrk="0" hangingPunct="0">
+              <a:lnSpc>
+                <a:spcPct val="100000"/>
+              </a:lnSpc>
+              <a:spcBef>
+                <a:spcPct val="0"/>
+              </a:spcBef>
+              <a:spcAft>
+                <a:spcPct val="0"/>
+              </a:spcAft>
+              <a:buClrTx/>
+              <a:buSzTx/>
+              <a:buFontTx/>
+              <a:buNone/>
+              <a:tabLst/>
+            </a:pPr>
+            <a:r>
+              <a:rPr kumimoji="0" lang="en-US" altLang="en-US" sz="1600" b="0" i="0" u="none" strike="noStrike" cap="none" normalizeH="0" baseline="0" dirty="0">
+                <a:ln>
+                  <a:noFill/>
+                </a:ln>
+                <a:solidFill>
+                  <a:srgbClr val="000000"/>
+                </a:solidFill>
+                <a:effectLst/>
+                <a:cs typeface="Consolas" panose="020B0609020204030204" pitchFamily="49" charset="0"/>
+              </a:rPr>
+              <a:t>}); </a:t>
+            </a:r>
+            <a:endParaRPr kumimoji="0" lang="en-US" altLang="en-US" sz="1600" b="0" i="0" u="none" strike="noStrike" cap="none" normalizeH="0" baseline="0" dirty="0">
+              <a:ln>
+                <a:noFill/>
+              </a:ln>
+              <a:solidFill>
+                <a:schemeClr val="tx1"/>
+              </a:solidFill>
+              <a:effectLst/>
+            </a:endParaRPr>
           </a:p>
         </p:txBody>
       </p:sp>
     </p:spTree>
     <p:extLst>
       <p:ext uri="{BB962C8B-B14F-4D97-AF65-F5344CB8AC3E}">
-        <p14:creationId xmlns:p14="http://schemas.microsoft.com/office/powerpoint/2010/main" val="304764755"/>
+        <p14:creationId xmlns:p14="http://schemas.microsoft.com/office/powerpoint/2010/main" val="4265853025"/>
       </p:ext>
     </p:extLst>
   </p:cSld>
@@ -7025,7 +6999,7 @@
           <a:p>
             <a:r>
               <a:rPr lang="en-US" dirty="0"/>
-              <a:t>CORS</a:t>
+              <a:t>JSONP - DEMO</a:t>
             </a:r>
           </a:p>
         </p:txBody>
@@ -7070,7 +7044,7 @@
           </a:bodyPr>
           <a:lstStyle/>
           <a:p>
-            <a:fld id="{87B78B44-2135-4DB2-B732-E7D5FFF77B6A}" type="slidenum">
+            <a:fld id="{6EDEC3BC-0694-4586-AE63-02B4D54ABF43}" type="slidenum">
               <a:rPr lang="en-US" smtClean="0"/>
               <a:pPr/>
               <a:t>19</a:t>
@@ -7091,69 +7065,18 @@
         </p:nvSpPr>
         <p:spPr/>
         <p:txBody>
-          <a:bodyPr>
-            <a:normAutofit fontScale="92500" lnSpcReduction="10000"/>
-          </a:bodyPr>
-          <a:lstStyle/>
-          <a:p>
-            <a:r>
-              <a:rPr lang="en-US" dirty="0"/>
-              <a:t>Assuming new browser and server</a:t>
-            </a:r>
-          </a:p>
-          <a:p>
-            <a:r>
-              <a:rPr lang="en-US" dirty="0"/>
-              <a:t>The browser allows the request to be sent</a:t>
-            </a:r>
-          </a:p>
-          <a:p>
-            <a:pPr lvl="1"/>
-            <a:r>
-              <a:rPr lang="en-US" dirty="0"/>
-              <a:t>Appends an HTTP header named </a:t>
-            </a:r>
-            <a:r>
-              <a:rPr lang="en-US" dirty="0">
-                <a:solidFill>
-                  <a:srgbClr val="FF0000"/>
-                </a:solidFill>
-              </a:rPr>
-              <a:t>Origin</a:t>
-            </a:r>
-          </a:p>
-          <a:p>
-            <a:pPr lvl="1"/>
-            <a:r>
-              <a:rPr lang="en-US" dirty="0"/>
-              <a:t>Contains the URL of the requesting domain</a:t>
-            </a:r>
-          </a:p>
-          <a:p>
-            <a:r>
-              <a:rPr lang="en-US" dirty="0"/>
-              <a:t>The response includes an HTTP header named </a:t>
-            </a:r>
-            <a:r>
-              <a:rPr lang="en-US" dirty="0">
-                <a:solidFill>
-                  <a:srgbClr val="FF0000"/>
-                </a:solidFill>
-              </a:rPr>
-              <a:t>Access-Control-Allow-Origin</a:t>
-            </a:r>
-          </a:p>
-          <a:p>
-            <a:pPr lvl="1"/>
-            <a:r>
-              <a:rPr lang="en-US" dirty="0"/>
-              <a:t>Contains a list of allowed domains</a:t>
-            </a:r>
-          </a:p>
-          <a:p>
-            <a:r>
-              <a:rPr lang="en-US" dirty="0"/>
-              <a:t>If the requesting domain is included inside the allowed list the browser let the application process the response as if it was a plain AJAX response</a:t>
+          <a:bodyPr/>
+          <a:lstStyle/>
+          <a:p>
+            <a:r>
+              <a:rPr lang="en-US" dirty="0"/>
+              <a:t>Create a REST API that returns JSONP</a:t>
+            </a:r>
+          </a:p>
+          <a:p>
+            <a:r>
+              <a:rPr lang="en-US" dirty="0"/>
+              <a:t>Consume JSONP using Angular</a:t>
             </a:r>
           </a:p>
         </p:txBody>
@@ -7161,7 +7084,7 @@
     </p:spTree>
     <p:extLst>
       <p:ext uri="{BB962C8B-B14F-4D97-AF65-F5344CB8AC3E}">
-        <p14:creationId xmlns:p14="http://schemas.microsoft.com/office/powerpoint/2010/main" val="3685666922"/>
+        <p14:creationId xmlns:p14="http://schemas.microsoft.com/office/powerpoint/2010/main" val="3913038432"/>
       </p:ext>
     </p:extLst>
   </p:cSld>
@@ -7352,7 +7275,7 @@
           <a:p>
             <a:r>
               <a:rPr lang="en-US" dirty="0"/>
-              <a:t>Access-Control-Allow-Credentials</a:t>
+              <a:t>CORS</a:t>
             </a:r>
           </a:p>
         </p:txBody>
@@ -7418,685 +7341,89 @@
         </p:nvSpPr>
         <p:spPr/>
         <p:txBody>
-          <a:bodyPr/>
-          <a:lstStyle/>
-          <a:p>
-            <a:r>
-              <a:rPr lang="en-US" dirty="0"/>
-              <a:t>By default the browser does not sent any cookie alongside the request</a:t>
-            </a:r>
-          </a:p>
-          <a:p>
-            <a:r>
-              <a:rPr lang="en-US" dirty="0"/>
-              <a:t>To change this behavior</a:t>
+          <a:bodyPr>
+            <a:normAutofit lnSpcReduction="10000"/>
+          </a:bodyPr>
+          <a:lstStyle/>
+          <a:p>
+            <a:r>
+              <a:rPr lang="en-US" dirty="0"/>
+              <a:t>HTML5 introduces the concept of CORS</a:t>
             </a:r>
           </a:p>
           <a:p>
             <a:pPr lvl="1"/>
             <a:r>
-              <a:rPr lang="en-US" dirty="0"/>
-              <a:t>Specify </a:t>
-            </a:r>
-            <a:r>
-              <a:rPr lang="en-US" dirty="0" err="1">
+              <a:rPr lang="en-US" dirty="0">
                 <a:solidFill>
                   <a:srgbClr val="FF0000"/>
                 </a:solidFill>
               </a:rPr>
-              <a:t>xhrFields.withCredentials</a:t>
-            </a:r>
-            <a:r>
-              <a:rPr lang="en-US" dirty="0"/>
-              <a:t> = true</a:t>
+              <a:t>Cross Origin Resource Sharing</a:t>
             </a:r>
           </a:p>
           <a:p>
             <a:pPr lvl="1"/>
             <a:r>
               <a:rPr lang="en-US" dirty="0"/>
-              <a:t>Server must return </a:t>
-            </a:r>
-            <a:r>
-              <a:rPr lang="en-US" dirty="0">
-                <a:solidFill>
-                  <a:srgbClr val="FF0000"/>
-                </a:solidFill>
-              </a:rPr>
-              <a:t>Access-Control-Allow-Credentials</a:t>
-            </a:r>
-            <a:r>
-              <a:rPr lang="en-US" dirty="0"/>
-              <a:t> HTTP header with value equals true</a:t>
-            </a:r>
-          </a:p>
-        </p:txBody>
-      </p:sp>
-      <p:sp>
-        <p:nvSpPr>
-          <p:cNvPr id="7" name="Rectangle 2"/>
-          <p:cNvSpPr>
-            <a:spLocks noChangeArrowheads="1"/>
-          </p:cNvSpPr>
-          <p:nvPr/>
-        </p:nvSpPr>
-        <p:spPr bwMode="auto">
-          <a:xfrm>
-            <a:off x="2473036" y="4581128"/>
-            <a:ext cx="4432624" cy="1754326"/>
-          </a:xfrm>
-          <a:prstGeom prst="rect">
-            <a:avLst/>
-          </a:prstGeom>
-          <a:solidFill>
-            <a:schemeClr val="accent1">
-              <a:lumMod val="40000"/>
-              <a:lumOff val="60000"/>
-            </a:schemeClr>
-          </a:solidFill>
-          <a:ln>
-            <a:noFill/>
-          </a:ln>
-          <a:effectLst>
-            <a:outerShdw blurRad="50800" dist="38100" dir="2700000" algn="tl" rotWithShape="0">
-              <a:prstClr val="black">
-                <a:alpha val="40000"/>
-              </a:prstClr>
-            </a:outerShdw>
-          </a:effectLst>
-        </p:spPr>
-        <p:txBody>
-          <a:bodyPr vert="horz" wrap="none" lIns="91440" tIns="45720" rIns="91440" bIns="45720" numCol="1" anchor="ctr" anchorCtr="0" compatLnSpc="1">
-            <a:prstTxWarp prst="textNoShape">
-              <a:avLst/>
-            </a:prstTxWarp>
-            <a:spAutoFit/>
-          </a:bodyPr>
-          <a:lstStyle/>
-          <a:p>
-            <a:pPr marL="0" marR="0" lvl="0" indent="0" algn="l" defTabSz="914400" rtl="0" eaLnBrk="0" fontAlgn="base" latinLnBrk="0" hangingPunct="0">
-              <a:lnSpc>
-                <a:spcPct val="100000"/>
-              </a:lnSpc>
-              <a:spcBef>
-                <a:spcPct val="0"/>
-              </a:spcBef>
-              <a:spcAft>
-                <a:spcPct val="0"/>
-              </a:spcAft>
-              <a:buClrTx/>
-              <a:buSzTx/>
-              <a:buFontTx/>
-              <a:buNone/>
-              <a:tabLst/>
-            </a:pPr>
-            <a:r>
-              <a:rPr kumimoji="0" lang="en-US" altLang="en-US" sz="1200" b="0" i="0" u="none" strike="noStrike" cap="none" normalizeH="0" baseline="0" dirty="0">
-                <a:ln>
-                  <a:noFill/>
-                </a:ln>
-                <a:solidFill>
-                  <a:srgbClr val="000000"/>
-                </a:solidFill>
-                <a:effectLst/>
-                <a:latin typeface="Consolas" panose="020B0609020204030204" pitchFamily="49" charset="0"/>
-                <a:cs typeface="Consolas" panose="020B0609020204030204" pitchFamily="49" charset="0"/>
-              </a:rPr>
-              <a:t>$.</a:t>
-            </a:r>
-            <a:r>
-              <a:rPr kumimoji="0" lang="en-US" altLang="en-US" sz="1200" b="0" i="0" u="none" strike="noStrike" cap="none" normalizeH="0" baseline="0" dirty="0" err="1">
-                <a:ln>
-                  <a:noFill/>
-                </a:ln>
-                <a:solidFill>
-                  <a:srgbClr val="000000"/>
-                </a:solidFill>
-                <a:effectLst/>
-                <a:latin typeface="Consolas" panose="020B0609020204030204" pitchFamily="49" charset="0"/>
-                <a:cs typeface="Consolas" panose="020B0609020204030204" pitchFamily="49" charset="0"/>
-              </a:rPr>
-              <a:t>ajax</a:t>
-            </a:r>
-            <a:r>
-              <a:rPr kumimoji="0" lang="en-US" altLang="en-US" sz="1200" b="0" i="0" u="none" strike="noStrike" cap="none" normalizeH="0" baseline="0" dirty="0">
-                <a:ln>
-                  <a:noFill/>
-                </a:ln>
-                <a:solidFill>
-                  <a:srgbClr val="000000"/>
-                </a:solidFill>
-                <a:effectLst/>
-                <a:latin typeface="Consolas" panose="020B0609020204030204" pitchFamily="49" charset="0"/>
-                <a:cs typeface="Consolas" panose="020B0609020204030204" pitchFamily="49" charset="0"/>
-              </a:rPr>
-              <a:t>({</a:t>
-            </a:r>
-          </a:p>
-          <a:p>
-            <a:pPr marL="0" marR="0" lvl="0" indent="0" algn="l" defTabSz="914400" rtl="0" eaLnBrk="0" fontAlgn="base" latinLnBrk="0" hangingPunct="0">
-              <a:lnSpc>
-                <a:spcPct val="100000"/>
-              </a:lnSpc>
-              <a:spcBef>
-                <a:spcPct val="0"/>
-              </a:spcBef>
-              <a:spcAft>
-                <a:spcPct val="0"/>
-              </a:spcAft>
-              <a:buClrTx/>
-              <a:buSzTx/>
-              <a:buFontTx/>
-              <a:buNone/>
-              <a:tabLst/>
-            </a:pPr>
-            <a:r>
-              <a:rPr kumimoji="0" lang="en-US" altLang="en-US" sz="1200" b="0" i="0" u="none" strike="noStrike" cap="none" normalizeH="0" baseline="0" dirty="0">
-                <a:ln>
-                  <a:noFill/>
-                </a:ln>
-                <a:solidFill>
-                  <a:srgbClr val="000000"/>
-                </a:solidFill>
-                <a:effectLst/>
-                <a:latin typeface="Consolas" panose="020B0609020204030204" pitchFamily="49" charset="0"/>
-                <a:cs typeface="Consolas" panose="020B0609020204030204" pitchFamily="49" charset="0"/>
-              </a:rPr>
-              <a:t>     url: </a:t>
-            </a:r>
-            <a:r>
-              <a:rPr kumimoji="0" lang="en-US" altLang="en-US" sz="1200" b="0" i="0" u="none" strike="noStrike" cap="none" normalizeH="0" baseline="0" dirty="0">
-                <a:ln>
-                  <a:noFill/>
-                </a:ln>
-                <a:solidFill>
-                  <a:srgbClr val="A31515"/>
-                </a:solidFill>
-                <a:effectLst/>
-                <a:latin typeface="Consolas" panose="020B0609020204030204" pitchFamily="49" charset="0"/>
-                <a:cs typeface="Consolas" panose="020B0609020204030204" pitchFamily="49" charset="0"/>
-              </a:rPr>
-              <a:t>"http://localhost:10659/</a:t>
-            </a:r>
-            <a:r>
-              <a:rPr kumimoji="0" lang="en-US" altLang="en-US" sz="1200" b="0" i="0" u="none" strike="noStrike" cap="none" normalizeH="0" baseline="0" dirty="0" err="1">
-                <a:ln>
-                  <a:noFill/>
-                </a:ln>
-                <a:solidFill>
-                  <a:srgbClr val="A31515"/>
-                </a:solidFill>
-                <a:effectLst/>
-                <a:latin typeface="Consolas" panose="020B0609020204030204" pitchFamily="49" charset="0"/>
-                <a:cs typeface="Consolas" panose="020B0609020204030204" pitchFamily="49" charset="0"/>
-              </a:rPr>
-              <a:t>api</a:t>
-            </a:r>
-            <a:r>
-              <a:rPr kumimoji="0" lang="en-US" altLang="en-US" sz="1200" b="0" i="0" u="none" strike="noStrike" cap="none" normalizeH="0" baseline="0" dirty="0">
-                <a:ln>
-                  <a:noFill/>
-                </a:ln>
-                <a:solidFill>
-                  <a:srgbClr val="A31515"/>
-                </a:solidFill>
-                <a:effectLst/>
-                <a:latin typeface="Consolas" panose="020B0609020204030204" pitchFamily="49" charset="0"/>
-                <a:cs typeface="Consolas" panose="020B0609020204030204" pitchFamily="49" charset="0"/>
-              </a:rPr>
-              <a:t>/contact"</a:t>
-            </a:r>
-            <a:r>
-              <a:rPr kumimoji="0" lang="en-US" altLang="en-US" sz="1200" b="0" i="0" u="none" strike="noStrike" cap="none" normalizeH="0" baseline="0" dirty="0">
-                <a:ln>
-                  <a:noFill/>
-                </a:ln>
-                <a:solidFill>
-                  <a:srgbClr val="000000"/>
-                </a:solidFill>
-                <a:effectLst/>
-                <a:latin typeface="Consolas" panose="020B0609020204030204" pitchFamily="49" charset="0"/>
-                <a:cs typeface="Consolas" panose="020B0609020204030204" pitchFamily="49" charset="0"/>
-              </a:rPr>
-              <a:t>,</a:t>
-            </a:r>
-          </a:p>
-          <a:p>
-            <a:pPr marL="0" marR="0" lvl="0" indent="0" algn="l" defTabSz="914400" rtl="0" eaLnBrk="0" fontAlgn="base" latinLnBrk="0" hangingPunct="0">
-              <a:lnSpc>
-                <a:spcPct val="100000"/>
-              </a:lnSpc>
-              <a:spcBef>
-                <a:spcPct val="0"/>
-              </a:spcBef>
-              <a:spcAft>
-                <a:spcPct val="0"/>
-              </a:spcAft>
-              <a:buClrTx/>
-              <a:buSzTx/>
-              <a:buFontTx/>
-              <a:buNone/>
-              <a:tabLst/>
-            </a:pPr>
-            <a:r>
-              <a:rPr kumimoji="0" lang="en-US" altLang="en-US" sz="1200" b="0" i="0" u="none" strike="noStrike" cap="none" normalizeH="0" baseline="0" dirty="0">
-                <a:ln>
-                  <a:noFill/>
-                </a:ln>
-                <a:solidFill>
-                  <a:srgbClr val="000000"/>
-                </a:solidFill>
-                <a:effectLst/>
-                <a:latin typeface="Consolas" panose="020B0609020204030204" pitchFamily="49" charset="0"/>
-                <a:cs typeface="Consolas" panose="020B0609020204030204" pitchFamily="49" charset="0"/>
-              </a:rPr>
-              <a:t>     type: </a:t>
-            </a:r>
-            <a:r>
-              <a:rPr kumimoji="0" lang="en-US" altLang="en-US" sz="1200" b="0" i="0" u="none" strike="noStrike" cap="none" normalizeH="0" baseline="0" dirty="0">
-                <a:ln>
-                  <a:noFill/>
-                </a:ln>
-                <a:solidFill>
-                  <a:srgbClr val="A31515"/>
-                </a:solidFill>
-                <a:effectLst/>
-                <a:latin typeface="Consolas" panose="020B0609020204030204" pitchFamily="49" charset="0"/>
-                <a:cs typeface="Consolas" panose="020B0609020204030204" pitchFamily="49" charset="0"/>
-              </a:rPr>
-              <a:t>"GET"</a:t>
-            </a:r>
-            <a:r>
-              <a:rPr kumimoji="0" lang="en-US" altLang="en-US" sz="1200" b="0" i="0" u="none" strike="noStrike" cap="none" normalizeH="0" baseline="0" dirty="0">
-                <a:ln>
-                  <a:noFill/>
-                </a:ln>
-                <a:solidFill>
-                  <a:srgbClr val="000000"/>
-                </a:solidFill>
-                <a:effectLst/>
-                <a:latin typeface="Consolas" panose="020B0609020204030204" pitchFamily="49" charset="0"/>
-                <a:cs typeface="Consolas" panose="020B0609020204030204" pitchFamily="49" charset="0"/>
-              </a:rPr>
-              <a:t>,</a:t>
-            </a:r>
-          </a:p>
-          <a:p>
-            <a:pPr marL="0" marR="0" lvl="0" indent="0" algn="l" defTabSz="914400" rtl="0" eaLnBrk="0" fontAlgn="base" latinLnBrk="0" hangingPunct="0">
-              <a:lnSpc>
-                <a:spcPct val="100000"/>
-              </a:lnSpc>
-              <a:spcBef>
-                <a:spcPct val="0"/>
-              </a:spcBef>
-              <a:spcAft>
-                <a:spcPct val="0"/>
-              </a:spcAft>
-              <a:buClrTx/>
-              <a:buSzTx/>
-              <a:buFontTx/>
-              <a:buNone/>
-              <a:tabLst/>
-            </a:pPr>
-            <a:r>
-              <a:rPr kumimoji="0" lang="en-US" altLang="en-US" sz="1200" b="0" i="0" u="none" strike="noStrike" cap="none" normalizeH="0" baseline="0" dirty="0">
-                <a:ln>
-                  <a:noFill/>
-                </a:ln>
-                <a:solidFill>
-                  <a:srgbClr val="000000"/>
-                </a:solidFill>
-                <a:effectLst/>
-                <a:latin typeface="Consolas" panose="020B0609020204030204" pitchFamily="49" charset="0"/>
-                <a:cs typeface="Consolas" panose="020B0609020204030204" pitchFamily="49" charset="0"/>
-              </a:rPr>
-              <a:t>     success: </a:t>
-            </a:r>
-            <a:r>
-              <a:rPr kumimoji="0" lang="en-US" altLang="en-US" sz="1200" b="0" i="0" u="none" strike="noStrike" cap="none" normalizeH="0" baseline="0" dirty="0">
-                <a:ln>
-                  <a:noFill/>
-                </a:ln>
-                <a:solidFill>
-                  <a:srgbClr val="0000FF"/>
-                </a:solidFill>
-                <a:effectLst/>
-                <a:latin typeface="Consolas" panose="020B0609020204030204" pitchFamily="49" charset="0"/>
-                <a:cs typeface="Consolas" panose="020B0609020204030204" pitchFamily="49" charset="0"/>
-              </a:rPr>
-              <a:t>function</a:t>
-            </a:r>
-            <a:r>
-              <a:rPr kumimoji="0" lang="en-US" altLang="en-US" sz="1200" b="0" i="0" u="none" strike="noStrike" cap="none" normalizeH="0" baseline="0" dirty="0">
-                <a:ln>
-                  <a:noFill/>
-                </a:ln>
-                <a:solidFill>
-                  <a:srgbClr val="000000"/>
-                </a:solidFill>
-                <a:effectLst/>
-                <a:latin typeface="Consolas" panose="020B0609020204030204" pitchFamily="49" charset="0"/>
-                <a:cs typeface="Consolas" panose="020B0609020204030204" pitchFamily="49" charset="0"/>
-              </a:rPr>
-              <a:t> (contacts) {     },</a:t>
-            </a:r>
-          </a:p>
-          <a:p>
-            <a:pPr marL="0" marR="0" lvl="0" indent="0" algn="l" defTabSz="914400" rtl="0" eaLnBrk="0" fontAlgn="base" latinLnBrk="0" hangingPunct="0">
-              <a:lnSpc>
-                <a:spcPct val="100000"/>
-              </a:lnSpc>
-              <a:spcBef>
-                <a:spcPct val="0"/>
-              </a:spcBef>
-              <a:spcAft>
-                <a:spcPct val="0"/>
-              </a:spcAft>
-              <a:buClrTx/>
-              <a:buSzTx/>
-              <a:buFontTx/>
-              <a:buNone/>
-              <a:tabLst/>
-            </a:pPr>
-            <a:r>
-              <a:rPr kumimoji="0" lang="en-US" altLang="en-US" sz="1200" b="0" i="0" u="none" strike="noStrike" cap="none" normalizeH="0" baseline="0" dirty="0">
-                <a:ln>
-                  <a:noFill/>
-                </a:ln>
-                <a:solidFill>
-                  <a:srgbClr val="000000"/>
-                </a:solidFill>
-                <a:effectLst/>
-                <a:latin typeface="Consolas" panose="020B0609020204030204" pitchFamily="49" charset="0"/>
-                <a:cs typeface="Consolas" panose="020B0609020204030204" pitchFamily="49" charset="0"/>
-              </a:rPr>
-              <a:t>     error: </a:t>
-            </a:r>
-            <a:r>
-              <a:rPr kumimoji="0" lang="en-US" altLang="en-US" sz="1200" b="0" i="0" u="none" strike="noStrike" cap="none" normalizeH="0" baseline="0" dirty="0">
-                <a:ln>
-                  <a:noFill/>
-                </a:ln>
-                <a:solidFill>
-                  <a:srgbClr val="0000FF"/>
-                </a:solidFill>
-                <a:effectLst/>
-                <a:latin typeface="Consolas" panose="020B0609020204030204" pitchFamily="49" charset="0"/>
-                <a:cs typeface="Consolas" panose="020B0609020204030204" pitchFamily="49" charset="0"/>
-              </a:rPr>
-              <a:t>function</a:t>
-            </a:r>
-            <a:r>
-              <a:rPr kumimoji="0" lang="en-US" altLang="en-US" sz="1200" b="0" i="0" u="none" strike="noStrike" cap="none" normalizeH="0" baseline="0" dirty="0">
-                <a:ln>
-                  <a:noFill/>
-                </a:ln>
-                <a:solidFill>
-                  <a:srgbClr val="000000"/>
-                </a:solidFill>
-                <a:effectLst/>
-                <a:latin typeface="Consolas" panose="020B0609020204030204" pitchFamily="49" charset="0"/>
-                <a:cs typeface="Consolas" panose="020B0609020204030204" pitchFamily="49" charset="0"/>
-              </a:rPr>
-              <a:t> (</a:t>
-            </a:r>
-            <a:r>
-              <a:rPr kumimoji="0" lang="en-US" altLang="en-US" sz="1200" b="0" i="0" u="none" strike="noStrike" cap="none" normalizeH="0" baseline="0" dirty="0" err="1">
-                <a:ln>
-                  <a:noFill/>
-                </a:ln>
-                <a:solidFill>
-                  <a:srgbClr val="000000"/>
-                </a:solidFill>
-                <a:effectLst/>
-                <a:latin typeface="Consolas" panose="020B0609020204030204" pitchFamily="49" charset="0"/>
-                <a:cs typeface="Consolas" panose="020B0609020204030204" pitchFamily="49" charset="0"/>
-              </a:rPr>
-              <a:t>jqXHR</a:t>
-            </a:r>
-            <a:r>
-              <a:rPr kumimoji="0" lang="en-US" altLang="en-US" sz="1200" b="0" i="0" u="none" strike="noStrike" cap="none" normalizeH="0" baseline="0" dirty="0">
-                <a:ln>
-                  <a:noFill/>
-                </a:ln>
-                <a:solidFill>
-                  <a:srgbClr val="000000"/>
-                </a:solidFill>
-                <a:effectLst/>
-                <a:latin typeface="Consolas" panose="020B0609020204030204" pitchFamily="49" charset="0"/>
-                <a:cs typeface="Consolas" panose="020B0609020204030204" pitchFamily="49" charset="0"/>
-              </a:rPr>
-              <a:t>, text, error) {     },</a:t>
-            </a:r>
-          </a:p>
-          <a:p>
-            <a:pPr marL="0" marR="0" lvl="0" indent="0" algn="l" defTabSz="914400" rtl="0" eaLnBrk="0" fontAlgn="base" latinLnBrk="0" hangingPunct="0">
-              <a:lnSpc>
-                <a:spcPct val="100000"/>
-              </a:lnSpc>
-              <a:spcBef>
-                <a:spcPct val="0"/>
-              </a:spcBef>
-              <a:spcAft>
-                <a:spcPct val="0"/>
-              </a:spcAft>
-              <a:buClrTx/>
-              <a:buSzTx/>
-              <a:buFontTx/>
-              <a:buNone/>
-              <a:tabLst/>
-            </a:pPr>
-            <a:r>
-              <a:rPr kumimoji="0" lang="en-US" altLang="en-US" sz="1200" b="0" i="0" u="none" strike="noStrike" cap="none" normalizeH="0" baseline="0" dirty="0">
-                <a:ln>
-                  <a:noFill/>
-                </a:ln>
-                <a:solidFill>
-                  <a:srgbClr val="000000"/>
-                </a:solidFill>
-                <a:effectLst/>
-                <a:latin typeface="Consolas" panose="020B0609020204030204" pitchFamily="49" charset="0"/>
-                <a:cs typeface="Consolas" panose="020B0609020204030204" pitchFamily="49" charset="0"/>
-              </a:rPr>
-              <a:t>     </a:t>
-            </a:r>
-            <a:r>
-              <a:rPr kumimoji="0" lang="en-US" altLang="en-US" sz="1200" b="0" i="0" u="none" strike="noStrike" cap="none" normalizeH="0" baseline="0" dirty="0" err="1">
-                <a:ln>
-                  <a:noFill/>
-                </a:ln>
-                <a:solidFill>
-                  <a:srgbClr val="000000"/>
-                </a:solidFill>
-                <a:effectLst/>
-                <a:latin typeface="Consolas" panose="020B0609020204030204" pitchFamily="49" charset="0"/>
-                <a:cs typeface="Consolas" panose="020B0609020204030204" pitchFamily="49" charset="0"/>
-              </a:rPr>
-              <a:t>xhrFields</a:t>
-            </a:r>
-            <a:r>
-              <a:rPr kumimoji="0" lang="en-US" altLang="en-US" sz="1200" b="0" i="0" u="none" strike="noStrike" cap="none" normalizeH="0" baseline="0" dirty="0">
-                <a:ln>
-                  <a:noFill/>
-                </a:ln>
-                <a:solidFill>
-                  <a:srgbClr val="000000"/>
-                </a:solidFill>
-                <a:effectLst/>
-                <a:latin typeface="Consolas" panose="020B0609020204030204" pitchFamily="49" charset="0"/>
-                <a:cs typeface="Consolas" panose="020B0609020204030204" pitchFamily="49" charset="0"/>
-              </a:rPr>
-              <a:t>: {</a:t>
-            </a:r>
-          </a:p>
-          <a:p>
-            <a:pPr marL="0" marR="0" lvl="0" indent="0" algn="l" defTabSz="914400" rtl="0" eaLnBrk="0" fontAlgn="base" latinLnBrk="0" hangingPunct="0">
-              <a:lnSpc>
-                <a:spcPct val="100000"/>
-              </a:lnSpc>
-              <a:spcBef>
-                <a:spcPct val="0"/>
-              </a:spcBef>
-              <a:spcAft>
-                <a:spcPct val="0"/>
-              </a:spcAft>
-              <a:buClrTx/>
-              <a:buSzTx/>
-              <a:buFontTx/>
-              <a:buNone/>
-              <a:tabLst/>
-            </a:pPr>
-            <a:r>
-              <a:rPr kumimoji="0" lang="en-US" altLang="en-US" sz="1200" b="0" i="0" u="none" strike="noStrike" cap="none" normalizeH="0" baseline="0" dirty="0">
-                <a:ln>
-                  <a:noFill/>
-                </a:ln>
-                <a:solidFill>
-                  <a:srgbClr val="000000"/>
-                </a:solidFill>
-                <a:effectLst/>
-                <a:latin typeface="Consolas" panose="020B0609020204030204" pitchFamily="49" charset="0"/>
-                <a:cs typeface="Consolas" panose="020B0609020204030204" pitchFamily="49" charset="0"/>
-              </a:rPr>
-              <a:t>         </a:t>
-            </a:r>
-            <a:r>
-              <a:rPr kumimoji="0" lang="en-US" altLang="en-US" sz="1200" b="0" i="0" u="none" strike="noStrike" cap="none" normalizeH="0" baseline="0" dirty="0" err="1">
-                <a:ln>
-                  <a:noFill/>
-                </a:ln>
-                <a:solidFill>
-                  <a:srgbClr val="000000"/>
-                </a:solidFill>
-                <a:effectLst/>
-                <a:latin typeface="Consolas" panose="020B0609020204030204" pitchFamily="49" charset="0"/>
-                <a:cs typeface="Consolas" panose="020B0609020204030204" pitchFamily="49" charset="0"/>
-              </a:rPr>
-              <a:t>withCredentials</a:t>
-            </a:r>
-            <a:r>
-              <a:rPr kumimoji="0" lang="en-US" altLang="en-US" sz="1200" b="0" i="0" u="none" strike="noStrike" cap="none" normalizeH="0" baseline="0" dirty="0">
-                <a:ln>
-                  <a:noFill/>
-                </a:ln>
-                <a:solidFill>
-                  <a:srgbClr val="000000"/>
-                </a:solidFill>
-                <a:effectLst/>
-                <a:latin typeface="Consolas" panose="020B0609020204030204" pitchFamily="49" charset="0"/>
-                <a:cs typeface="Consolas" panose="020B0609020204030204" pitchFamily="49" charset="0"/>
-              </a:rPr>
-              <a:t>: </a:t>
-            </a:r>
-            <a:r>
-              <a:rPr kumimoji="0" lang="en-US" altLang="en-US" sz="1200" b="0" i="0" u="none" strike="noStrike" cap="none" normalizeH="0" baseline="0" dirty="0">
-                <a:ln>
-                  <a:noFill/>
-                </a:ln>
-                <a:solidFill>
-                  <a:srgbClr val="0000FF"/>
-                </a:solidFill>
-                <a:effectLst/>
-                <a:latin typeface="Consolas" panose="020B0609020204030204" pitchFamily="49" charset="0"/>
-                <a:cs typeface="Consolas" panose="020B0609020204030204" pitchFamily="49" charset="0"/>
-              </a:rPr>
-              <a:t>true</a:t>
-            </a:r>
-            <a:r>
-              <a:rPr kumimoji="0" lang="en-US" altLang="en-US" sz="1200" b="0" i="0" u="none" strike="noStrike" cap="none" normalizeH="0" baseline="0" dirty="0">
-                <a:ln>
-                  <a:noFill/>
-                </a:ln>
-                <a:solidFill>
-                  <a:srgbClr val="000000"/>
-                </a:solidFill>
-                <a:effectLst/>
-                <a:latin typeface="Consolas" panose="020B0609020204030204" pitchFamily="49" charset="0"/>
-                <a:cs typeface="Consolas" panose="020B0609020204030204" pitchFamily="49" charset="0"/>
-              </a:rPr>
-              <a:t>,</a:t>
-            </a:r>
-          </a:p>
-          <a:p>
-            <a:pPr marL="0" marR="0" lvl="0" indent="0" algn="l" defTabSz="914400" rtl="0" eaLnBrk="0" fontAlgn="base" latinLnBrk="0" hangingPunct="0">
-              <a:lnSpc>
-                <a:spcPct val="100000"/>
-              </a:lnSpc>
-              <a:spcBef>
-                <a:spcPct val="0"/>
-              </a:spcBef>
-              <a:spcAft>
-                <a:spcPct val="0"/>
-              </a:spcAft>
-              <a:buClrTx/>
-              <a:buSzTx/>
-              <a:buFontTx/>
-              <a:buNone/>
-              <a:tabLst/>
-            </a:pPr>
-            <a:r>
-              <a:rPr kumimoji="0" lang="en-US" altLang="en-US" sz="1200" b="0" i="0" u="none" strike="noStrike" cap="none" normalizeH="0" baseline="0" dirty="0">
-                <a:ln>
-                  <a:noFill/>
-                </a:ln>
-                <a:solidFill>
-                  <a:srgbClr val="000000"/>
-                </a:solidFill>
-                <a:effectLst/>
-                <a:latin typeface="Consolas" panose="020B0609020204030204" pitchFamily="49" charset="0"/>
-                <a:cs typeface="Consolas" panose="020B0609020204030204" pitchFamily="49" charset="0"/>
-              </a:rPr>
-              <a:t>     }</a:t>
-            </a:r>
-          </a:p>
-          <a:p>
-            <a:pPr marL="0" marR="0" lvl="0" indent="0" algn="l" defTabSz="914400" rtl="0" eaLnBrk="0" fontAlgn="base" latinLnBrk="0" hangingPunct="0">
-              <a:lnSpc>
-                <a:spcPct val="100000"/>
-              </a:lnSpc>
-              <a:spcBef>
-                <a:spcPct val="0"/>
-              </a:spcBef>
-              <a:spcAft>
-                <a:spcPct val="0"/>
-              </a:spcAft>
-              <a:buClrTx/>
-              <a:buSzTx/>
-              <a:buFontTx/>
-              <a:buNone/>
-              <a:tabLst/>
-            </a:pPr>
-            <a:r>
-              <a:rPr kumimoji="0" lang="en-US" altLang="en-US" sz="1200" b="0" i="0" u="none" strike="noStrike" cap="none" normalizeH="0" baseline="0" dirty="0">
-                <a:ln>
-                  <a:noFill/>
-                </a:ln>
-                <a:solidFill>
-                  <a:srgbClr val="000000"/>
-                </a:solidFill>
-                <a:effectLst/>
-                <a:latin typeface="Consolas" panose="020B0609020204030204" pitchFamily="49" charset="0"/>
-                <a:cs typeface="Consolas" panose="020B0609020204030204" pitchFamily="49" charset="0"/>
-              </a:rPr>
-              <a:t>}); </a:t>
-            </a:r>
-            <a:endParaRPr kumimoji="0" lang="en-US" altLang="en-US" sz="1200" b="0" i="0" u="none" strike="noStrike" cap="none" normalizeH="0" baseline="0" dirty="0">
-              <a:ln>
-                <a:noFill/>
-              </a:ln>
-              <a:solidFill>
-                <a:schemeClr val="tx1"/>
-              </a:solidFill>
-              <a:effectLst/>
-              <a:latin typeface="Arial" panose="020B0604020202020204" pitchFamily="34" charset="0"/>
-            </a:endParaRPr>
+              <a:t>A challenge-response mini protocol</a:t>
+            </a:r>
+          </a:p>
+          <a:p>
+            <a:r>
+              <a:rPr lang="en-US" dirty="0"/>
+              <a:t>Old servers</a:t>
+            </a:r>
+          </a:p>
+          <a:p>
+            <a:pPr lvl="1"/>
+            <a:r>
+              <a:rPr lang="en-US" dirty="0"/>
+              <a:t>Do not support the new protocol</a:t>
+            </a:r>
+          </a:p>
+          <a:p>
+            <a:pPr lvl="1"/>
+            <a:r>
+              <a:rPr lang="en-US" dirty="0"/>
+              <a:t>Therefore the returned response is detected as invalid</a:t>
+            </a:r>
+          </a:p>
+          <a:p>
+            <a:pPr lvl="1"/>
+            <a:r>
+              <a:rPr lang="en-US" dirty="0"/>
+              <a:t>The browser rejects the response</a:t>
+            </a:r>
+          </a:p>
+          <a:p>
+            <a:pPr lvl="1"/>
+            <a:r>
+              <a:rPr lang="en-US" dirty="0"/>
+              <a:t>Application </a:t>
+            </a:r>
+            <a:r>
+              <a:rPr lang="en-US" u="sng" dirty="0"/>
+              <a:t>does not get a chance </a:t>
+            </a:r>
+            <a:r>
+              <a:rPr lang="en-US" dirty="0"/>
+              <a:t>to process the response</a:t>
+            </a:r>
+          </a:p>
+          <a:p>
+            <a:pPr lvl="1"/>
+            <a:r>
+              <a:rPr lang="en-US" dirty="0"/>
+              <a:t>Request is still being sent to the server !!!</a:t>
+            </a:r>
           </a:p>
         </p:txBody>
       </p:sp>
     </p:spTree>
     <p:extLst>
       <p:ext uri="{BB962C8B-B14F-4D97-AF65-F5344CB8AC3E}">
-        <p14:creationId xmlns:p14="http://schemas.microsoft.com/office/powerpoint/2010/main" val="2123063723"/>
+        <p14:creationId xmlns:p14="http://schemas.microsoft.com/office/powerpoint/2010/main" val="304764755"/>
       </p:ext>
     </p:extLst>
   </p:cSld>
@@ -8140,7 +7467,7 @@
           <a:p>
             <a:r>
               <a:rPr lang="en-US" dirty="0"/>
-              <a:t>Summary</a:t>
+              <a:t>CORS</a:t>
             </a:r>
           </a:p>
         </p:txBody>
@@ -8185,10 +7512,978 @@
           </a:bodyPr>
           <a:lstStyle/>
           <a:p>
+            <a:fld id="{87B78B44-2135-4DB2-B732-E7D5FFF77B6A}" type="slidenum">
+              <a:rPr lang="en-US" smtClean="0"/>
+              <a:pPr/>
+              <a:t>21</a:t>
+            </a:fld>
+            <a:endParaRPr lang="en-US"/>
+          </a:p>
+        </p:txBody>
+      </p:sp>
+      <p:sp>
+        <p:nvSpPr>
+          <p:cNvPr id="5" name="Content Placeholder 4"/>
+          <p:cNvSpPr>
+            <a:spLocks noGrp="1"/>
+          </p:cNvSpPr>
+          <p:nvPr>
+            <p:ph sz="quarter" idx="1"/>
+          </p:nvPr>
+        </p:nvSpPr>
+        <p:spPr/>
+        <p:txBody>
+          <a:bodyPr>
+            <a:normAutofit fontScale="92500" lnSpcReduction="10000"/>
+          </a:bodyPr>
+          <a:lstStyle/>
+          <a:p>
+            <a:r>
+              <a:rPr lang="en-US" dirty="0"/>
+              <a:t>Assuming new browser and server</a:t>
+            </a:r>
+          </a:p>
+          <a:p>
+            <a:r>
+              <a:rPr lang="en-US" dirty="0"/>
+              <a:t>The browser allows the request to be sent</a:t>
+            </a:r>
+          </a:p>
+          <a:p>
+            <a:pPr lvl="1"/>
+            <a:r>
+              <a:rPr lang="en-US" dirty="0"/>
+              <a:t>Appends an HTTP header named </a:t>
+            </a:r>
+            <a:r>
+              <a:rPr lang="en-US" dirty="0">
+                <a:solidFill>
+                  <a:srgbClr val="FF0000"/>
+                </a:solidFill>
+              </a:rPr>
+              <a:t>Origin</a:t>
+            </a:r>
+          </a:p>
+          <a:p>
+            <a:pPr lvl="1"/>
+            <a:r>
+              <a:rPr lang="en-US" dirty="0"/>
+              <a:t>Contains the URL of the requesting domain</a:t>
+            </a:r>
+          </a:p>
+          <a:p>
+            <a:r>
+              <a:rPr lang="en-US" dirty="0"/>
+              <a:t>The response includes an HTTP header named </a:t>
+            </a:r>
+            <a:r>
+              <a:rPr lang="en-US" dirty="0">
+                <a:solidFill>
+                  <a:srgbClr val="FF0000"/>
+                </a:solidFill>
+              </a:rPr>
+              <a:t>Access-Control-Allow-Origin</a:t>
+            </a:r>
+          </a:p>
+          <a:p>
+            <a:pPr lvl="1"/>
+            <a:r>
+              <a:rPr lang="en-US" dirty="0"/>
+              <a:t>Contains a list of allowed domains</a:t>
+            </a:r>
+          </a:p>
+          <a:p>
+            <a:r>
+              <a:rPr lang="en-US" dirty="0"/>
+              <a:t>If the requesting domain is included inside the allowed list the browser let the application process the response as if it was a plain AJAX response</a:t>
+            </a:r>
+          </a:p>
+        </p:txBody>
+      </p:sp>
+    </p:spTree>
+    <p:extLst>
+      <p:ext uri="{BB962C8B-B14F-4D97-AF65-F5344CB8AC3E}">
+        <p14:creationId xmlns:p14="http://schemas.microsoft.com/office/powerpoint/2010/main" val="3685666922"/>
+      </p:ext>
+    </p:extLst>
+  </p:cSld>
+  <p:clrMapOvr>
+    <a:masterClrMapping/>
+  </p:clrMapOvr>
+</p:sld>
+</file>
+
+<file path=ppt/slides/slide22.xml><?xml version="1.0" encoding="utf-8"?>
+<p:sld xmlns:a="http://schemas.openxmlformats.org/drawingml/2006/main" xmlns:r="http://schemas.openxmlformats.org/officeDocument/2006/relationships" xmlns:p="http://schemas.openxmlformats.org/presentationml/2006/main">
+  <p:cSld>
+    <p:spTree>
+      <p:nvGrpSpPr>
+        <p:cNvPr id="1" name=""/>
+        <p:cNvGrpSpPr/>
+        <p:nvPr/>
+      </p:nvGrpSpPr>
+      <p:grpSpPr>
+        <a:xfrm>
+          <a:off x="0" y="0"/>
+          <a:ext cx="0" cy="0"/>
+          <a:chOff x="0" y="0"/>
+          <a:chExt cx="0" cy="0"/>
+        </a:xfrm>
+      </p:grpSpPr>
+      <p:sp>
+        <p:nvSpPr>
+          <p:cNvPr id="2" name="Title 1"/>
+          <p:cNvSpPr>
+            <a:spLocks noGrp="1"/>
+          </p:cNvSpPr>
+          <p:nvPr>
+            <p:ph type="title"/>
+          </p:nvPr>
+        </p:nvSpPr>
+        <p:spPr/>
+        <p:txBody>
+          <a:bodyPr/>
+          <a:lstStyle/>
+          <a:p>
+            <a:r>
+              <a:rPr lang="en-US" dirty="0"/>
+              <a:t>Access-Control-Allow-Credentials</a:t>
+            </a:r>
+          </a:p>
+        </p:txBody>
+      </p:sp>
+      <p:sp>
+        <p:nvSpPr>
+          <p:cNvPr id="3" name="Footer Placeholder 2"/>
+          <p:cNvSpPr>
+            <a:spLocks noGrp="1"/>
+          </p:cNvSpPr>
+          <p:nvPr>
+            <p:ph type="ftr" sz="quarter" idx="11"/>
+          </p:nvPr>
+        </p:nvSpPr>
+        <p:spPr/>
+        <p:txBody>
+          <a:bodyPr/>
+          <a:lstStyle/>
+          <a:p>
+            <a:r>
+              <a:rPr lang="en-US"/>
+              <a:t>© 2017 Ori Calvo</a:t>
+            </a:r>
+            <a:endParaRPr lang="en-US" dirty="0"/>
+          </a:p>
+        </p:txBody>
+      </p:sp>
+      <p:sp>
+        <p:nvSpPr>
+          <p:cNvPr id="4" name="Slide Number Placeholder 3"/>
+          <p:cNvSpPr>
+            <a:spLocks noGrp="1"/>
+          </p:cNvSpPr>
+          <p:nvPr>
+            <p:ph type="sldNum" sz="quarter" idx="12"/>
+          </p:nvPr>
+        </p:nvSpPr>
+        <p:spPr/>
+        <p:txBody>
+          <a:bodyPr>
+            <a:normAutofit fontScale="85000" lnSpcReduction="20000"/>
+          </a:bodyPr>
+          <a:lstStyle/>
+          <a:p>
+            <a:fld id="{87B78B44-2135-4DB2-B732-E7D5FFF77B6A}" type="slidenum">
+              <a:rPr lang="en-US" smtClean="0"/>
+              <a:pPr/>
+              <a:t>22</a:t>
+            </a:fld>
+            <a:endParaRPr lang="en-US"/>
+          </a:p>
+        </p:txBody>
+      </p:sp>
+      <p:sp>
+        <p:nvSpPr>
+          <p:cNvPr id="5" name="Content Placeholder 4"/>
+          <p:cNvSpPr>
+            <a:spLocks noGrp="1"/>
+          </p:cNvSpPr>
+          <p:nvPr>
+            <p:ph sz="quarter" idx="1"/>
+          </p:nvPr>
+        </p:nvSpPr>
+        <p:spPr/>
+        <p:txBody>
+          <a:bodyPr/>
+          <a:lstStyle/>
+          <a:p>
+            <a:r>
+              <a:rPr lang="en-US" dirty="0"/>
+              <a:t>By default the browser does not sent any cookie alongside the request</a:t>
+            </a:r>
+          </a:p>
+          <a:p>
+            <a:r>
+              <a:rPr lang="en-US" dirty="0"/>
+              <a:t>To change this behavior</a:t>
+            </a:r>
+          </a:p>
+          <a:p>
+            <a:pPr lvl="1"/>
+            <a:r>
+              <a:rPr lang="en-US" dirty="0"/>
+              <a:t>Specify </a:t>
+            </a:r>
+            <a:r>
+              <a:rPr lang="en-US" dirty="0" err="1">
+                <a:solidFill>
+                  <a:srgbClr val="FF0000"/>
+                </a:solidFill>
+              </a:rPr>
+              <a:t>xhrFields.withCredentials</a:t>
+            </a:r>
+            <a:r>
+              <a:rPr lang="en-US" dirty="0"/>
+              <a:t> = true</a:t>
+            </a:r>
+          </a:p>
+          <a:p>
+            <a:pPr lvl="1"/>
+            <a:r>
+              <a:rPr lang="en-US" dirty="0"/>
+              <a:t>Server must return </a:t>
+            </a:r>
+            <a:r>
+              <a:rPr lang="en-US" dirty="0">
+                <a:solidFill>
+                  <a:srgbClr val="FF0000"/>
+                </a:solidFill>
+              </a:rPr>
+              <a:t>Access-Control-Allow-Credentials</a:t>
+            </a:r>
+            <a:r>
+              <a:rPr lang="en-US" dirty="0"/>
+              <a:t> HTTP header with value equals true</a:t>
+            </a:r>
+          </a:p>
+        </p:txBody>
+      </p:sp>
+      <p:sp>
+        <p:nvSpPr>
+          <p:cNvPr id="7" name="Rectangle 2"/>
+          <p:cNvSpPr>
+            <a:spLocks noChangeArrowheads="1"/>
+          </p:cNvSpPr>
+          <p:nvPr/>
+        </p:nvSpPr>
+        <p:spPr bwMode="auto">
+          <a:xfrm>
+            <a:off x="2473036" y="4581128"/>
+            <a:ext cx="4432624" cy="1754326"/>
+          </a:xfrm>
+          <a:prstGeom prst="rect">
+            <a:avLst/>
+          </a:prstGeom>
+          <a:solidFill>
+            <a:schemeClr val="accent1">
+              <a:lumMod val="40000"/>
+              <a:lumOff val="60000"/>
+            </a:schemeClr>
+          </a:solidFill>
+          <a:ln>
+            <a:noFill/>
+          </a:ln>
+          <a:effectLst>
+            <a:outerShdw blurRad="50800" dist="38100" dir="2700000" algn="tl" rotWithShape="0">
+              <a:prstClr val="black">
+                <a:alpha val="40000"/>
+              </a:prstClr>
+            </a:outerShdw>
+          </a:effectLst>
+        </p:spPr>
+        <p:txBody>
+          <a:bodyPr vert="horz" wrap="none" lIns="91440" tIns="45720" rIns="91440" bIns="45720" numCol="1" anchor="ctr" anchorCtr="0" compatLnSpc="1">
+            <a:prstTxWarp prst="textNoShape">
+              <a:avLst/>
+            </a:prstTxWarp>
+            <a:spAutoFit/>
+          </a:bodyPr>
+          <a:lstStyle/>
+          <a:p>
+            <a:pPr marL="0" marR="0" lvl="0" indent="0" algn="l" defTabSz="914400" rtl="0" eaLnBrk="0" fontAlgn="base" latinLnBrk="0" hangingPunct="0">
+              <a:lnSpc>
+                <a:spcPct val="100000"/>
+              </a:lnSpc>
+              <a:spcBef>
+                <a:spcPct val="0"/>
+              </a:spcBef>
+              <a:spcAft>
+                <a:spcPct val="0"/>
+              </a:spcAft>
+              <a:buClrTx/>
+              <a:buSzTx/>
+              <a:buFontTx/>
+              <a:buNone/>
+              <a:tabLst/>
+            </a:pPr>
+            <a:r>
+              <a:rPr kumimoji="0" lang="en-US" altLang="en-US" sz="1200" b="0" i="0" u="none" strike="noStrike" cap="none" normalizeH="0" baseline="0" dirty="0">
+                <a:ln>
+                  <a:noFill/>
+                </a:ln>
+                <a:solidFill>
+                  <a:srgbClr val="000000"/>
+                </a:solidFill>
+                <a:effectLst/>
+                <a:latin typeface="Consolas" panose="020B0609020204030204" pitchFamily="49" charset="0"/>
+                <a:cs typeface="Consolas" panose="020B0609020204030204" pitchFamily="49" charset="0"/>
+              </a:rPr>
+              <a:t>$.</a:t>
+            </a:r>
+            <a:r>
+              <a:rPr kumimoji="0" lang="en-US" altLang="en-US" sz="1200" b="0" i="0" u="none" strike="noStrike" cap="none" normalizeH="0" baseline="0" dirty="0" err="1">
+                <a:ln>
+                  <a:noFill/>
+                </a:ln>
+                <a:solidFill>
+                  <a:srgbClr val="000000"/>
+                </a:solidFill>
+                <a:effectLst/>
+                <a:latin typeface="Consolas" panose="020B0609020204030204" pitchFamily="49" charset="0"/>
+                <a:cs typeface="Consolas" panose="020B0609020204030204" pitchFamily="49" charset="0"/>
+              </a:rPr>
+              <a:t>ajax</a:t>
+            </a:r>
+            <a:r>
+              <a:rPr kumimoji="0" lang="en-US" altLang="en-US" sz="1200" b="0" i="0" u="none" strike="noStrike" cap="none" normalizeH="0" baseline="0" dirty="0">
+                <a:ln>
+                  <a:noFill/>
+                </a:ln>
+                <a:solidFill>
+                  <a:srgbClr val="000000"/>
+                </a:solidFill>
+                <a:effectLst/>
+                <a:latin typeface="Consolas" panose="020B0609020204030204" pitchFamily="49" charset="0"/>
+                <a:cs typeface="Consolas" panose="020B0609020204030204" pitchFamily="49" charset="0"/>
+              </a:rPr>
+              <a:t>({</a:t>
+            </a:r>
+          </a:p>
+          <a:p>
+            <a:pPr marL="0" marR="0" lvl="0" indent="0" algn="l" defTabSz="914400" rtl="0" eaLnBrk="0" fontAlgn="base" latinLnBrk="0" hangingPunct="0">
+              <a:lnSpc>
+                <a:spcPct val="100000"/>
+              </a:lnSpc>
+              <a:spcBef>
+                <a:spcPct val="0"/>
+              </a:spcBef>
+              <a:spcAft>
+                <a:spcPct val="0"/>
+              </a:spcAft>
+              <a:buClrTx/>
+              <a:buSzTx/>
+              <a:buFontTx/>
+              <a:buNone/>
+              <a:tabLst/>
+            </a:pPr>
+            <a:r>
+              <a:rPr kumimoji="0" lang="en-US" altLang="en-US" sz="1200" b="0" i="0" u="none" strike="noStrike" cap="none" normalizeH="0" baseline="0" dirty="0">
+                <a:ln>
+                  <a:noFill/>
+                </a:ln>
+                <a:solidFill>
+                  <a:srgbClr val="000000"/>
+                </a:solidFill>
+                <a:effectLst/>
+                <a:latin typeface="Consolas" panose="020B0609020204030204" pitchFamily="49" charset="0"/>
+                <a:cs typeface="Consolas" panose="020B0609020204030204" pitchFamily="49" charset="0"/>
+              </a:rPr>
+              <a:t>     url: </a:t>
+            </a:r>
+            <a:r>
+              <a:rPr kumimoji="0" lang="en-US" altLang="en-US" sz="1200" b="0" i="0" u="none" strike="noStrike" cap="none" normalizeH="0" baseline="0" dirty="0">
+                <a:ln>
+                  <a:noFill/>
+                </a:ln>
+                <a:solidFill>
+                  <a:srgbClr val="A31515"/>
+                </a:solidFill>
+                <a:effectLst/>
+                <a:latin typeface="Consolas" panose="020B0609020204030204" pitchFamily="49" charset="0"/>
+                <a:cs typeface="Consolas" panose="020B0609020204030204" pitchFamily="49" charset="0"/>
+              </a:rPr>
+              <a:t>"http://localhost:10659/</a:t>
+            </a:r>
+            <a:r>
+              <a:rPr kumimoji="0" lang="en-US" altLang="en-US" sz="1200" b="0" i="0" u="none" strike="noStrike" cap="none" normalizeH="0" baseline="0" dirty="0" err="1">
+                <a:ln>
+                  <a:noFill/>
+                </a:ln>
+                <a:solidFill>
+                  <a:srgbClr val="A31515"/>
+                </a:solidFill>
+                <a:effectLst/>
+                <a:latin typeface="Consolas" panose="020B0609020204030204" pitchFamily="49" charset="0"/>
+                <a:cs typeface="Consolas" panose="020B0609020204030204" pitchFamily="49" charset="0"/>
+              </a:rPr>
+              <a:t>api</a:t>
+            </a:r>
+            <a:r>
+              <a:rPr kumimoji="0" lang="en-US" altLang="en-US" sz="1200" b="0" i="0" u="none" strike="noStrike" cap="none" normalizeH="0" baseline="0" dirty="0">
+                <a:ln>
+                  <a:noFill/>
+                </a:ln>
+                <a:solidFill>
+                  <a:srgbClr val="A31515"/>
+                </a:solidFill>
+                <a:effectLst/>
+                <a:latin typeface="Consolas" panose="020B0609020204030204" pitchFamily="49" charset="0"/>
+                <a:cs typeface="Consolas" panose="020B0609020204030204" pitchFamily="49" charset="0"/>
+              </a:rPr>
+              <a:t>/contact"</a:t>
+            </a:r>
+            <a:r>
+              <a:rPr kumimoji="0" lang="en-US" altLang="en-US" sz="1200" b="0" i="0" u="none" strike="noStrike" cap="none" normalizeH="0" baseline="0" dirty="0">
+                <a:ln>
+                  <a:noFill/>
+                </a:ln>
+                <a:solidFill>
+                  <a:srgbClr val="000000"/>
+                </a:solidFill>
+                <a:effectLst/>
+                <a:latin typeface="Consolas" panose="020B0609020204030204" pitchFamily="49" charset="0"/>
+                <a:cs typeface="Consolas" panose="020B0609020204030204" pitchFamily="49" charset="0"/>
+              </a:rPr>
+              <a:t>,</a:t>
+            </a:r>
+          </a:p>
+          <a:p>
+            <a:pPr marL="0" marR="0" lvl="0" indent="0" algn="l" defTabSz="914400" rtl="0" eaLnBrk="0" fontAlgn="base" latinLnBrk="0" hangingPunct="0">
+              <a:lnSpc>
+                <a:spcPct val="100000"/>
+              </a:lnSpc>
+              <a:spcBef>
+                <a:spcPct val="0"/>
+              </a:spcBef>
+              <a:spcAft>
+                <a:spcPct val="0"/>
+              </a:spcAft>
+              <a:buClrTx/>
+              <a:buSzTx/>
+              <a:buFontTx/>
+              <a:buNone/>
+              <a:tabLst/>
+            </a:pPr>
+            <a:r>
+              <a:rPr kumimoji="0" lang="en-US" altLang="en-US" sz="1200" b="0" i="0" u="none" strike="noStrike" cap="none" normalizeH="0" baseline="0" dirty="0">
+                <a:ln>
+                  <a:noFill/>
+                </a:ln>
+                <a:solidFill>
+                  <a:srgbClr val="000000"/>
+                </a:solidFill>
+                <a:effectLst/>
+                <a:latin typeface="Consolas" panose="020B0609020204030204" pitchFamily="49" charset="0"/>
+                <a:cs typeface="Consolas" panose="020B0609020204030204" pitchFamily="49" charset="0"/>
+              </a:rPr>
+              <a:t>     type: </a:t>
+            </a:r>
+            <a:r>
+              <a:rPr kumimoji="0" lang="en-US" altLang="en-US" sz="1200" b="0" i="0" u="none" strike="noStrike" cap="none" normalizeH="0" baseline="0" dirty="0">
+                <a:ln>
+                  <a:noFill/>
+                </a:ln>
+                <a:solidFill>
+                  <a:srgbClr val="A31515"/>
+                </a:solidFill>
+                <a:effectLst/>
+                <a:latin typeface="Consolas" panose="020B0609020204030204" pitchFamily="49" charset="0"/>
+                <a:cs typeface="Consolas" panose="020B0609020204030204" pitchFamily="49" charset="0"/>
+              </a:rPr>
+              <a:t>"GET"</a:t>
+            </a:r>
+            <a:r>
+              <a:rPr kumimoji="0" lang="en-US" altLang="en-US" sz="1200" b="0" i="0" u="none" strike="noStrike" cap="none" normalizeH="0" baseline="0" dirty="0">
+                <a:ln>
+                  <a:noFill/>
+                </a:ln>
+                <a:solidFill>
+                  <a:srgbClr val="000000"/>
+                </a:solidFill>
+                <a:effectLst/>
+                <a:latin typeface="Consolas" panose="020B0609020204030204" pitchFamily="49" charset="0"/>
+                <a:cs typeface="Consolas" panose="020B0609020204030204" pitchFamily="49" charset="0"/>
+              </a:rPr>
+              <a:t>,</a:t>
+            </a:r>
+          </a:p>
+          <a:p>
+            <a:pPr marL="0" marR="0" lvl="0" indent="0" algn="l" defTabSz="914400" rtl="0" eaLnBrk="0" fontAlgn="base" latinLnBrk="0" hangingPunct="0">
+              <a:lnSpc>
+                <a:spcPct val="100000"/>
+              </a:lnSpc>
+              <a:spcBef>
+                <a:spcPct val="0"/>
+              </a:spcBef>
+              <a:spcAft>
+                <a:spcPct val="0"/>
+              </a:spcAft>
+              <a:buClrTx/>
+              <a:buSzTx/>
+              <a:buFontTx/>
+              <a:buNone/>
+              <a:tabLst/>
+            </a:pPr>
+            <a:r>
+              <a:rPr kumimoji="0" lang="en-US" altLang="en-US" sz="1200" b="0" i="0" u="none" strike="noStrike" cap="none" normalizeH="0" baseline="0" dirty="0">
+                <a:ln>
+                  <a:noFill/>
+                </a:ln>
+                <a:solidFill>
+                  <a:srgbClr val="000000"/>
+                </a:solidFill>
+                <a:effectLst/>
+                <a:latin typeface="Consolas" panose="020B0609020204030204" pitchFamily="49" charset="0"/>
+                <a:cs typeface="Consolas" panose="020B0609020204030204" pitchFamily="49" charset="0"/>
+              </a:rPr>
+              <a:t>     success: </a:t>
+            </a:r>
+            <a:r>
+              <a:rPr kumimoji="0" lang="en-US" altLang="en-US" sz="1200" b="0" i="0" u="none" strike="noStrike" cap="none" normalizeH="0" baseline="0" dirty="0">
+                <a:ln>
+                  <a:noFill/>
+                </a:ln>
+                <a:solidFill>
+                  <a:srgbClr val="0000FF"/>
+                </a:solidFill>
+                <a:effectLst/>
+                <a:latin typeface="Consolas" panose="020B0609020204030204" pitchFamily="49" charset="0"/>
+                <a:cs typeface="Consolas" panose="020B0609020204030204" pitchFamily="49" charset="0"/>
+              </a:rPr>
+              <a:t>function</a:t>
+            </a:r>
+            <a:r>
+              <a:rPr kumimoji="0" lang="en-US" altLang="en-US" sz="1200" b="0" i="0" u="none" strike="noStrike" cap="none" normalizeH="0" baseline="0" dirty="0">
+                <a:ln>
+                  <a:noFill/>
+                </a:ln>
+                <a:solidFill>
+                  <a:srgbClr val="000000"/>
+                </a:solidFill>
+                <a:effectLst/>
+                <a:latin typeface="Consolas" panose="020B0609020204030204" pitchFamily="49" charset="0"/>
+                <a:cs typeface="Consolas" panose="020B0609020204030204" pitchFamily="49" charset="0"/>
+              </a:rPr>
+              <a:t> (contacts) {     },</a:t>
+            </a:r>
+          </a:p>
+          <a:p>
+            <a:pPr marL="0" marR="0" lvl="0" indent="0" algn="l" defTabSz="914400" rtl="0" eaLnBrk="0" fontAlgn="base" latinLnBrk="0" hangingPunct="0">
+              <a:lnSpc>
+                <a:spcPct val="100000"/>
+              </a:lnSpc>
+              <a:spcBef>
+                <a:spcPct val="0"/>
+              </a:spcBef>
+              <a:spcAft>
+                <a:spcPct val="0"/>
+              </a:spcAft>
+              <a:buClrTx/>
+              <a:buSzTx/>
+              <a:buFontTx/>
+              <a:buNone/>
+              <a:tabLst/>
+            </a:pPr>
+            <a:r>
+              <a:rPr kumimoji="0" lang="en-US" altLang="en-US" sz="1200" b="0" i="0" u="none" strike="noStrike" cap="none" normalizeH="0" baseline="0" dirty="0">
+                <a:ln>
+                  <a:noFill/>
+                </a:ln>
+                <a:solidFill>
+                  <a:srgbClr val="000000"/>
+                </a:solidFill>
+                <a:effectLst/>
+                <a:latin typeface="Consolas" panose="020B0609020204030204" pitchFamily="49" charset="0"/>
+                <a:cs typeface="Consolas" panose="020B0609020204030204" pitchFamily="49" charset="0"/>
+              </a:rPr>
+              <a:t>     error: </a:t>
+            </a:r>
+            <a:r>
+              <a:rPr kumimoji="0" lang="en-US" altLang="en-US" sz="1200" b="0" i="0" u="none" strike="noStrike" cap="none" normalizeH="0" baseline="0" dirty="0">
+                <a:ln>
+                  <a:noFill/>
+                </a:ln>
+                <a:solidFill>
+                  <a:srgbClr val="0000FF"/>
+                </a:solidFill>
+                <a:effectLst/>
+                <a:latin typeface="Consolas" panose="020B0609020204030204" pitchFamily="49" charset="0"/>
+                <a:cs typeface="Consolas" panose="020B0609020204030204" pitchFamily="49" charset="0"/>
+              </a:rPr>
+              <a:t>function</a:t>
+            </a:r>
+            <a:r>
+              <a:rPr kumimoji="0" lang="en-US" altLang="en-US" sz="1200" b="0" i="0" u="none" strike="noStrike" cap="none" normalizeH="0" baseline="0" dirty="0">
+                <a:ln>
+                  <a:noFill/>
+                </a:ln>
+                <a:solidFill>
+                  <a:srgbClr val="000000"/>
+                </a:solidFill>
+                <a:effectLst/>
+                <a:latin typeface="Consolas" panose="020B0609020204030204" pitchFamily="49" charset="0"/>
+                <a:cs typeface="Consolas" panose="020B0609020204030204" pitchFamily="49" charset="0"/>
+              </a:rPr>
+              <a:t> (</a:t>
+            </a:r>
+            <a:r>
+              <a:rPr kumimoji="0" lang="en-US" altLang="en-US" sz="1200" b="0" i="0" u="none" strike="noStrike" cap="none" normalizeH="0" baseline="0" dirty="0" err="1">
+                <a:ln>
+                  <a:noFill/>
+                </a:ln>
+                <a:solidFill>
+                  <a:srgbClr val="000000"/>
+                </a:solidFill>
+                <a:effectLst/>
+                <a:latin typeface="Consolas" panose="020B0609020204030204" pitchFamily="49" charset="0"/>
+                <a:cs typeface="Consolas" panose="020B0609020204030204" pitchFamily="49" charset="0"/>
+              </a:rPr>
+              <a:t>jqXHR</a:t>
+            </a:r>
+            <a:r>
+              <a:rPr kumimoji="0" lang="en-US" altLang="en-US" sz="1200" b="0" i="0" u="none" strike="noStrike" cap="none" normalizeH="0" baseline="0" dirty="0">
+                <a:ln>
+                  <a:noFill/>
+                </a:ln>
+                <a:solidFill>
+                  <a:srgbClr val="000000"/>
+                </a:solidFill>
+                <a:effectLst/>
+                <a:latin typeface="Consolas" panose="020B0609020204030204" pitchFamily="49" charset="0"/>
+                <a:cs typeface="Consolas" panose="020B0609020204030204" pitchFamily="49" charset="0"/>
+              </a:rPr>
+              <a:t>, text, error) {     },</a:t>
+            </a:r>
+          </a:p>
+          <a:p>
+            <a:pPr marL="0" marR="0" lvl="0" indent="0" algn="l" defTabSz="914400" rtl="0" eaLnBrk="0" fontAlgn="base" latinLnBrk="0" hangingPunct="0">
+              <a:lnSpc>
+                <a:spcPct val="100000"/>
+              </a:lnSpc>
+              <a:spcBef>
+                <a:spcPct val="0"/>
+              </a:spcBef>
+              <a:spcAft>
+                <a:spcPct val="0"/>
+              </a:spcAft>
+              <a:buClrTx/>
+              <a:buSzTx/>
+              <a:buFontTx/>
+              <a:buNone/>
+              <a:tabLst/>
+            </a:pPr>
+            <a:r>
+              <a:rPr kumimoji="0" lang="en-US" altLang="en-US" sz="1200" b="0" i="0" u="none" strike="noStrike" cap="none" normalizeH="0" baseline="0" dirty="0">
+                <a:ln>
+                  <a:noFill/>
+                </a:ln>
+                <a:solidFill>
+                  <a:srgbClr val="000000"/>
+                </a:solidFill>
+                <a:effectLst/>
+                <a:latin typeface="Consolas" panose="020B0609020204030204" pitchFamily="49" charset="0"/>
+                <a:cs typeface="Consolas" panose="020B0609020204030204" pitchFamily="49" charset="0"/>
+              </a:rPr>
+              <a:t>     </a:t>
+            </a:r>
+            <a:r>
+              <a:rPr kumimoji="0" lang="en-US" altLang="en-US" sz="1200" b="0" i="0" u="none" strike="noStrike" cap="none" normalizeH="0" baseline="0" dirty="0" err="1">
+                <a:ln>
+                  <a:noFill/>
+                </a:ln>
+                <a:solidFill>
+                  <a:srgbClr val="000000"/>
+                </a:solidFill>
+                <a:effectLst/>
+                <a:latin typeface="Consolas" panose="020B0609020204030204" pitchFamily="49" charset="0"/>
+                <a:cs typeface="Consolas" panose="020B0609020204030204" pitchFamily="49" charset="0"/>
+              </a:rPr>
+              <a:t>xhrFields</a:t>
+            </a:r>
+            <a:r>
+              <a:rPr kumimoji="0" lang="en-US" altLang="en-US" sz="1200" b="0" i="0" u="none" strike="noStrike" cap="none" normalizeH="0" baseline="0" dirty="0">
+                <a:ln>
+                  <a:noFill/>
+                </a:ln>
+                <a:solidFill>
+                  <a:srgbClr val="000000"/>
+                </a:solidFill>
+                <a:effectLst/>
+                <a:latin typeface="Consolas" panose="020B0609020204030204" pitchFamily="49" charset="0"/>
+                <a:cs typeface="Consolas" panose="020B0609020204030204" pitchFamily="49" charset="0"/>
+              </a:rPr>
+              <a:t>: {</a:t>
+            </a:r>
+          </a:p>
+          <a:p>
+            <a:pPr marL="0" marR="0" lvl="0" indent="0" algn="l" defTabSz="914400" rtl="0" eaLnBrk="0" fontAlgn="base" latinLnBrk="0" hangingPunct="0">
+              <a:lnSpc>
+                <a:spcPct val="100000"/>
+              </a:lnSpc>
+              <a:spcBef>
+                <a:spcPct val="0"/>
+              </a:spcBef>
+              <a:spcAft>
+                <a:spcPct val="0"/>
+              </a:spcAft>
+              <a:buClrTx/>
+              <a:buSzTx/>
+              <a:buFontTx/>
+              <a:buNone/>
+              <a:tabLst/>
+            </a:pPr>
+            <a:r>
+              <a:rPr kumimoji="0" lang="en-US" altLang="en-US" sz="1200" b="0" i="0" u="none" strike="noStrike" cap="none" normalizeH="0" baseline="0" dirty="0">
+                <a:ln>
+                  <a:noFill/>
+                </a:ln>
+                <a:solidFill>
+                  <a:srgbClr val="000000"/>
+                </a:solidFill>
+                <a:effectLst/>
+                <a:latin typeface="Consolas" panose="020B0609020204030204" pitchFamily="49" charset="0"/>
+                <a:cs typeface="Consolas" panose="020B0609020204030204" pitchFamily="49" charset="0"/>
+              </a:rPr>
+              <a:t>         </a:t>
+            </a:r>
+            <a:r>
+              <a:rPr kumimoji="0" lang="en-US" altLang="en-US" sz="1200" b="0" i="0" u="none" strike="noStrike" cap="none" normalizeH="0" baseline="0" dirty="0" err="1">
+                <a:ln>
+                  <a:noFill/>
+                </a:ln>
+                <a:solidFill>
+                  <a:srgbClr val="000000"/>
+                </a:solidFill>
+                <a:effectLst/>
+                <a:latin typeface="Consolas" panose="020B0609020204030204" pitchFamily="49" charset="0"/>
+                <a:cs typeface="Consolas" panose="020B0609020204030204" pitchFamily="49" charset="0"/>
+              </a:rPr>
+              <a:t>withCredentials</a:t>
+            </a:r>
+            <a:r>
+              <a:rPr kumimoji="0" lang="en-US" altLang="en-US" sz="1200" b="0" i="0" u="none" strike="noStrike" cap="none" normalizeH="0" baseline="0" dirty="0">
+                <a:ln>
+                  <a:noFill/>
+                </a:ln>
+                <a:solidFill>
+                  <a:srgbClr val="000000"/>
+                </a:solidFill>
+                <a:effectLst/>
+                <a:latin typeface="Consolas" panose="020B0609020204030204" pitchFamily="49" charset="0"/>
+                <a:cs typeface="Consolas" panose="020B0609020204030204" pitchFamily="49" charset="0"/>
+              </a:rPr>
+              <a:t>: </a:t>
+            </a:r>
+            <a:r>
+              <a:rPr kumimoji="0" lang="en-US" altLang="en-US" sz="1200" b="0" i="0" u="none" strike="noStrike" cap="none" normalizeH="0" baseline="0" dirty="0">
+                <a:ln>
+                  <a:noFill/>
+                </a:ln>
+                <a:solidFill>
+                  <a:srgbClr val="0000FF"/>
+                </a:solidFill>
+                <a:effectLst/>
+                <a:latin typeface="Consolas" panose="020B0609020204030204" pitchFamily="49" charset="0"/>
+                <a:cs typeface="Consolas" panose="020B0609020204030204" pitchFamily="49" charset="0"/>
+              </a:rPr>
+              <a:t>true</a:t>
+            </a:r>
+            <a:r>
+              <a:rPr kumimoji="0" lang="en-US" altLang="en-US" sz="1200" b="0" i="0" u="none" strike="noStrike" cap="none" normalizeH="0" baseline="0" dirty="0">
+                <a:ln>
+                  <a:noFill/>
+                </a:ln>
+                <a:solidFill>
+                  <a:srgbClr val="000000"/>
+                </a:solidFill>
+                <a:effectLst/>
+                <a:latin typeface="Consolas" panose="020B0609020204030204" pitchFamily="49" charset="0"/>
+                <a:cs typeface="Consolas" panose="020B0609020204030204" pitchFamily="49" charset="0"/>
+              </a:rPr>
+              <a:t>,</a:t>
+            </a:r>
+          </a:p>
+          <a:p>
+            <a:pPr marL="0" marR="0" lvl="0" indent="0" algn="l" defTabSz="914400" rtl="0" eaLnBrk="0" fontAlgn="base" latinLnBrk="0" hangingPunct="0">
+              <a:lnSpc>
+                <a:spcPct val="100000"/>
+              </a:lnSpc>
+              <a:spcBef>
+                <a:spcPct val="0"/>
+              </a:spcBef>
+              <a:spcAft>
+                <a:spcPct val="0"/>
+              </a:spcAft>
+              <a:buClrTx/>
+              <a:buSzTx/>
+              <a:buFontTx/>
+              <a:buNone/>
+              <a:tabLst/>
+            </a:pPr>
+            <a:r>
+              <a:rPr kumimoji="0" lang="en-US" altLang="en-US" sz="1200" b="0" i="0" u="none" strike="noStrike" cap="none" normalizeH="0" baseline="0" dirty="0">
+                <a:ln>
+                  <a:noFill/>
+                </a:ln>
+                <a:solidFill>
+                  <a:srgbClr val="000000"/>
+                </a:solidFill>
+                <a:effectLst/>
+                <a:latin typeface="Consolas" panose="020B0609020204030204" pitchFamily="49" charset="0"/>
+                <a:cs typeface="Consolas" panose="020B0609020204030204" pitchFamily="49" charset="0"/>
+              </a:rPr>
+              <a:t>     }</a:t>
+            </a:r>
+          </a:p>
+          <a:p>
+            <a:pPr marL="0" marR="0" lvl="0" indent="0" algn="l" defTabSz="914400" rtl="0" eaLnBrk="0" fontAlgn="base" latinLnBrk="0" hangingPunct="0">
+              <a:lnSpc>
+                <a:spcPct val="100000"/>
+              </a:lnSpc>
+              <a:spcBef>
+                <a:spcPct val="0"/>
+              </a:spcBef>
+              <a:spcAft>
+                <a:spcPct val="0"/>
+              </a:spcAft>
+              <a:buClrTx/>
+              <a:buSzTx/>
+              <a:buFontTx/>
+              <a:buNone/>
+              <a:tabLst/>
+            </a:pPr>
+            <a:r>
+              <a:rPr kumimoji="0" lang="en-US" altLang="en-US" sz="1200" b="0" i="0" u="none" strike="noStrike" cap="none" normalizeH="0" baseline="0" dirty="0">
+                <a:ln>
+                  <a:noFill/>
+                </a:ln>
+                <a:solidFill>
+                  <a:srgbClr val="000000"/>
+                </a:solidFill>
+                <a:effectLst/>
+                <a:latin typeface="Consolas" panose="020B0609020204030204" pitchFamily="49" charset="0"/>
+                <a:cs typeface="Consolas" panose="020B0609020204030204" pitchFamily="49" charset="0"/>
+              </a:rPr>
+              <a:t>}); </a:t>
+            </a:r>
+            <a:endParaRPr kumimoji="0" lang="en-US" altLang="en-US" sz="1200" b="0" i="0" u="none" strike="noStrike" cap="none" normalizeH="0" baseline="0" dirty="0">
+              <a:ln>
+                <a:noFill/>
+              </a:ln>
+              <a:solidFill>
+                <a:schemeClr val="tx1"/>
+              </a:solidFill>
+              <a:effectLst/>
+              <a:latin typeface="Arial" panose="020B0604020202020204" pitchFamily="34" charset="0"/>
+            </a:endParaRPr>
+          </a:p>
+        </p:txBody>
+      </p:sp>
+    </p:spTree>
+    <p:extLst>
+      <p:ext uri="{BB962C8B-B14F-4D97-AF65-F5344CB8AC3E}">
+        <p14:creationId xmlns:p14="http://schemas.microsoft.com/office/powerpoint/2010/main" val="2123063723"/>
+      </p:ext>
+    </p:extLst>
+  </p:cSld>
+  <p:clrMapOvr>
+    <a:masterClrMapping/>
+  </p:clrMapOvr>
+</p:sld>
+</file>
+
+<file path=ppt/slides/slide23.xml><?xml version="1.0" encoding="utf-8"?>
+<p:sld xmlns:a="http://schemas.openxmlformats.org/drawingml/2006/main" xmlns:r="http://schemas.openxmlformats.org/officeDocument/2006/relationships" xmlns:p="http://schemas.openxmlformats.org/presentationml/2006/main">
+  <p:cSld>
+    <p:spTree>
+      <p:nvGrpSpPr>
+        <p:cNvPr id="1" name=""/>
+        <p:cNvGrpSpPr/>
+        <p:nvPr/>
+      </p:nvGrpSpPr>
+      <p:grpSpPr>
+        <a:xfrm>
+          <a:off x="0" y="0"/>
+          <a:ext cx="0" cy="0"/>
+          <a:chOff x="0" y="0"/>
+          <a:chExt cx="0" cy="0"/>
+        </a:xfrm>
+      </p:grpSpPr>
+      <p:sp>
+        <p:nvSpPr>
+          <p:cNvPr id="2" name="Title 1"/>
+          <p:cNvSpPr>
+            <a:spLocks noGrp="1"/>
+          </p:cNvSpPr>
+          <p:nvPr>
+            <p:ph type="title"/>
+          </p:nvPr>
+        </p:nvSpPr>
+        <p:spPr/>
+        <p:txBody>
+          <a:bodyPr/>
+          <a:lstStyle/>
+          <a:p>
+            <a:r>
+              <a:rPr lang="en-US" dirty="0"/>
+              <a:t>Summary</a:t>
+            </a:r>
+          </a:p>
+        </p:txBody>
+      </p:sp>
+      <p:sp>
+        <p:nvSpPr>
+          <p:cNvPr id="3" name="Footer Placeholder 2"/>
+          <p:cNvSpPr>
+            <a:spLocks noGrp="1"/>
+          </p:cNvSpPr>
+          <p:nvPr>
+            <p:ph type="ftr" sz="quarter" idx="11"/>
+          </p:nvPr>
+        </p:nvSpPr>
+        <p:spPr/>
+        <p:txBody>
+          <a:bodyPr/>
+          <a:lstStyle/>
+          <a:p>
+            <a:r>
+              <a:rPr lang="en-US"/>
+              <a:t>© 2017 Ori Calvo</a:t>
+            </a:r>
+            <a:endParaRPr lang="en-US" dirty="0"/>
+          </a:p>
+        </p:txBody>
+      </p:sp>
+      <p:sp>
+        <p:nvSpPr>
+          <p:cNvPr id="4" name="Slide Number Placeholder 3"/>
+          <p:cNvSpPr>
+            <a:spLocks noGrp="1"/>
+          </p:cNvSpPr>
+          <p:nvPr>
+            <p:ph type="sldNum" sz="quarter" idx="12"/>
+          </p:nvPr>
+        </p:nvSpPr>
+        <p:spPr/>
+        <p:txBody>
+          <a:bodyPr>
+            <a:normAutofit fontScale="85000" lnSpcReduction="20000"/>
+          </a:bodyPr>
+          <a:lstStyle/>
+          <a:p>
             <a:fld id="{6EDEC3BC-0694-4586-AE63-02B4D54ABF43}" type="slidenum">
               <a:rPr lang="en-US" smtClean="0"/>
               <a:pPr/>
-              <a:t>21</a:t>
+              <a:t>23</a:t>
             </a:fld>
             <a:endParaRPr lang="en-US"/>
           </a:p>
@@ -8270,7 +8565,13 @@
       </p:grpSpPr>
       <p:sp>
         <p:nvSpPr>
-          <p:cNvPr id="2" name="Title 1"/>
+          <p:cNvPr id="2" name="Title 1">
+            <a:extLst>
+              <a:ext uri="{FF2B5EF4-FFF2-40B4-BE49-F238E27FC236}">
+                <a16:creationId xmlns:a16="http://schemas.microsoft.com/office/drawing/2014/main" id="{B3292B3C-BE7C-4289-A625-416CFB27905C}"/>
+              </a:ext>
+            </a:extLst>
+          </p:cNvPr>
           <p:cNvSpPr>
             <a:spLocks noGrp="1"/>
           </p:cNvSpPr>
@@ -8285,14 +8586,29 @@
           <a:p>
             <a:r>
               <a:rPr lang="en-US" dirty="0"/>
-              <a:t>Authentication Cookie</a:t>
-            </a:r>
-          </a:p>
-        </p:txBody>
-      </p:sp>
-      <p:sp>
-        <p:nvSpPr>
-          <p:cNvPr id="3" name="Footer Placeholder 2"/>
+              <a:t>Integrating </a:t>
+            </a:r>
+            <a:r>
+              <a:rPr lang="en-US" dirty="0" err="1"/>
+              <a:t>Owin</a:t>
+            </a:r>
+            <a:r>
+              <a:rPr lang="en-US" dirty="0"/>
+              <a:t> + Cookies</a:t>
+            </a:r>
+            <a:endParaRPr lang="he-IL" dirty="0"/>
+          </a:p>
+        </p:txBody>
+      </p:sp>
+      <p:sp>
+        <p:nvSpPr>
+          <p:cNvPr id="3" name="Footer Placeholder 2">
+            <a:extLst>
+              <a:ext uri="{FF2B5EF4-FFF2-40B4-BE49-F238E27FC236}">
+                <a16:creationId xmlns:a16="http://schemas.microsoft.com/office/drawing/2014/main" id="{7DF5289D-1279-4DD9-BF70-6CA78DBEB074}"/>
+              </a:ext>
+            </a:extLst>
+          </p:cNvPr>
           <p:cNvSpPr>
             <a:spLocks noGrp="1"/>
           </p:cNvSpPr>
@@ -8315,7 +8631,13 @@
       </p:sp>
       <p:sp>
         <p:nvSpPr>
-          <p:cNvPr id="4" name="Slide Number Placeholder 3"/>
+          <p:cNvPr id="4" name="Slide Number Placeholder 3">
+            <a:extLst>
+              <a:ext uri="{FF2B5EF4-FFF2-40B4-BE49-F238E27FC236}">
+                <a16:creationId xmlns:a16="http://schemas.microsoft.com/office/drawing/2014/main" id="{51C5DCF9-E82E-4DDF-910E-5A69D22918BF}"/>
+              </a:ext>
+            </a:extLst>
+          </p:cNvPr>
           <p:cNvSpPr>
             <a:spLocks noGrp="1"/>
           </p:cNvSpPr>
@@ -8341,7 +8663,13 @@
       </p:sp>
       <p:sp>
         <p:nvSpPr>
-          <p:cNvPr id="5" name="Content Placeholder 4"/>
+          <p:cNvPr id="5" name="Content Placeholder 4">
+            <a:extLst>
+              <a:ext uri="{FF2B5EF4-FFF2-40B4-BE49-F238E27FC236}">
+                <a16:creationId xmlns:a16="http://schemas.microsoft.com/office/drawing/2014/main" id="{838F506F-BCFE-4221-9FF4-206F11A30A90}"/>
+              </a:ext>
+            </a:extLst>
+          </p:cNvPr>
           <p:cNvSpPr>
             <a:spLocks noGrp="1"/>
           </p:cNvSpPr>
@@ -8355,48 +8683,717 @@
           <a:lstStyle/>
           <a:p>
             <a:r>
-              <a:rPr lang="en-US" dirty="0"/>
-              <a:t>Is encrypted</a:t>
-            </a:r>
-          </a:p>
-          <a:p>
-            <a:r>
-              <a:rPr lang="en-US" dirty="0"/>
-              <a:t>Has expiration</a:t>
-            </a:r>
-          </a:p>
-          <a:p>
-            <a:r>
-              <a:rPr lang="en-US" dirty="0"/>
-              <a:t>Usually contains user details such as</a:t>
-            </a:r>
-          </a:p>
-          <a:p>
-            <a:pPr lvl="1"/>
-            <a:r>
-              <a:rPr lang="en-US" dirty="0"/>
-              <a:t>Name</a:t>
-            </a:r>
-          </a:p>
-          <a:p>
-            <a:pPr lvl="1"/>
-            <a:r>
-              <a:rPr lang="en-US" dirty="0"/>
-              <a:t>Role/Claims</a:t>
-            </a:r>
-          </a:p>
-          <a:p>
-            <a:r>
-              <a:rPr lang="en-US" dirty="0"/>
-              <a:t>What is wrong with a cookie ?</a:t>
-            </a:r>
+              <a:rPr lang="en-US" dirty="0" err="1"/>
+              <a:t>Microsoft.Owin.Security.Cookies</a:t>
+            </a:r>
+            <a:endParaRPr lang="en-US" dirty="0"/>
+          </a:p>
+          <a:p>
+            <a:r>
+              <a:rPr lang="en-US" dirty="0" err="1"/>
+              <a:t>Microsoft.Owin.Host.SystemWeb</a:t>
+            </a:r>
+            <a:endParaRPr lang="en-US" dirty="0"/>
+          </a:p>
+          <a:p>
+            <a:endParaRPr lang="he-IL" dirty="0"/>
+          </a:p>
+        </p:txBody>
+      </p:sp>
+      <p:sp>
+        <p:nvSpPr>
+          <p:cNvPr id="7" name="Rectangle 6">
+            <a:extLst>
+              <a:ext uri="{FF2B5EF4-FFF2-40B4-BE49-F238E27FC236}">
+                <a16:creationId xmlns:a16="http://schemas.microsoft.com/office/drawing/2014/main" id="{4B722524-3E0C-4ABC-9680-CEEB57AD003F}"/>
+              </a:ext>
+            </a:extLst>
+          </p:cNvPr>
+          <p:cNvSpPr/>
+          <p:nvPr/>
+        </p:nvSpPr>
+        <p:spPr>
+          <a:xfrm>
+            <a:off x="1196960" y="3068960"/>
+            <a:ext cx="6984776" cy="2648417"/>
+          </a:xfrm>
+          <a:prstGeom prst="rect">
+            <a:avLst/>
+          </a:prstGeom>
+          <a:solidFill>
+            <a:schemeClr val="accent1">
+              <a:lumMod val="40000"/>
+              <a:lumOff val="60000"/>
+            </a:schemeClr>
+          </a:solidFill>
+        </p:spPr>
+        <p:txBody>
+          <a:bodyPr wrap="square">
+            <a:spAutoFit/>
+          </a:bodyPr>
+          <a:lstStyle/>
+          <a:p>
+            <a:pPr>
+              <a:lnSpc>
+                <a:spcPct val="107000"/>
+              </a:lnSpc>
+              <a:spcAft>
+                <a:spcPts val="0"/>
+              </a:spcAft>
+            </a:pPr>
+            <a:r>
+              <a:rPr lang="en-US" sz="1200" dirty="0">
+                <a:solidFill>
+                  <a:srgbClr val="000000"/>
+                </a:solidFill>
+                <a:latin typeface="Consolas" panose="020B0609020204030204" pitchFamily="49" charset="0"/>
+                <a:ea typeface="Calibri" panose="020F0502020204030204" pitchFamily="34" charset="0"/>
+                <a:cs typeface="Consolas" panose="020B0609020204030204" pitchFamily="49" charset="0"/>
+              </a:rPr>
+              <a:t>[</a:t>
+            </a:r>
+            <a:r>
+              <a:rPr lang="en-US" sz="1200" dirty="0">
+                <a:solidFill>
+                  <a:srgbClr val="0000FF"/>
+                </a:solidFill>
+                <a:latin typeface="Consolas" panose="020B0609020204030204" pitchFamily="49" charset="0"/>
+                <a:ea typeface="Calibri" panose="020F0502020204030204" pitchFamily="34" charset="0"/>
+                <a:cs typeface="Consolas" panose="020B0609020204030204" pitchFamily="49" charset="0"/>
+              </a:rPr>
+              <a:t>assembly</a:t>
+            </a:r>
+            <a:r>
+              <a:rPr lang="en-US" sz="1200" dirty="0">
+                <a:solidFill>
+                  <a:srgbClr val="000000"/>
+                </a:solidFill>
+                <a:latin typeface="Consolas" panose="020B0609020204030204" pitchFamily="49" charset="0"/>
+                <a:ea typeface="Calibri" panose="020F0502020204030204" pitchFamily="34" charset="0"/>
+                <a:cs typeface="Consolas" panose="020B0609020204030204" pitchFamily="49" charset="0"/>
+              </a:rPr>
+              <a:t>: </a:t>
+            </a:r>
+            <a:r>
+              <a:rPr lang="en-US" sz="1200" dirty="0" err="1">
+                <a:solidFill>
+                  <a:srgbClr val="2B91AF"/>
+                </a:solidFill>
+                <a:latin typeface="Consolas" panose="020B0609020204030204" pitchFamily="49" charset="0"/>
+                <a:ea typeface="Calibri" panose="020F0502020204030204" pitchFamily="34" charset="0"/>
+                <a:cs typeface="Consolas" panose="020B0609020204030204" pitchFamily="49" charset="0"/>
+              </a:rPr>
+              <a:t>OwinStartup</a:t>
+            </a:r>
+            <a:r>
+              <a:rPr lang="en-US" sz="1200" dirty="0">
+                <a:solidFill>
+                  <a:srgbClr val="000000"/>
+                </a:solidFill>
+                <a:latin typeface="Consolas" panose="020B0609020204030204" pitchFamily="49" charset="0"/>
+                <a:ea typeface="Calibri" panose="020F0502020204030204" pitchFamily="34" charset="0"/>
+                <a:cs typeface="Consolas" panose="020B0609020204030204" pitchFamily="49" charset="0"/>
+              </a:rPr>
+              <a:t>(</a:t>
+            </a:r>
+            <a:r>
+              <a:rPr lang="en-US" sz="1200" dirty="0" err="1">
+                <a:solidFill>
+                  <a:srgbClr val="0000FF"/>
+                </a:solidFill>
+                <a:latin typeface="Consolas" panose="020B0609020204030204" pitchFamily="49" charset="0"/>
+                <a:ea typeface="Calibri" panose="020F0502020204030204" pitchFamily="34" charset="0"/>
+                <a:cs typeface="Consolas" panose="020B0609020204030204" pitchFamily="49" charset="0"/>
+              </a:rPr>
+              <a:t>typeof</a:t>
+            </a:r>
+            <a:r>
+              <a:rPr lang="en-US" sz="1200" dirty="0">
+                <a:solidFill>
+                  <a:srgbClr val="000000"/>
+                </a:solidFill>
+                <a:latin typeface="Consolas" panose="020B0609020204030204" pitchFamily="49" charset="0"/>
+                <a:ea typeface="Calibri" panose="020F0502020204030204" pitchFamily="34" charset="0"/>
+                <a:cs typeface="Consolas" panose="020B0609020204030204" pitchFamily="49" charset="0"/>
+              </a:rPr>
+              <a:t>(</a:t>
+            </a:r>
+            <a:r>
+              <a:rPr lang="en-US" sz="1200" dirty="0" err="1">
+                <a:solidFill>
+                  <a:srgbClr val="000000"/>
+                </a:solidFill>
+                <a:latin typeface="Consolas" panose="020B0609020204030204" pitchFamily="49" charset="0"/>
+                <a:ea typeface="Calibri" panose="020F0502020204030204" pitchFamily="34" charset="0"/>
+                <a:cs typeface="Consolas" panose="020B0609020204030204" pitchFamily="49" charset="0"/>
+              </a:rPr>
+              <a:t>CookieBasedAuthentication.App_Start.</a:t>
+            </a:r>
+            <a:r>
+              <a:rPr lang="en-US" sz="1200" dirty="0" err="1">
+                <a:solidFill>
+                  <a:srgbClr val="2B91AF"/>
+                </a:solidFill>
+                <a:latin typeface="Consolas" panose="020B0609020204030204" pitchFamily="49" charset="0"/>
+                <a:ea typeface="Calibri" panose="020F0502020204030204" pitchFamily="34" charset="0"/>
+                <a:cs typeface="Consolas" panose="020B0609020204030204" pitchFamily="49" charset="0"/>
+              </a:rPr>
+              <a:t>OwinStartup</a:t>
+            </a:r>
+            <a:r>
+              <a:rPr lang="en-US" sz="1200" dirty="0">
+                <a:solidFill>
+                  <a:srgbClr val="000000"/>
+                </a:solidFill>
+                <a:latin typeface="Consolas" panose="020B0609020204030204" pitchFamily="49" charset="0"/>
+                <a:ea typeface="Calibri" panose="020F0502020204030204" pitchFamily="34" charset="0"/>
+                <a:cs typeface="Consolas" panose="020B0609020204030204" pitchFamily="49" charset="0"/>
+              </a:rPr>
+              <a:t>))]</a:t>
+            </a:r>
+            <a:endParaRPr lang="en-US" sz="1200" dirty="0">
+              <a:latin typeface="Calibri" panose="020F0502020204030204" pitchFamily="34" charset="0"/>
+              <a:ea typeface="Calibri" panose="020F0502020204030204" pitchFamily="34" charset="0"/>
+              <a:cs typeface="Arial" panose="020B0604020202020204" pitchFamily="34" charset="0"/>
+            </a:endParaRPr>
+          </a:p>
+          <a:p>
+            <a:pPr>
+              <a:lnSpc>
+                <a:spcPct val="107000"/>
+              </a:lnSpc>
+              <a:spcAft>
+                <a:spcPts val="0"/>
+              </a:spcAft>
+            </a:pPr>
+            <a:r>
+              <a:rPr lang="en-US" sz="1200" dirty="0">
+                <a:solidFill>
+                  <a:srgbClr val="000000"/>
+                </a:solidFill>
+                <a:latin typeface="Consolas" panose="020B0609020204030204" pitchFamily="49" charset="0"/>
+                <a:ea typeface="Calibri" panose="020F0502020204030204" pitchFamily="34" charset="0"/>
+                <a:cs typeface="Consolas" panose="020B0609020204030204" pitchFamily="49" charset="0"/>
+              </a:rPr>
+              <a:t> </a:t>
+            </a:r>
+            <a:endParaRPr lang="en-US" sz="1200" dirty="0">
+              <a:latin typeface="Calibri" panose="020F0502020204030204" pitchFamily="34" charset="0"/>
+              <a:ea typeface="Calibri" panose="020F0502020204030204" pitchFamily="34" charset="0"/>
+              <a:cs typeface="Arial" panose="020B0604020202020204" pitchFamily="34" charset="0"/>
+            </a:endParaRPr>
+          </a:p>
+          <a:p>
+            <a:pPr>
+              <a:lnSpc>
+                <a:spcPct val="107000"/>
+              </a:lnSpc>
+              <a:spcAft>
+                <a:spcPts val="0"/>
+              </a:spcAft>
+            </a:pPr>
+            <a:r>
+              <a:rPr lang="en-US" sz="1200" dirty="0">
+                <a:solidFill>
+                  <a:srgbClr val="0000FF"/>
+                </a:solidFill>
+                <a:latin typeface="Consolas" panose="020B0609020204030204" pitchFamily="49" charset="0"/>
+                <a:ea typeface="Calibri" panose="020F0502020204030204" pitchFamily="34" charset="0"/>
+                <a:cs typeface="Consolas" panose="020B0609020204030204" pitchFamily="49" charset="0"/>
+              </a:rPr>
+              <a:t>namespace</a:t>
+            </a:r>
+            <a:r>
+              <a:rPr lang="en-US" sz="1200" dirty="0">
+                <a:solidFill>
+                  <a:srgbClr val="000000"/>
+                </a:solidFill>
+                <a:latin typeface="Consolas" panose="020B0609020204030204" pitchFamily="49" charset="0"/>
+                <a:ea typeface="Calibri" panose="020F0502020204030204" pitchFamily="34" charset="0"/>
+                <a:cs typeface="Consolas" panose="020B0609020204030204" pitchFamily="49" charset="0"/>
+              </a:rPr>
+              <a:t> </a:t>
+            </a:r>
+            <a:r>
+              <a:rPr lang="en-US" sz="1200" dirty="0" err="1">
+                <a:solidFill>
+                  <a:srgbClr val="000000"/>
+                </a:solidFill>
+                <a:latin typeface="Consolas" panose="020B0609020204030204" pitchFamily="49" charset="0"/>
+                <a:ea typeface="Calibri" panose="020F0502020204030204" pitchFamily="34" charset="0"/>
+                <a:cs typeface="Consolas" panose="020B0609020204030204" pitchFamily="49" charset="0"/>
+              </a:rPr>
+              <a:t>CookieBasedAuthentication.App_Start</a:t>
+            </a:r>
+            <a:endParaRPr lang="en-US" sz="1200" dirty="0">
+              <a:latin typeface="Calibri" panose="020F0502020204030204" pitchFamily="34" charset="0"/>
+              <a:ea typeface="Calibri" panose="020F0502020204030204" pitchFamily="34" charset="0"/>
+              <a:cs typeface="Arial" panose="020B0604020202020204" pitchFamily="34" charset="0"/>
+            </a:endParaRPr>
+          </a:p>
+          <a:p>
+            <a:pPr>
+              <a:lnSpc>
+                <a:spcPct val="107000"/>
+              </a:lnSpc>
+              <a:spcAft>
+                <a:spcPts val="0"/>
+              </a:spcAft>
+            </a:pPr>
+            <a:r>
+              <a:rPr lang="en-US" sz="1200" dirty="0">
+                <a:solidFill>
+                  <a:srgbClr val="000000"/>
+                </a:solidFill>
+                <a:latin typeface="Consolas" panose="020B0609020204030204" pitchFamily="49" charset="0"/>
+                <a:ea typeface="Calibri" panose="020F0502020204030204" pitchFamily="34" charset="0"/>
+                <a:cs typeface="Consolas" panose="020B0609020204030204" pitchFamily="49" charset="0"/>
+              </a:rPr>
+              <a:t>{</a:t>
+            </a:r>
+            <a:endParaRPr lang="en-US" sz="1200" dirty="0">
+              <a:latin typeface="Calibri" panose="020F0502020204030204" pitchFamily="34" charset="0"/>
+              <a:ea typeface="Calibri" panose="020F0502020204030204" pitchFamily="34" charset="0"/>
+              <a:cs typeface="Arial" panose="020B0604020202020204" pitchFamily="34" charset="0"/>
+            </a:endParaRPr>
+          </a:p>
+          <a:p>
+            <a:pPr>
+              <a:lnSpc>
+                <a:spcPct val="107000"/>
+              </a:lnSpc>
+              <a:spcAft>
+                <a:spcPts val="0"/>
+              </a:spcAft>
+            </a:pPr>
+            <a:r>
+              <a:rPr lang="en-US" sz="1200" dirty="0">
+                <a:solidFill>
+                  <a:srgbClr val="000000"/>
+                </a:solidFill>
+                <a:latin typeface="Consolas" panose="020B0609020204030204" pitchFamily="49" charset="0"/>
+                <a:ea typeface="Calibri" panose="020F0502020204030204" pitchFamily="34" charset="0"/>
+                <a:cs typeface="Consolas" panose="020B0609020204030204" pitchFamily="49" charset="0"/>
+              </a:rPr>
+              <a:t>    </a:t>
+            </a:r>
+            <a:r>
+              <a:rPr lang="en-US" sz="1200" dirty="0">
+                <a:solidFill>
+                  <a:srgbClr val="0000FF"/>
+                </a:solidFill>
+                <a:latin typeface="Consolas" panose="020B0609020204030204" pitchFamily="49" charset="0"/>
+                <a:ea typeface="Calibri" panose="020F0502020204030204" pitchFamily="34" charset="0"/>
+                <a:cs typeface="Consolas" panose="020B0609020204030204" pitchFamily="49" charset="0"/>
+              </a:rPr>
+              <a:t>public</a:t>
+            </a:r>
+            <a:r>
+              <a:rPr lang="en-US" sz="1200" dirty="0">
+                <a:solidFill>
+                  <a:srgbClr val="000000"/>
+                </a:solidFill>
+                <a:latin typeface="Consolas" panose="020B0609020204030204" pitchFamily="49" charset="0"/>
+                <a:ea typeface="Calibri" panose="020F0502020204030204" pitchFamily="34" charset="0"/>
+                <a:cs typeface="Consolas" panose="020B0609020204030204" pitchFamily="49" charset="0"/>
+              </a:rPr>
+              <a:t> </a:t>
+            </a:r>
+            <a:r>
+              <a:rPr lang="en-US" sz="1200" dirty="0">
+                <a:solidFill>
+                  <a:srgbClr val="0000FF"/>
+                </a:solidFill>
+                <a:latin typeface="Consolas" panose="020B0609020204030204" pitchFamily="49" charset="0"/>
+                <a:ea typeface="Calibri" panose="020F0502020204030204" pitchFamily="34" charset="0"/>
+                <a:cs typeface="Consolas" panose="020B0609020204030204" pitchFamily="49" charset="0"/>
+              </a:rPr>
+              <a:t>class</a:t>
+            </a:r>
+            <a:r>
+              <a:rPr lang="en-US" sz="1200" dirty="0">
+                <a:solidFill>
+                  <a:srgbClr val="000000"/>
+                </a:solidFill>
+                <a:latin typeface="Consolas" panose="020B0609020204030204" pitchFamily="49" charset="0"/>
+                <a:ea typeface="Calibri" panose="020F0502020204030204" pitchFamily="34" charset="0"/>
+                <a:cs typeface="Consolas" panose="020B0609020204030204" pitchFamily="49" charset="0"/>
+              </a:rPr>
+              <a:t> </a:t>
+            </a:r>
+            <a:r>
+              <a:rPr lang="en-US" sz="1200" dirty="0" err="1">
+                <a:solidFill>
+                  <a:srgbClr val="2B91AF"/>
+                </a:solidFill>
+                <a:latin typeface="Consolas" panose="020B0609020204030204" pitchFamily="49" charset="0"/>
+                <a:ea typeface="Calibri" panose="020F0502020204030204" pitchFamily="34" charset="0"/>
+                <a:cs typeface="Consolas" panose="020B0609020204030204" pitchFamily="49" charset="0"/>
+              </a:rPr>
+              <a:t>OwinStartup</a:t>
+            </a:r>
+            <a:endParaRPr lang="en-US" sz="1200" dirty="0">
+              <a:latin typeface="Calibri" panose="020F0502020204030204" pitchFamily="34" charset="0"/>
+              <a:ea typeface="Calibri" panose="020F0502020204030204" pitchFamily="34" charset="0"/>
+              <a:cs typeface="Arial" panose="020B0604020202020204" pitchFamily="34" charset="0"/>
+            </a:endParaRPr>
+          </a:p>
+          <a:p>
+            <a:pPr>
+              <a:lnSpc>
+                <a:spcPct val="107000"/>
+              </a:lnSpc>
+              <a:spcAft>
+                <a:spcPts val="0"/>
+              </a:spcAft>
+            </a:pPr>
+            <a:r>
+              <a:rPr lang="en-US" sz="1200" dirty="0">
+                <a:solidFill>
+                  <a:srgbClr val="000000"/>
+                </a:solidFill>
+                <a:latin typeface="Consolas" panose="020B0609020204030204" pitchFamily="49" charset="0"/>
+                <a:ea typeface="Calibri" panose="020F0502020204030204" pitchFamily="34" charset="0"/>
+                <a:cs typeface="Consolas" panose="020B0609020204030204" pitchFamily="49" charset="0"/>
+              </a:rPr>
+              <a:t>    {</a:t>
+            </a:r>
+            <a:endParaRPr lang="en-US" sz="1200" dirty="0">
+              <a:latin typeface="Calibri" panose="020F0502020204030204" pitchFamily="34" charset="0"/>
+              <a:ea typeface="Calibri" panose="020F0502020204030204" pitchFamily="34" charset="0"/>
+              <a:cs typeface="Arial" panose="020B0604020202020204" pitchFamily="34" charset="0"/>
+            </a:endParaRPr>
+          </a:p>
+          <a:p>
+            <a:pPr>
+              <a:lnSpc>
+                <a:spcPct val="107000"/>
+              </a:lnSpc>
+              <a:spcAft>
+                <a:spcPts val="0"/>
+              </a:spcAft>
+            </a:pPr>
+            <a:r>
+              <a:rPr lang="en-US" sz="1200" dirty="0">
+                <a:solidFill>
+                  <a:srgbClr val="000000"/>
+                </a:solidFill>
+                <a:latin typeface="Consolas" panose="020B0609020204030204" pitchFamily="49" charset="0"/>
+                <a:ea typeface="Calibri" panose="020F0502020204030204" pitchFamily="34" charset="0"/>
+                <a:cs typeface="Consolas" panose="020B0609020204030204" pitchFamily="49" charset="0"/>
+              </a:rPr>
+              <a:t>        </a:t>
+            </a:r>
+            <a:r>
+              <a:rPr lang="en-US" sz="1200" dirty="0">
+                <a:solidFill>
+                  <a:srgbClr val="0000FF"/>
+                </a:solidFill>
+                <a:latin typeface="Consolas" panose="020B0609020204030204" pitchFamily="49" charset="0"/>
+                <a:ea typeface="Calibri" panose="020F0502020204030204" pitchFamily="34" charset="0"/>
+                <a:cs typeface="Consolas" panose="020B0609020204030204" pitchFamily="49" charset="0"/>
+              </a:rPr>
+              <a:t>public</a:t>
+            </a:r>
+            <a:r>
+              <a:rPr lang="en-US" sz="1200" dirty="0">
+                <a:solidFill>
+                  <a:srgbClr val="000000"/>
+                </a:solidFill>
+                <a:latin typeface="Consolas" panose="020B0609020204030204" pitchFamily="49" charset="0"/>
+                <a:ea typeface="Calibri" panose="020F0502020204030204" pitchFamily="34" charset="0"/>
+                <a:cs typeface="Consolas" panose="020B0609020204030204" pitchFamily="49" charset="0"/>
+              </a:rPr>
+              <a:t> </a:t>
+            </a:r>
+            <a:r>
+              <a:rPr lang="en-US" sz="1200" dirty="0">
+                <a:solidFill>
+                  <a:srgbClr val="0000FF"/>
+                </a:solidFill>
+                <a:latin typeface="Consolas" panose="020B0609020204030204" pitchFamily="49" charset="0"/>
+                <a:ea typeface="Calibri" panose="020F0502020204030204" pitchFamily="34" charset="0"/>
+                <a:cs typeface="Consolas" panose="020B0609020204030204" pitchFamily="49" charset="0"/>
+              </a:rPr>
+              <a:t>void</a:t>
+            </a:r>
+            <a:r>
+              <a:rPr lang="en-US" sz="1200" dirty="0">
+                <a:solidFill>
+                  <a:srgbClr val="000000"/>
+                </a:solidFill>
+                <a:latin typeface="Consolas" panose="020B0609020204030204" pitchFamily="49" charset="0"/>
+                <a:ea typeface="Calibri" panose="020F0502020204030204" pitchFamily="34" charset="0"/>
+                <a:cs typeface="Consolas" panose="020B0609020204030204" pitchFamily="49" charset="0"/>
+              </a:rPr>
+              <a:t> Configuration(</a:t>
+            </a:r>
+            <a:r>
+              <a:rPr lang="en-US" sz="1200" dirty="0" err="1">
+                <a:solidFill>
+                  <a:srgbClr val="2B91AF"/>
+                </a:solidFill>
+                <a:latin typeface="Consolas" panose="020B0609020204030204" pitchFamily="49" charset="0"/>
+                <a:ea typeface="Calibri" panose="020F0502020204030204" pitchFamily="34" charset="0"/>
+                <a:cs typeface="Consolas" panose="020B0609020204030204" pitchFamily="49" charset="0"/>
+              </a:rPr>
+              <a:t>IAppBuilder</a:t>
+            </a:r>
+            <a:r>
+              <a:rPr lang="en-US" sz="1200" dirty="0">
+                <a:solidFill>
+                  <a:srgbClr val="000000"/>
+                </a:solidFill>
+                <a:latin typeface="Consolas" panose="020B0609020204030204" pitchFamily="49" charset="0"/>
+                <a:ea typeface="Calibri" panose="020F0502020204030204" pitchFamily="34" charset="0"/>
+                <a:cs typeface="Consolas" panose="020B0609020204030204" pitchFamily="49" charset="0"/>
+              </a:rPr>
+              <a:t> app)</a:t>
+            </a:r>
+            <a:endParaRPr lang="en-US" sz="1200" dirty="0">
+              <a:latin typeface="Calibri" panose="020F0502020204030204" pitchFamily="34" charset="0"/>
+              <a:ea typeface="Calibri" panose="020F0502020204030204" pitchFamily="34" charset="0"/>
+              <a:cs typeface="Arial" panose="020B0604020202020204" pitchFamily="34" charset="0"/>
+            </a:endParaRPr>
+          </a:p>
+          <a:p>
+            <a:pPr>
+              <a:lnSpc>
+                <a:spcPct val="107000"/>
+              </a:lnSpc>
+              <a:spcAft>
+                <a:spcPts val="0"/>
+              </a:spcAft>
+            </a:pPr>
+            <a:r>
+              <a:rPr lang="en-US" sz="1200" dirty="0">
+                <a:solidFill>
+                  <a:srgbClr val="000000"/>
+                </a:solidFill>
+                <a:latin typeface="Consolas" panose="020B0609020204030204" pitchFamily="49" charset="0"/>
+                <a:ea typeface="Calibri" panose="020F0502020204030204" pitchFamily="34" charset="0"/>
+                <a:cs typeface="Consolas" panose="020B0609020204030204" pitchFamily="49" charset="0"/>
+              </a:rPr>
+              <a:t>        {</a:t>
+            </a:r>
+            <a:endParaRPr lang="en-US" sz="1200" dirty="0">
+              <a:latin typeface="Calibri" panose="020F0502020204030204" pitchFamily="34" charset="0"/>
+              <a:ea typeface="Calibri" panose="020F0502020204030204" pitchFamily="34" charset="0"/>
+              <a:cs typeface="Arial" panose="020B0604020202020204" pitchFamily="34" charset="0"/>
+            </a:endParaRPr>
+          </a:p>
+          <a:p>
+            <a:pPr>
+              <a:lnSpc>
+                <a:spcPct val="107000"/>
+              </a:lnSpc>
+              <a:spcAft>
+                <a:spcPts val="0"/>
+              </a:spcAft>
+            </a:pPr>
+            <a:r>
+              <a:rPr lang="en-US" sz="1200" dirty="0">
+                <a:solidFill>
+                  <a:srgbClr val="000000"/>
+                </a:solidFill>
+                <a:latin typeface="Consolas" panose="020B0609020204030204" pitchFamily="49" charset="0"/>
+                <a:ea typeface="Calibri" panose="020F0502020204030204" pitchFamily="34" charset="0"/>
+                <a:cs typeface="Consolas" panose="020B0609020204030204" pitchFamily="49" charset="0"/>
+              </a:rPr>
+              <a:t>            </a:t>
+            </a:r>
+            <a:r>
+              <a:rPr lang="en-US" sz="1200" dirty="0" err="1">
+                <a:solidFill>
+                  <a:srgbClr val="0000FF"/>
+                </a:solidFill>
+                <a:latin typeface="Consolas" panose="020B0609020204030204" pitchFamily="49" charset="0"/>
+                <a:ea typeface="Calibri" panose="020F0502020204030204" pitchFamily="34" charset="0"/>
+                <a:cs typeface="Consolas" panose="020B0609020204030204" pitchFamily="49" charset="0"/>
+              </a:rPr>
+              <a:t>var</a:t>
+            </a:r>
+            <a:r>
+              <a:rPr lang="en-US" sz="1200" dirty="0">
+                <a:solidFill>
+                  <a:srgbClr val="000000"/>
+                </a:solidFill>
+                <a:latin typeface="Consolas" panose="020B0609020204030204" pitchFamily="49" charset="0"/>
+                <a:ea typeface="Calibri" panose="020F0502020204030204" pitchFamily="34" charset="0"/>
+                <a:cs typeface="Consolas" panose="020B0609020204030204" pitchFamily="49" charset="0"/>
+              </a:rPr>
+              <a:t> options = </a:t>
+            </a:r>
+            <a:r>
+              <a:rPr lang="en-US" sz="1200" dirty="0">
+                <a:solidFill>
+                  <a:srgbClr val="0000FF"/>
+                </a:solidFill>
+                <a:latin typeface="Consolas" panose="020B0609020204030204" pitchFamily="49" charset="0"/>
+                <a:ea typeface="Calibri" panose="020F0502020204030204" pitchFamily="34" charset="0"/>
+                <a:cs typeface="Consolas" panose="020B0609020204030204" pitchFamily="49" charset="0"/>
+              </a:rPr>
+              <a:t>new</a:t>
+            </a:r>
+            <a:r>
+              <a:rPr lang="en-US" sz="1200" dirty="0">
+                <a:solidFill>
+                  <a:srgbClr val="000000"/>
+                </a:solidFill>
+                <a:latin typeface="Consolas" panose="020B0609020204030204" pitchFamily="49" charset="0"/>
+                <a:ea typeface="Calibri" panose="020F0502020204030204" pitchFamily="34" charset="0"/>
+                <a:cs typeface="Consolas" panose="020B0609020204030204" pitchFamily="49" charset="0"/>
+              </a:rPr>
+              <a:t> </a:t>
+            </a:r>
+            <a:r>
+              <a:rPr lang="en-US" sz="1200" dirty="0" err="1">
+                <a:solidFill>
+                  <a:srgbClr val="2B91AF"/>
+                </a:solidFill>
+                <a:latin typeface="Consolas" panose="020B0609020204030204" pitchFamily="49" charset="0"/>
+                <a:ea typeface="Calibri" panose="020F0502020204030204" pitchFamily="34" charset="0"/>
+                <a:cs typeface="Consolas" panose="020B0609020204030204" pitchFamily="49" charset="0"/>
+              </a:rPr>
+              <a:t>CookieAuthenticationOptions</a:t>
+            </a:r>
+            <a:r>
+              <a:rPr lang="en-US" sz="1200" dirty="0">
+                <a:solidFill>
+                  <a:srgbClr val="000000"/>
+                </a:solidFill>
+                <a:latin typeface="Consolas" panose="020B0609020204030204" pitchFamily="49" charset="0"/>
+                <a:ea typeface="Calibri" panose="020F0502020204030204" pitchFamily="34" charset="0"/>
+                <a:cs typeface="Consolas" panose="020B0609020204030204" pitchFamily="49" charset="0"/>
+              </a:rPr>
+              <a:t>();</a:t>
+            </a:r>
+            <a:endParaRPr lang="en-US" sz="1200" dirty="0">
+              <a:latin typeface="Calibri" panose="020F0502020204030204" pitchFamily="34" charset="0"/>
+              <a:ea typeface="Calibri" panose="020F0502020204030204" pitchFamily="34" charset="0"/>
+              <a:cs typeface="Arial" panose="020B0604020202020204" pitchFamily="34" charset="0"/>
+            </a:endParaRPr>
+          </a:p>
+          <a:p>
+            <a:pPr>
+              <a:lnSpc>
+                <a:spcPct val="107000"/>
+              </a:lnSpc>
+              <a:spcAft>
+                <a:spcPts val="0"/>
+              </a:spcAft>
+            </a:pPr>
+            <a:r>
+              <a:rPr lang="en-US" sz="1200" dirty="0">
+                <a:solidFill>
+                  <a:srgbClr val="000000"/>
+                </a:solidFill>
+                <a:latin typeface="Consolas" panose="020B0609020204030204" pitchFamily="49" charset="0"/>
+                <a:ea typeface="Calibri" panose="020F0502020204030204" pitchFamily="34" charset="0"/>
+                <a:cs typeface="Consolas" panose="020B0609020204030204" pitchFamily="49" charset="0"/>
+              </a:rPr>
+              <a:t>            </a:t>
+            </a:r>
+            <a:r>
+              <a:rPr lang="en-US" sz="1200" dirty="0" err="1">
+                <a:solidFill>
+                  <a:srgbClr val="000000"/>
+                </a:solidFill>
+                <a:latin typeface="Consolas" panose="020B0609020204030204" pitchFamily="49" charset="0"/>
+                <a:ea typeface="Calibri" panose="020F0502020204030204" pitchFamily="34" charset="0"/>
+                <a:cs typeface="Consolas" panose="020B0609020204030204" pitchFamily="49" charset="0"/>
+              </a:rPr>
+              <a:t>app.UseCookieAuthentication</a:t>
+            </a:r>
+            <a:r>
+              <a:rPr lang="en-US" sz="1200" dirty="0">
+                <a:solidFill>
+                  <a:srgbClr val="000000"/>
+                </a:solidFill>
+                <a:latin typeface="Consolas" panose="020B0609020204030204" pitchFamily="49" charset="0"/>
+                <a:ea typeface="Calibri" panose="020F0502020204030204" pitchFamily="34" charset="0"/>
+                <a:cs typeface="Consolas" panose="020B0609020204030204" pitchFamily="49" charset="0"/>
+              </a:rPr>
+              <a:t>(options);</a:t>
+            </a:r>
+            <a:endParaRPr lang="en-US" sz="1200" dirty="0">
+              <a:latin typeface="Calibri" panose="020F0502020204030204" pitchFamily="34" charset="0"/>
+              <a:ea typeface="Calibri" panose="020F0502020204030204" pitchFamily="34" charset="0"/>
+              <a:cs typeface="Arial" panose="020B0604020202020204" pitchFamily="34" charset="0"/>
+            </a:endParaRPr>
+          </a:p>
+          <a:p>
+            <a:pPr>
+              <a:lnSpc>
+                <a:spcPct val="107000"/>
+              </a:lnSpc>
+              <a:spcAft>
+                <a:spcPts val="0"/>
+              </a:spcAft>
+            </a:pPr>
+            <a:r>
+              <a:rPr lang="en-US" sz="1200" dirty="0">
+                <a:solidFill>
+                  <a:srgbClr val="000000"/>
+                </a:solidFill>
+                <a:latin typeface="Consolas" panose="020B0609020204030204" pitchFamily="49" charset="0"/>
+                <a:ea typeface="Calibri" panose="020F0502020204030204" pitchFamily="34" charset="0"/>
+                <a:cs typeface="Consolas" panose="020B0609020204030204" pitchFamily="49" charset="0"/>
+              </a:rPr>
+              <a:t>        }</a:t>
+            </a:r>
+            <a:endParaRPr lang="en-US" sz="1200" dirty="0">
+              <a:latin typeface="Calibri" panose="020F0502020204030204" pitchFamily="34" charset="0"/>
+              <a:ea typeface="Calibri" panose="020F0502020204030204" pitchFamily="34" charset="0"/>
+              <a:cs typeface="Arial" panose="020B0604020202020204" pitchFamily="34" charset="0"/>
+            </a:endParaRPr>
+          </a:p>
+          <a:p>
+            <a:pPr>
+              <a:lnSpc>
+                <a:spcPct val="107000"/>
+              </a:lnSpc>
+              <a:spcAft>
+                <a:spcPts val="0"/>
+              </a:spcAft>
+            </a:pPr>
+            <a:r>
+              <a:rPr lang="en-US" sz="1200" dirty="0">
+                <a:solidFill>
+                  <a:srgbClr val="000000"/>
+                </a:solidFill>
+                <a:latin typeface="Consolas" panose="020B0609020204030204" pitchFamily="49" charset="0"/>
+                <a:ea typeface="Calibri" panose="020F0502020204030204" pitchFamily="34" charset="0"/>
+                <a:cs typeface="Consolas" panose="020B0609020204030204" pitchFamily="49" charset="0"/>
+              </a:rPr>
+              <a:t>    }</a:t>
+            </a:r>
+            <a:endParaRPr lang="en-US" sz="1200" dirty="0">
+              <a:latin typeface="Calibri" panose="020F0502020204030204" pitchFamily="34" charset="0"/>
+              <a:ea typeface="Calibri" panose="020F0502020204030204" pitchFamily="34" charset="0"/>
+              <a:cs typeface="Arial" panose="020B0604020202020204" pitchFamily="34" charset="0"/>
+            </a:endParaRPr>
+          </a:p>
+          <a:p>
+            <a:r>
+              <a:rPr lang="en-US" sz="1200" dirty="0">
+                <a:solidFill>
+                  <a:srgbClr val="000000"/>
+                </a:solidFill>
+                <a:latin typeface="Consolas" panose="020B0609020204030204" pitchFamily="49" charset="0"/>
+                <a:ea typeface="Calibri" panose="020F0502020204030204" pitchFamily="34" charset="0"/>
+                <a:cs typeface="Consolas" panose="020B0609020204030204" pitchFamily="49" charset="0"/>
+              </a:rPr>
+              <a:t>}</a:t>
+            </a:r>
+            <a:endParaRPr lang="he-IL" sz="1200" dirty="0"/>
           </a:p>
         </p:txBody>
       </p:sp>
     </p:spTree>
     <p:extLst>
       <p:ext uri="{BB962C8B-B14F-4D97-AF65-F5344CB8AC3E}">
-        <p14:creationId xmlns:p14="http://schemas.microsoft.com/office/powerpoint/2010/main" val="2790113021"/>
+        <p14:creationId xmlns:p14="http://schemas.microsoft.com/office/powerpoint/2010/main" val="2564182181"/>
       </p:ext>
     </p:extLst>
   </p:cSld>
@@ -8425,7 +9422,13 @@
       </p:grpSpPr>
       <p:sp>
         <p:nvSpPr>
-          <p:cNvPr id="2" name="Title 1"/>
+          <p:cNvPr id="2" name="Title 1">
+            <a:extLst>
+              <a:ext uri="{FF2B5EF4-FFF2-40B4-BE49-F238E27FC236}">
+                <a16:creationId xmlns:a16="http://schemas.microsoft.com/office/drawing/2014/main" id="{31C334D2-D1EE-445E-8782-CF6D5823A985}"/>
+              </a:ext>
+            </a:extLst>
+          </p:cNvPr>
           <p:cNvSpPr>
             <a:spLocks noGrp="1"/>
           </p:cNvSpPr>
@@ -8440,14 +9443,21 @@
           <a:p>
             <a:r>
               <a:rPr lang="en-US" dirty="0"/>
-              <a:t>Cross Origin Navigation</a:t>
-            </a:r>
-          </a:p>
-        </p:txBody>
-      </p:sp>
-      <p:sp>
-        <p:nvSpPr>
-          <p:cNvPr id="3" name="Footer Placeholder 2"/>
+              <a:t>Sign In</a:t>
+            </a:r>
+            <a:endParaRPr lang="he-IL" dirty="0"/>
+          </a:p>
+        </p:txBody>
+      </p:sp>
+      <p:sp>
+        <p:nvSpPr>
+          <p:cNvPr id="3" name="Footer Placeholder 2">
+            <a:extLst>
+              <a:ext uri="{FF2B5EF4-FFF2-40B4-BE49-F238E27FC236}">
+                <a16:creationId xmlns:a16="http://schemas.microsoft.com/office/drawing/2014/main" id="{D33697D6-009B-4005-9C6E-A20E0903284E}"/>
+              </a:ext>
+            </a:extLst>
+          </p:cNvPr>
           <p:cNvSpPr>
             <a:spLocks noGrp="1"/>
           </p:cNvSpPr>
@@ -8470,7 +9480,13 @@
       </p:sp>
       <p:sp>
         <p:nvSpPr>
-          <p:cNvPr id="4" name="Slide Number Placeholder 3"/>
+          <p:cNvPr id="4" name="Slide Number Placeholder 3">
+            <a:extLst>
+              <a:ext uri="{FF2B5EF4-FFF2-40B4-BE49-F238E27FC236}">
+                <a16:creationId xmlns:a16="http://schemas.microsoft.com/office/drawing/2014/main" id="{11DB41A4-7E21-4349-9536-3CE5FDE86819}"/>
+              </a:ext>
+            </a:extLst>
+          </p:cNvPr>
           <p:cNvSpPr>
             <a:spLocks noGrp="1"/>
           </p:cNvSpPr>
@@ -8496,61 +9512,751 @@
       </p:sp>
       <p:sp>
         <p:nvSpPr>
-          <p:cNvPr id="5" name="Content Placeholder 4"/>
-          <p:cNvSpPr>
-            <a:spLocks noGrp="1"/>
-          </p:cNvSpPr>
-          <p:nvPr>
-            <p:ph sz="quarter" idx="1"/>
-          </p:nvPr>
-        </p:nvSpPr>
-        <p:spPr/>
-        <p:txBody>
-          <a:bodyPr>
-            <a:normAutofit/>
+          <p:cNvPr id="6" name="Rectangle 5">
+            <a:extLst>
+              <a:ext uri="{FF2B5EF4-FFF2-40B4-BE49-F238E27FC236}">
+                <a16:creationId xmlns:a16="http://schemas.microsoft.com/office/drawing/2014/main" id="{7CD217D3-1556-46F3-B3C7-097C793B729A}"/>
+              </a:ext>
+            </a:extLst>
+          </p:cNvPr>
+          <p:cNvSpPr/>
+          <p:nvPr/>
+        </p:nvSpPr>
+        <p:spPr>
+          <a:xfrm>
+            <a:off x="584892" y="2276872"/>
+            <a:ext cx="8208912" cy="2612895"/>
+          </a:xfrm>
+          <a:prstGeom prst="rect">
+            <a:avLst/>
+          </a:prstGeom>
+          <a:solidFill>
+            <a:schemeClr val="accent1">
+              <a:lumMod val="40000"/>
+              <a:lumOff val="60000"/>
+            </a:schemeClr>
+          </a:solidFill>
+        </p:spPr>
+        <p:txBody>
+          <a:bodyPr wrap="square">
+            <a:spAutoFit/>
           </a:bodyPr>
           <a:lstStyle/>
           <a:p>
-            <a:r>
-              <a:rPr lang="en-US" dirty="0"/>
-              <a:t>You login to Facebook</a:t>
-            </a:r>
-          </a:p>
-          <a:p>
-            <a:r>
-              <a:rPr lang="en-US" dirty="0"/>
-              <a:t>Inside a new browser instance you navigates inside arbitrary web site which offers a link to Facebook</a:t>
-            </a:r>
-          </a:p>
-          <a:p>
-            <a:r>
-              <a:rPr lang="en-US" dirty="0"/>
-              <a:t>Once clicking the link the browser is directed to Facebook</a:t>
-            </a:r>
-          </a:p>
-          <a:p>
-            <a:r>
-              <a:rPr lang="en-US" dirty="0"/>
-              <a:t>User is not asked to enter credential </a:t>
-            </a:r>
-            <a:r>
-              <a:rPr lang="en-US" dirty="0" err="1"/>
-              <a:t>agains</a:t>
-            </a:r>
-            <a:endParaRPr lang="en-US" dirty="0"/>
-          </a:p>
-          <a:p>
-            <a:r>
-              <a:rPr lang="en-US" dirty="0"/>
-              <a:t>It means the cookie was sent automatically by the browser</a:t>
-            </a:r>
+            <a:pPr>
+              <a:lnSpc>
+                <a:spcPct val="107000"/>
+              </a:lnSpc>
+              <a:spcAft>
+                <a:spcPts val="0"/>
+              </a:spcAft>
+            </a:pPr>
+            <a:r>
+              <a:rPr lang="en-US" sz="1400" dirty="0">
+                <a:solidFill>
+                  <a:srgbClr val="0000FF"/>
+                </a:solidFill>
+                <a:latin typeface="Consolas" panose="020B0609020204030204" pitchFamily="49" charset="0"/>
+                <a:ea typeface="Calibri" panose="020F0502020204030204" pitchFamily="34" charset="0"/>
+                <a:cs typeface="Consolas" panose="020B0609020204030204" pitchFamily="49" charset="0"/>
+              </a:rPr>
+              <a:t>public</a:t>
+            </a:r>
+            <a:r>
+              <a:rPr lang="en-US" sz="1400" dirty="0">
+                <a:solidFill>
+                  <a:srgbClr val="000000"/>
+                </a:solidFill>
+                <a:latin typeface="Consolas" panose="020B0609020204030204" pitchFamily="49" charset="0"/>
+                <a:ea typeface="Calibri" panose="020F0502020204030204" pitchFamily="34" charset="0"/>
+                <a:cs typeface="Consolas" panose="020B0609020204030204" pitchFamily="49" charset="0"/>
+              </a:rPr>
+              <a:t> </a:t>
+            </a:r>
+            <a:r>
+              <a:rPr lang="en-US" sz="1400" dirty="0" err="1">
+                <a:solidFill>
+                  <a:srgbClr val="2B91AF"/>
+                </a:solidFill>
+                <a:latin typeface="Consolas" panose="020B0609020204030204" pitchFamily="49" charset="0"/>
+                <a:ea typeface="Calibri" panose="020F0502020204030204" pitchFamily="34" charset="0"/>
+                <a:cs typeface="Consolas" panose="020B0609020204030204" pitchFamily="49" charset="0"/>
+              </a:rPr>
+              <a:t>ActionResult</a:t>
+            </a:r>
+            <a:r>
+              <a:rPr lang="en-US" sz="1400" dirty="0">
+                <a:solidFill>
+                  <a:srgbClr val="000000"/>
+                </a:solidFill>
+                <a:latin typeface="Consolas" panose="020B0609020204030204" pitchFamily="49" charset="0"/>
+                <a:ea typeface="Calibri" panose="020F0502020204030204" pitchFamily="34" charset="0"/>
+                <a:cs typeface="Consolas" panose="020B0609020204030204" pitchFamily="49" charset="0"/>
+              </a:rPr>
+              <a:t> Authorize()</a:t>
+            </a:r>
+            <a:endParaRPr lang="en-US" sz="1400" dirty="0">
+              <a:latin typeface="Calibri" panose="020F0502020204030204" pitchFamily="34" charset="0"/>
+              <a:ea typeface="Calibri" panose="020F0502020204030204" pitchFamily="34" charset="0"/>
+              <a:cs typeface="Arial" panose="020B0604020202020204" pitchFamily="34" charset="0"/>
+            </a:endParaRPr>
+          </a:p>
+          <a:p>
+            <a:pPr>
+              <a:lnSpc>
+                <a:spcPct val="107000"/>
+              </a:lnSpc>
+              <a:spcAft>
+                <a:spcPts val="0"/>
+              </a:spcAft>
+            </a:pPr>
+            <a:r>
+              <a:rPr lang="en-US" sz="1400" dirty="0">
+                <a:solidFill>
+                  <a:srgbClr val="000000"/>
+                </a:solidFill>
+                <a:latin typeface="Consolas" panose="020B0609020204030204" pitchFamily="49" charset="0"/>
+                <a:ea typeface="Calibri" panose="020F0502020204030204" pitchFamily="34" charset="0"/>
+                <a:cs typeface="Consolas" panose="020B0609020204030204" pitchFamily="49" charset="0"/>
+              </a:rPr>
+              <a:t>{</a:t>
+            </a:r>
+            <a:endParaRPr lang="en-US" sz="1400" dirty="0">
+              <a:latin typeface="Calibri" panose="020F0502020204030204" pitchFamily="34" charset="0"/>
+              <a:ea typeface="Calibri" panose="020F0502020204030204" pitchFamily="34" charset="0"/>
+              <a:cs typeface="Arial" panose="020B0604020202020204" pitchFamily="34" charset="0"/>
+            </a:endParaRPr>
+          </a:p>
+          <a:p>
+            <a:pPr>
+              <a:lnSpc>
+                <a:spcPct val="107000"/>
+              </a:lnSpc>
+              <a:spcAft>
+                <a:spcPts val="0"/>
+              </a:spcAft>
+            </a:pPr>
+            <a:r>
+              <a:rPr lang="en-US" sz="1400" dirty="0">
+                <a:solidFill>
+                  <a:srgbClr val="000000"/>
+                </a:solidFill>
+                <a:latin typeface="Consolas" panose="020B0609020204030204" pitchFamily="49" charset="0"/>
+                <a:ea typeface="Calibri" panose="020F0502020204030204" pitchFamily="34" charset="0"/>
+                <a:cs typeface="Consolas" panose="020B0609020204030204" pitchFamily="49" charset="0"/>
+              </a:rPr>
+              <a:t>    </a:t>
+            </a:r>
+            <a:r>
+              <a:rPr lang="en-US" sz="1400" dirty="0" err="1">
+                <a:solidFill>
+                  <a:srgbClr val="0000FF"/>
+                </a:solidFill>
+                <a:latin typeface="Consolas" panose="020B0609020204030204" pitchFamily="49" charset="0"/>
+                <a:ea typeface="Calibri" panose="020F0502020204030204" pitchFamily="34" charset="0"/>
+                <a:cs typeface="Consolas" panose="020B0609020204030204" pitchFamily="49" charset="0"/>
+              </a:rPr>
+              <a:t>var</a:t>
+            </a:r>
+            <a:r>
+              <a:rPr lang="en-US" sz="1400" dirty="0">
+                <a:solidFill>
+                  <a:srgbClr val="000000"/>
+                </a:solidFill>
+                <a:latin typeface="Consolas" panose="020B0609020204030204" pitchFamily="49" charset="0"/>
+                <a:ea typeface="Calibri" panose="020F0502020204030204" pitchFamily="34" charset="0"/>
+                <a:cs typeface="Consolas" panose="020B0609020204030204" pitchFamily="49" charset="0"/>
+              </a:rPr>
+              <a:t> authentication = </a:t>
+            </a:r>
+            <a:r>
+              <a:rPr lang="en-US" sz="1400" dirty="0" err="1">
+                <a:solidFill>
+                  <a:srgbClr val="000000"/>
+                </a:solidFill>
+                <a:latin typeface="Consolas" panose="020B0609020204030204" pitchFamily="49" charset="0"/>
+                <a:ea typeface="Calibri" panose="020F0502020204030204" pitchFamily="34" charset="0"/>
+                <a:cs typeface="Consolas" panose="020B0609020204030204" pitchFamily="49" charset="0"/>
+              </a:rPr>
+              <a:t>HttpContext.GetOwinContext</a:t>
+            </a:r>
+            <a:r>
+              <a:rPr lang="en-US" sz="1400" dirty="0">
+                <a:solidFill>
+                  <a:srgbClr val="000000"/>
+                </a:solidFill>
+                <a:latin typeface="Consolas" panose="020B0609020204030204" pitchFamily="49" charset="0"/>
+                <a:ea typeface="Calibri" panose="020F0502020204030204" pitchFamily="34" charset="0"/>
+                <a:cs typeface="Consolas" panose="020B0609020204030204" pitchFamily="49" charset="0"/>
+              </a:rPr>
+              <a:t>().Authentication;</a:t>
+            </a:r>
+            <a:endParaRPr lang="en-US" sz="1400" dirty="0">
+              <a:latin typeface="Calibri" panose="020F0502020204030204" pitchFamily="34" charset="0"/>
+              <a:ea typeface="Calibri" panose="020F0502020204030204" pitchFamily="34" charset="0"/>
+              <a:cs typeface="Arial" panose="020B0604020202020204" pitchFamily="34" charset="0"/>
+            </a:endParaRPr>
+          </a:p>
+          <a:p>
+            <a:pPr>
+              <a:lnSpc>
+                <a:spcPct val="107000"/>
+              </a:lnSpc>
+              <a:spcAft>
+                <a:spcPts val="0"/>
+              </a:spcAft>
+            </a:pPr>
+            <a:r>
+              <a:rPr lang="en-US" sz="1400" dirty="0">
+                <a:solidFill>
+                  <a:srgbClr val="000000"/>
+                </a:solidFill>
+                <a:latin typeface="Consolas" panose="020B0609020204030204" pitchFamily="49" charset="0"/>
+                <a:ea typeface="Calibri" panose="020F0502020204030204" pitchFamily="34" charset="0"/>
+                <a:cs typeface="Consolas" panose="020B0609020204030204" pitchFamily="49" charset="0"/>
+              </a:rPr>
+              <a:t>            </a:t>
+            </a:r>
+            <a:endParaRPr lang="en-US" sz="1400" dirty="0">
+              <a:latin typeface="Calibri" panose="020F0502020204030204" pitchFamily="34" charset="0"/>
+              <a:ea typeface="Calibri" panose="020F0502020204030204" pitchFamily="34" charset="0"/>
+              <a:cs typeface="Arial" panose="020B0604020202020204" pitchFamily="34" charset="0"/>
+            </a:endParaRPr>
+          </a:p>
+          <a:p>
+            <a:pPr>
+              <a:lnSpc>
+                <a:spcPct val="107000"/>
+              </a:lnSpc>
+              <a:spcAft>
+                <a:spcPts val="0"/>
+              </a:spcAft>
+            </a:pPr>
+            <a:r>
+              <a:rPr lang="en-US" sz="1400" dirty="0">
+                <a:solidFill>
+                  <a:srgbClr val="000000"/>
+                </a:solidFill>
+                <a:latin typeface="Consolas" panose="020B0609020204030204" pitchFamily="49" charset="0"/>
+                <a:ea typeface="Calibri" panose="020F0502020204030204" pitchFamily="34" charset="0"/>
+                <a:cs typeface="Consolas" panose="020B0609020204030204" pitchFamily="49" charset="0"/>
+              </a:rPr>
+              <a:t>    </a:t>
+            </a:r>
+            <a:r>
+              <a:rPr lang="en-US" sz="1400" dirty="0" err="1">
+                <a:solidFill>
+                  <a:srgbClr val="000000"/>
+                </a:solidFill>
+                <a:latin typeface="Consolas" panose="020B0609020204030204" pitchFamily="49" charset="0"/>
+                <a:ea typeface="Calibri" panose="020F0502020204030204" pitchFamily="34" charset="0"/>
+                <a:cs typeface="Consolas" panose="020B0609020204030204" pitchFamily="49" charset="0"/>
+              </a:rPr>
+              <a:t>authentication.SignIn</a:t>
+            </a:r>
+            <a:r>
+              <a:rPr lang="en-US" sz="1400" dirty="0">
+                <a:solidFill>
+                  <a:srgbClr val="000000"/>
+                </a:solidFill>
+                <a:latin typeface="Consolas" panose="020B0609020204030204" pitchFamily="49" charset="0"/>
+                <a:ea typeface="Calibri" panose="020F0502020204030204" pitchFamily="34" charset="0"/>
+                <a:cs typeface="Consolas" panose="020B0609020204030204" pitchFamily="49" charset="0"/>
+              </a:rPr>
+              <a:t>(</a:t>
+            </a:r>
+            <a:endParaRPr lang="en-US" sz="1400" dirty="0">
+              <a:latin typeface="Calibri" panose="020F0502020204030204" pitchFamily="34" charset="0"/>
+              <a:ea typeface="Calibri" panose="020F0502020204030204" pitchFamily="34" charset="0"/>
+              <a:cs typeface="Arial" panose="020B0604020202020204" pitchFamily="34" charset="0"/>
+            </a:endParaRPr>
+          </a:p>
+          <a:p>
+            <a:pPr>
+              <a:lnSpc>
+                <a:spcPct val="107000"/>
+              </a:lnSpc>
+              <a:spcAft>
+                <a:spcPts val="0"/>
+              </a:spcAft>
+            </a:pPr>
+            <a:r>
+              <a:rPr lang="en-US" sz="1400" dirty="0">
+                <a:solidFill>
+                  <a:srgbClr val="000000"/>
+                </a:solidFill>
+                <a:latin typeface="Consolas" panose="020B0609020204030204" pitchFamily="49" charset="0"/>
+                <a:ea typeface="Calibri" panose="020F0502020204030204" pitchFamily="34" charset="0"/>
+                <a:cs typeface="Consolas" panose="020B0609020204030204" pitchFamily="49" charset="0"/>
+              </a:rPr>
+              <a:t>        </a:t>
+            </a:r>
+            <a:r>
+              <a:rPr lang="en-US" sz="1400" dirty="0">
+                <a:solidFill>
+                  <a:srgbClr val="0000FF"/>
+                </a:solidFill>
+                <a:latin typeface="Consolas" panose="020B0609020204030204" pitchFamily="49" charset="0"/>
+                <a:ea typeface="Calibri" panose="020F0502020204030204" pitchFamily="34" charset="0"/>
+                <a:cs typeface="Consolas" panose="020B0609020204030204" pitchFamily="49" charset="0"/>
+              </a:rPr>
+              <a:t>new</a:t>
+            </a:r>
+            <a:r>
+              <a:rPr lang="en-US" sz="1400" dirty="0">
+                <a:solidFill>
+                  <a:srgbClr val="000000"/>
+                </a:solidFill>
+                <a:latin typeface="Consolas" panose="020B0609020204030204" pitchFamily="49" charset="0"/>
+                <a:ea typeface="Calibri" panose="020F0502020204030204" pitchFamily="34" charset="0"/>
+                <a:cs typeface="Consolas" panose="020B0609020204030204" pitchFamily="49" charset="0"/>
+              </a:rPr>
+              <a:t> </a:t>
+            </a:r>
+            <a:r>
+              <a:rPr lang="en-US" sz="1400" dirty="0" err="1">
+                <a:solidFill>
+                  <a:srgbClr val="2B91AF"/>
+                </a:solidFill>
+                <a:latin typeface="Consolas" panose="020B0609020204030204" pitchFamily="49" charset="0"/>
+                <a:ea typeface="Calibri" panose="020F0502020204030204" pitchFamily="34" charset="0"/>
+                <a:cs typeface="Consolas" panose="020B0609020204030204" pitchFamily="49" charset="0"/>
+              </a:rPr>
+              <a:t>AuthenticationProperties</a:t>
+            </a:r>
+            <a:r>
+              <a:rPr lang="en-US" sz="1400" dirty="0">
+                <a:solidFill>
+                  <a:srgbClr val="000000"/>
+                </a:solidFill>
+                <a:latin typeface="Consolas" panose="020B0609020204030204" pitchFamily="49" charset="0"/>
+                <a:ea typeface="Calibri" panose="020F0502020204030204" pitchFamily="34" charset="0"/>
+                <a:cs typeface="Consolas" panose="020B0609020204030204" pitchFamily="49" charset="0"/>
+              </a:rPr>
+              <a:t> { </a:t>
+            </a:r>
+            <a:r>
+              <a:rPr lang="en-US" sz="1400" dirty="0" err="1">
+                <a:solidFill>
+                  <a:srgbClr val="000000"/>
+                </a:solidFill>
+                <a:latin typeface="Consolas" panose="020B0609020204030204" pitchFamily="49" charset="0"/>
+                <a:ea typeface="Calibri" panose="020F0502020204030204" pitchFamily="34" charset="0"/>
+                <a:cs typeface="Consolas" panose="020B0609020204030204" pitchFamily="49" charset="0"/>
+              </a:rPr>
+              <a:t>IsPersistent</a:t>
+            </a:r>
+            <a:r>
+              <a:rPr lang="en-US" sz="1400" dirty="0">
+                <a:solidFill>
+                  <a:srgbClr val="000000"/>
+                </a:solidFill>
+                <a:latin typeface="Consolas" panose="020B0609020204030204" pitchFamily="49" charset="0"/>
+                <a:ea typeface="Calibri" panose="020F0502020204030204" pitchFamily="34" charset="0"/>
+                <a:cs typeface="Consolas" panose="020B0609020204030204" pitchFamily="49" charset="0"/>
+              </a:rPr>
+              <a:t> = </a:t>
+            </a:r>
+            <a:r>
+              <a:rPr lang="en-US" sz="1400" dirty="0">
+                <a:solidFill>
+                  <a:srgbClr val="0000FF"/>
+                </a:solidFill>
+                <a:latin typeface="Consolas" panose="020B0609020204030204" pitchFamily="49" charset="0"/>
+                <a:ea typeface="Calibri" panose="020F0502020204030204" pitchFamily="34" charset="0"/>
+                <a:cs typeface="Consolas" panose="020B0609020204030204" pitchFamily="49" charset="0"/>
+              </a:rPr>
+              <a:t>false</a:t>
+            </a:r>
+            <a:r>
+              <a:rPr lang="en-US" sz="1400" dirty="0">
+                <a:solidFill>
+                  <a:srgbClr val="000000"/>
+                </a:solidFill>
+                <a:latin typeface="Consolas" panose="020B0609020204030204" pitchFamily="49" charset="0"/>
+                <a:ea typeface="Calibri" panose="020F0502020204030204" pitchFamily="34" charset="0"/>
+                <a:cs typeface="Consolas" panose="020B0609020204030204" pitchFamily="49" charset="0"/>
+              </a:rPr>
+              <a:t> },</a:t>
+            </a:r>
+            <a:endParaRPr lang="en-US" sz="1400" dirty="0">
+              <a:latin typeface="Calibri" panose="020F0502020204030204" pitchFamily="34" charset="0"/>
+              <a:ea typeface="Calibri" panose="020F0502020204030204" pitchFamily="34" charset="0"/>
+              <a:cs typeface="Arial" panose="020B0604020202020204" pitchFamily="34" charset="0"/>
+            </a:endParaRPr>
+          </a:p>
+          <a:p>
+            <a:pPr>
+              <a:lnSpc>
+                <a:spcPct val="107000"/>
+              </a:lnSpc>
+              <a:spcAft>
+                <a:spcPts val="0"/>
+              </a:spcAft>
+            </a:pPr>
+            <a:r>
+              <a:rPr lang="en-US" sz="1400" dirty="0">
+                <a:solidFill>
+                  <a:srgbClr val="000000"/>
+                </a:solidFill>
+                <a:latin typeface="Consolas" panose="020B0609020204030204" pitchFamily="49" charset="0"/>
+                <a:ea typeface="Calibri" panose="020F0502020204030204" pitchFamily="34" charset="0"/>
+                <a:cs typeface="Consolas" panose="020B0609020204030204" pitchFamily="49" charset="0"/>
+              </a:rPr>
+              <a:t>        </a:t>
+            </a:r>
+            <a:r>
+              <a:rPr lang="en-US" sz="1400" dirty="0">
+                <a:solidFill>
+                  <a:srgbClr val="0000FF"/>
+                </a:solidFill>
+                <a:latin typeface="Consolas" panose="020B0609020204030204" pitchFamily="49" charset="0"/>
+                <a:ea typeface="Calibri" panose="020F0502020204030204" pitchFamily="34" charset="0"/>
+                <a:cs typeface="Consolas" panose="020B0609020204030204" pitchFamily="49" charset="0"/>
+              </a:rPr>
+              <a:t>new</a:t>
+            </a:r>
+            <a:r>
+              <a:rPr lang="en-US" sz="1400" dirty="0">
+                <a:solidFill>
+                  <a:srgbClr val="000000"/>
+                </a:solidFill>
+                <a:latin typeface="Consolas" panose="020B0609020204030204" pitchFamily="49" charset="0"/>
+                <a:ea typeface="Calibri" panose="020F0502020204030204" pitchFamily="34" charset="0"/>
+                <a:cs typeface="Consolas" panose="020B0609020204030204" pitchFamily="49" charset="0"/>
+              </a:rPr>
+              <a:t> </a:t>
+            </a:r>
+            <a:r>
+              <a:rPr lang="en-US" sz="1400" dirty="0" err="1">
+                <a:solidFill>
+                  <a:srgbClr val="2B91AF"/>
+                </a:solidFill>
+                <a:latin typeface="Consolas" panose="020B0609020204030204" pitchFamily="49" charset="0"/>
+                <a:ea typeface="Calibri" panose="020F0502020204030204" pitchFamily="34" charset="0"/>
+                <a:cs typeface="Consolas" panose="020B0609020204030204" pitchFamily="49" charset="0"/>
+              </a:rPr>
+              <a:t>ClaimsIdentity</a:t>
+            </a:r>
+            <a:r>
+              <a:rPr lang="en-US" sz="1400" dirty="0">
+                <a:solidFill>
+                  <a:srgbClr val="000000"/>
+                </a:solidFill>
+                <a:latin typeface="Consolas" panose="020B0609020204030204" pitchFamily="49" charset="0"/>
+                <a:ea typeface="Calibri" panose="020F0502020204030204" pitchFamily="34" charset="0"/>
+                <a:cs typeface="Consolas" panose="020B0609020204030204" pitchFamily="49" charset="0"/>
+              </a:rPr>
+              <a:t>(</a:t>
+            </a:r>
+            <a:r>
+              <a:rPr lang="en-US" sz="1400" dirty="0">
+                <a:solidFill>
+                  <a:srgbClr val="0000FF"/>
+                </a:solidFill>
+                <a:latin typeface="Consolas" panose="020B0609020204030204" pitchFamily="49" charset="0"/>
+                <a:ea typeface="Calibri" panose="020F0502020204030204" pitchFamily="34" charset="0"/>
+                <a:cs typeface="Consolas" panose="020B0609020204030204" pitchFamily="49" charset="0"/>
+              </a:rPr>
+              <a:t>new</a:t>
+            </a:r>
+            <a:r>
+              <a:rPr lang="en-US" sz="1400" dirty="0">
+                <a:solidFill>
+                  <a:srgbClr val="000000"/>
+                </a:solidFill>
+                <a:latin typeface="Consolas" panose="020B0609020204030204" pitchFamily="49" charset="0"/>
+                <a:ea typeface="Calibri" panose="020F0502020204030204" pitchFamily="34" charset="0"/>
+                <a:cs typeface="Consolas" panose="020B0609020204030204" pitchFamily="49" charset="0"/>
+              </a:rPr>
+              <a:t>[] { </a:t>
+            </a:r>
+          </a:p>
+          <a:p>
+            <a:pPr>
+              <a:lnSpc>
+                <a:spcPct val="107000"/>
+              </a:lnSpc>
+              <a:spcAft>
+                <a:spcPts val="0"/>
+              </a:spcAft>
+            </a:pPr>
+            <a:r>
+              <a:rPr lang="en-US" sz="1400" dirty="0">
+                <a:solidFill>
+                  <a:srgbClr val="000000"/>
+                </a:solidFill>
+                <a:latin typeface="Consolas" panose="020B0609020204030204" pitchFamily="49" charset="0"/>
+                <a:ea typeface="Calibri" panose="020F0502020204030204" pitchFamily="34" charset="0"/>
+                <a:cs typeface="Consolas" panose="020B0609020204030204" pitchFamily="49" charset="0"/>
+              </a:rPr>
+              <a:t>            </a:t>
+            </a:r>
+            <a:r>
+              <a:rPr lang="en-US" sz="1400" dirty="0">
+                <a:solidFill>
+                  <a:srgbClr val="0000FF"/>
+                </a:solidFill>
+                <a:latin typeface="Consolas" panose="020B0609020204030204" pitchFamily="49" charset="0"/>
+                <a:ea typeface="Calibri" panose="020F0502020204030204" pitchFamily="34" charset="0"/>
+                <a:cs typeface="Consolas" panose="020B0609020204030204" pitchFamily="49" charset="0"/>
+              </a:rPr>
+              <a:t>new</a:t>
+            </a:r>
+            <a:r>
+              <a:rPr lang="en-US" sz="1400" dirty="0">
+                <a:solidFill>
+                  <a:srgbClr val="000000"/>
+                </a:solidFill>
+                <a:latin typeface="Consolas" panose="020B0609020204030204" pitchFamily="49" charset="0"/>
+                <a:ea typeface="Calibri" panose="020F0502020204030204" pitchFamily="34" charset="0"/>
+                <a:cs typeface="Consolas" panose="020B0609020204030204" pitchFamily="49" charset="0"/>
+              </a:rPr>
+              <a:t> </a:t>
+            </a:r>
+            <a:r>
+              <a:rPr lang="en-US" sz="1400" dirty="0">
+                <a:solidFill>
+                  <a:srgbClr val="2B91AF"/>
+                </a:solidFill>
+                <a:latin typeface="Consolas" panose="020B0609020204030204" pitchFamily="49" charset="0"/>
+                <a:ea typeface="Calibri" panose="020F0502020204030204" pitchFamily="34" charset="0"/>
+                <a:cs typeface="Consolas" panose="020B0609020204030204" pitchFamily="49" charset="0"/>
+              </a:rPr>
+              <a:t>Claim</a:t>
+            </a:r>
+            <a:r>
+              <a:rPr lang="en-US" sz="1400" dirty="0">
+                <a:solidFill>
+                  <a:srgbClr val="000000"/>
+                </a:solidFill>
+                <a:latin typeface="Consolas" panose="020B0609020204030204" pitchFamily="49" charset="0"/>
+                <a:ea typeface="Calibri" panose="020F0502020204030204" pitchFamily="34" charset="0"/>
+                <a:cs typeface="Consolas" panose="020B0609020204030204" pitchFamily="49" charset="0"/>
+              </a:rPr>
+              <a:t>(</a:t>
+            </a:r>
+            <a:r>
+              <a:rPr lang="en-US" sz="1400" dirty="0" err="1">
+                <a:solidFill>
+                  <a:srgbClr val="2B91AF"/>
+                </a:solidFill>
+                <a:latin typeface="Consolas" panose="020B0609020204030204" pitchFamily="49" charset="0"/>
+                <a:ea typeface="Calibri" panose="020F0502020204030204" pitchFamily="34" charset="0"/>
+                <a:cs typeface="Consolas" panose="020B0609020204030204" pitchFamily="49" charset="0"/>
+              </a:rPr>
+              <a:t>ClaimsIdentity</a:t>
+            </a:r>
+            <a:r>
+              <a:rPr lang="en-US" sz="1400" dirty="0" err="1">
+                <a:solidFill>
+                  <a:srgbClr val="000000"/>
+                </a:solidFill>
+                <a:latin typeface="Consolas" panose="020B0609020204030204" pitchFamily="49" charset="0"/>
+                <a:ea typeface="Calibri" panose="020F0502020204030204" pitchFamily="34" charset="0"/>
+                <a:cs typeface="Consolas" panose="020B0609020204030204" pitchFamily="49" charset="0"/>
+              </a:rPr>
+              <a:t>.DefaultNameClaimType</a:t>
+            </a:r>
+            <a:r>
+              <a:rPr lang="en-US" sz="1400" dirty="0">
+                <a:solidFill>
+                  <a:srgbClr val="000000"/>
+                </a:solidFill>
+                <a:latin typeface="Consolas" panose="020B0609020204030204" pitchFamily="49" charset="0"/>
+                <a:ea typeface="Calibri" panose="020F0502020204030204" pitchFamily="34" charset="0"/>
+                <a:cs typeface="Consolas" panose="020B0609020204030204" pitchFamily="49" charset="0"/>
+              </a:rPr>
+              <a:t>, </a:t>
+            </a:r>
+            <a:r>
+              <a:rPr lang="en-US" sz="1400" dirty="0">
+                <a:solidFill>
+                  <a:srgbClr val="A31515"/>
+                </a:solidFill>
+                <a:latin typeface="Consolas" panose="020B0609020204030204" pitchFamily="49" charset="0"/>
+                <a:ea typeface="Calibri" panose="020F0502020204030204" pitchFamily="34" charset="0"/>
+                <a:cs typeface="Consolas" panose="020B0609020204030204" pitchFamily="49" charset="0"/>
+              </a:rPr>
+              <a:t>"Ori"</a:t>
+            </a:r>
+            <a:r>
+              <a:rPr lang="en-US" sz="1400" dirty="0">
+                <a:solidFill>
+                  <a:srgbClr val="000000"/>
+                </a:solidFill>
+                <a:latin typeface="Consolas" panose="020B0609020204030204" pitchFamily="49" charset="0"/>
+                <a:ea typeface="Calibri" panose="020F0502020204030204" pitchFamily="34" charset="0"/>
+                <a:cs typeface="Consolas" panose="020B0609020204030204" pitchFamily="49" charset="0"/>
+              </a:rPr>
+              <a:t>) }, </a:t>
+            </a:r>
+            <a:r>
+              <a:rPr lang="en-US" sz="1400" dirty="0">
+                <a:solidFill>
+                  <a:srgbClr val="A31515"/>
+                </a:solidFill>
+                <a:latin typeface="Consolas" panose="020B0609020204030204" pitchFamily="49" charset="0"/>
+                <a:ea typeface="Calibri" panose="020F0502020204030204" pitchFamily="34" charset="0"/>
+                <a:cs typeface="Consolas" panose="020B0609020204030204" pitchFamily="49" charset="0"/>
+              </a:rPr>
+              <a:t>"Cookies"</a:t>
+            </a:r>
+            <a:r>
+              <a:rPr lang="en-US" sz="1400" dirty="0">
+                <a:solidFill>
+                  <a:srgbClr val="000000"/>
+                </a:solidFill>
+                <a:latin typeface="Consolas" panose="020B0609020204030204" pitchFamily="49" charset="0"/>
+                <a:ea typeface="Calibri" panose="020F0502020204030204" pitchFamily="34" charset="0"/>
+                <a:cs typeface="Consolas" panose="020B0609020204030204" pitchFamily="49" charset="0"/>
+              </a:rPr>
+              <a:t>));</a:t>
+            </a:r>
+            <a:endParaRPr lang="en-US" sz="1400" dirty="0">
+              <a:latin typeface="Calibri" panose="020F0502020204030204" pitchFamily="34" charset="0"/>
+              <a:ea typeface="Calibri" panose="020F0502020204030204" pitchFamily="34" charset="0"/>
+              <a:cs typeface="Arial" panose="020B0604020202020204" pitchFamily="34" charset="0"/>
+            </a:endParaRPr>
+          </a:p>
+          <a:p>
+            <a:pPr>
+              <a:lnSpc>
+                <a:spcPct val="107000"/>
+              </a:lnSpc>
+              <a:spcAft>
+                <a:spcPts val="0"/>
+              </a:spcAft>
+            </a:pPr>
+            <a:r>
+              <a:rPr lang="en-US" sz="1400" dirty="0">
+                <a:solidFill>
+                  <a:srgbClr val="000000"/>
+                </a:solidFill>
+                <a:latin typeface="Consolas" panose="020B0609020204030204" pitchFamily="49" charset="0"/>
+                <a:ea typeface="Calibri" panose="020F0502020204030204" pitchFamily="34" charset="0"/>
+                <a:cs typeface="Consolas" panose="020B0609020204030204" pitchFamily="49" charset="0"/>
+              </a:rPr>
+              <a:t> </a:t>
+            </a:r>
+            <a:endParaRPr lang="en-US" sz="1400" dirty="0">
+              <a:latin typeface="Calibri" panose="020F0502020204030204" pitchFamily="34" charset="0"/>
+              <a:ea typeface="Calibri" panose="020F0502020204030204" pitchFamily="34" charset="0"/>
+              <a:cs typeface="Arial" panose="020B0604020202020204" pitchFamily="34" charset="0"/>
+            </a:endParaRPr>
+          </a:p>
+          <a:p>
+            <a:pPr>
+              <a:lnSpc>
+                <a:spcPct val="107000"/>
+              </a:lnSpc>
+              <a:spcAft>
+                <a:spcPts val="0"/>
+              </a:spcAft>
+            </a:pPr>
+            <a:r>
+              <a:rPr lang="en-US" sz="1400" dirty="0">
+                <a:solidFill>
+                  <a:srgbClr val="000000"/>
+                </a:solidFill>
+                <a:latin typeface="Consolas" panose="020B0609020204030204" pitchFamily="49" charset="0"/>
+                <a:ea typeface="Calibri" panose="020F0502020204030204" pitchFamily="34" charset="0"/>
+                <a:cs typeface="Consolas" panose="020B0609020204030204" pitchFamily="49" charset="0"/>
+              </a:rPr>
+              <a:t>    </a:t>
+            </a:r>
+            <a:r>
+              <a:rPr lang="en-US" sz="1400" dirty="0">
+                <a:solidFill>
+                  <a:srgbClr val="0000FF"/>
+                </a:solidFill>
+                <a:latin typeface="Consolas" panose="020B0609020204030204" pitchFamily="49" charset="0"/>
+                <a:ea typeface="Calibri" panose="020F0502020204030204" pitchFamily="34" charset="0"/>
+                <a:cs typeface="Consolas" panose="020B0609020204030204" pitchFamily="49" charset="0"/>
+              </a:rPr>
+              <a:t>return</a:t>
+            </a:r>
+            <a:r>
+              <a:rPr lang="en-US" sz="1400" dirty="0">
+                <a:solidFill>
+                  <a:srgbClr val="000000"/>
+                </a:solidFill>
+                <a:latin typeface="Consolas" panose="020B0609020204030204" pitchFamily="49" charset="0"/>
+                <a:ea typeface="Calibri" panose="020F0502020204030204" pitchFamily="34" charset="0"/>
+                <a:cs typeface="Consolas" panose="020B0609020204030204" pitchFamily="49" charset="0"/>
+              </a:rPr>
+              <a:t> </a:t>
+            </a:r>
+            <a:r>
+              <a:rPr lang="en-US" sz="1400" dirty="0" err="1">
+                <a:solidFill>
+                  <a:srgbClr val="000000"/>
+                </a:solidFill>
+                <a:latin typeface="Consolas" panose="020B0609020204030204" pitchFamily="49" charset="0"/>
+                <a:ea typeface="Calibri" panose="020F0502020204030204" pitchFamily="34" charset="0"/>
+                <a:cs typeface="Consolas" panose="020B0609020204030204" pitchFamily="49" charset="0"/>
+              </a:rPr>
+              <a:t>RedirectToAction</a:t>
+            </a:r>
+            <a:r>
+              <a:rPr lang="en-US" sz="1400" dirty="0">
+                <a:solidFill>
+                  <a:srgbClr val="000000"/>
+                </a:solidFill>
+                <a:latin typeface="Consolas" panose="020B0609020204030204" pitchFamily="49" charset="0"/>
+                <a:ea typeface="Calibri" panose="020F0502020204030204" pitchFamily="34" charset="0"/>
+                <a:cs typeface="Consolas" panose="020B0609020204030204" pitchFamily="49" charset="0"/>
+              </a:rPr>
+              <a:t>(</a:t>
+            </a:r>
+            <a:r>
+              <a:rPr lang="en-US" sz="1400" dirty="0">
+                <a:solidFill>
+                  <a:srgbClr val="A31515"/>
+                </a:solidFill>
+                <a:latin typeface="Consolas" panose="020B0609020204030204" pitchFamily="49" charset="0"/>
+                <a:ea typeface="Calibri" panose="020F0502020204030204" pitchFamily="34" charset="0"/>
+                <a:cs typeface="Consolas" panose="020B0609020204030204" pitchFamily="49" charset="0"/>
+              </a:rPr>
+              <a:t>"Index"</a:t>
+            </a:r>
+            <a:r>
+              <a:rPr lang="en-US" sz="1400" dirty="0">
+                <a:solidFill>
+                  <a:srgbClr val="000000"/>
+                </a:solidFill>
+                <a:latin typeface="Consolas" panose="020B0609020204030204" pitchFamily="49" charset="0"/>
+                <a:ea typeface="Calibri" panose="020F0502020204030204" pitchFamily="34" charset="0"/>
+                <a:cs typeface="Consolas" panose="020B0609020204030204" pitchFamily="49" charset="0"/>
+              </a:rPr>
+              <a:t>);</a:t>
+            </a:r>
+            <a:endParaRPr lang="en-US" sz="1400" dirty="0">
+              <a:latin typeface="Calibri" panose="020F0502020204030204" pitchFamily="34" charset="0"/>
+              <a:ea typeface="Calibri" panose="020F0502020204030204" pitchFamily="34" charset="0"/>
+              <a:cs typeface="Arial" panose="020B0604020202020204" pitchFamily="34" charset="0"/>
+            </a:endParaRPr>
+          </a:p>
+          <a:p>
+            <a:r>
+              <a:rPr lang="en-US" sz="1400" dirty="0">
+                <a:solidFill>
+                  <a:srgbClr val="000000"/>
+                </a:solidFill>
+                <a:latin typeface="Consolas" panose="020B0609020204030204" pitchFamily="49" charset="0"/>
+                <a:ea typeface="Calibri" panose="020F0502020204030204" pitchFamily="34" charset="0"/>
+                <a:cs typeface="Consolas" panose="020B0609020204030204" pitchFamily="49" charset="0"/>
+              </a:rPr>
+              <a:t>}</a:t>
+            </a:r>
+            <a:endParaRPr lang="he-IL" sz="1400" dirty="0"/>
           </a:p>
         </p:txBody>
       </p:sp>
     </p:spTree>
     <p:extLst>
       <p:ext uri="{BB962C8B-B14F-4D97-AF65-F5344CB8AC3E}">
-        <p14:creationId xmlns:p14="http://schemas.microsoft.com/office/powerpoint/2010/main" val="1260548343"/>
+        <p14:creationId xmlns:p14="http://schemas.microsoft.com/office/powerpoint/2010/main" val="2571850149"/>
       </p:ext>
     </p:extLst>
   </p:cSld>
@@ -8594,7 +10300,7 @@
           <a:p>
             <a:r>
               <a:rPr lang="en-US" dirty="0"/>
-              <a:t>XSS</a:t>
+              <a:t>Authentication Cookie</a:t>
             </a:r>
           </a:p>
         </p:txBody>
@@ -8665,45 +10371,47 @@
           <a:p>
             <a:r>
               <a:rPr lang="en-US" dirty="0"/>
-              <a:t>Cross site scripting</a:t>
-            </a:r>
-          </a:p>
-          <a:p>
-            <a:r>
-              <a:rPr lang="en-US" dirty="0"/>
-              <a:t>Attacker injects client side scripts into web page  viewed by other users</a:t>
-            </a:r>
-          </a:p>
-          <a:p>
-            <a:r>
-              <a:rPr lang="en-US" dirty="0"/>
-              <a:t>Allows attacker to bypass access control</a:t>
-            </a:r>
-          </a:p>
-          <a:p>
-            <a:r>
-              <a:rPr lang="en-US" dirty="0"/>
-              <a:t>Reported by Symantec at 2007 as 84% of all security vulnerability</a:t>
-            </a:r>
-          </a:p>
-          <a:p>
-            <a:endParaRPr lang="en-US" dirty="0"/>
-          </a:p>
-          <a:p>
-            <a:r>
-              <a:rPr lang="en-US" dirty="0"/>
-              <a:t>Not our interest</a:t>
-            </a:r>
-          </a:p>
-          <a:p>
-            <a:endParaRPr lang="en-US" dirty="0"/>
+              <a:t>Is encrypted</a:t>
+            </a:r>
+          </a:p>
+          <a:p>
+            <a:r>
+              <a:rPr lang="en-US" dirty="0"/>
+              <a:t>Has expiration</a:t>
+            </a:r>
+          </a:p>
+          <a:p>
+            <a:r>
+              <a:rPr lang="en-US" dirty="0"/>
+              <a:t>Usually contains user details such as</a:t>
+            </a:r>
+          </a:p>
+          <a:p>
+            <a:pPr lvl="1"/>
+            <a:r>
+              <a:rPr lang="en-US" dirty="0"/>
+              <a:t>Name</a:t>
+            </a:r>
+          </a:p>
+          <a:p>
+            <a:pPr lvl="1"/>
+            <a:r>
+              <a:rPr lang="en-US" dirty="0"/>
+              <a:t>Role/Claims</a:t>
+            </a:r>
+          </a:p>
+          <a:p>
+            <a:r>
+              <a:rPr lang="en-US" dirty="0"/>
+              <a:t>What is wrong with a cookie ?</a:t>
+            </a:r>
           </a:p>
         </p:txBody>
       </p:sp>
     </p:spTree>
     <p:extLst>
       <p:ext uri="{BB962C8B-B14F-4D97-AF65-F5344CB8AC3E}">
-        <p14:creationId xmlns:p14="http://schemas.microsoft.com/office/powerpoint/2010/main" val="4157624930"/>
+        <p14:creationId xmlns:p14="http://schemas.microsoft.com/office/powerpoint/2010/main" val="2790113021"/>
       </p:ext>
     </p:extLst>
   </p:cSld>
@@ -8747,7 +10455,7 @@
           <a:p>
             <a:r>
               <a:rPr lang="en-US" dirty="0"/>
-              <a:t>CSRF</a:t>
+              <a:t>Cross Origin Navigation</a:t>
             </a:r>
           </a:p>
         </p:txBody>
@@ -8813,52 +10521,51 @@
         </p:nvSpPr>
         <p:spPr/>
         <p:txBody>
-          <a:bodyPr/>
-          <a:lstStyle/>
-          <a:p>
-            <a:r>
-              <a:rPr lang="en-US" dirty="0"/>
-              <a:t>Cross site request forgery</a:t>
-            </a:r>
-          </a:p>
-          <a:p>
-            <a:r>
-              <a:rPr lang="en-US" dirty="0"/>
-              <a:t>Exploits the trust that a site has in a user’s browser</a:t>
-            </a:r>
-          </a:p>
-          <a:p>
-            <a:r>
-              <a:rPr lang="en-US" dirty="0"/>
-              <a:t>Probably under reported since the attacked web site logs the attack as usual activity</a:t>
-            </a:r>
-          </a:p>
-          <a:p>
-            <a:r>
-              <a:rPr lang="en-US" dirty="0"/>
-              <a:t>Well documented examples are: Netflix, </a:t>
+          <a:bodyPr>
+            <a:normAutofit/>
+          </a:bodyPr>
+          <a:lstStyle/>
+          <a:p>
+            <a:r>
+              <a:rPr lang="en-US" dirty="0"/>
+              <a:t>You login to Facebook</a:t>
+            </a:r>
+          </a:p>
+          <a:p>
+            <a:r>
+              <a:rPr lang="en-US" dirty="0"/>
+              <a:t>Inside a new browser instance you navigates inside arbitrary web site which offers a link to Facebook</a:t>
+            </a:r>
+          </a:p>
+          <a:p>
+            <a:r>
+              <a:rPr lang="en-US" dirty="0"/>
+              <a:t>Once clicking the link the browser is directed to Facebook</a:t>
+            </a:r>
+          </a:p>
+          <a:p>
+            <a:r>
+              <a:rPr lang="en-US" dirty="0"/>
+              <a:t>User is not asked to enter credential </a:t>
             </a:r>
             <a:r>
               <a:rPr lang="en-US" dirty="0" err="1"/>
-              <a:t>Youtube</a:t>
-            </a:r>
-            <a:r>
-              <a:rPr lang="en-US" dirty="0"/>
-              <a:t>, uTorrent, McAfee</a:t>
-            </a:r>
-          </a:p>
-          <a:p>
-            <a:pPr marL="365760" lvl="1" indent="0">
-              <a:buNone/>
-            </a:pPr>
+              <a:t>agains</a:t>
+            </a:r>
             <a:endParaRPr lang="en-US" dirty="0"/>
+          </a:p>
+          <a:p>
+            <a:r>
+              <a:rPr lang="en-US" dirty="0"/>
+              <a:t>It means the cookie was sent automatically by the browser malicious</a:t>
+            </a:r>
           </a:p>
         </p:txBody>
       </p:sp>
     </p:spTree>
     <p:extLst>
       <p:ext uri="{BB962C8B-B14F-4D97-AF65-F5344CB8AC3E}">
-        <p14:creationId xmlns:p14="http://schemas.microsoft.com/office/powerpoint/2010/main" val="2931906155"/>
+        <p14:creationId xmlns:p14="http://schemas.microsoft.com/office/powerpoint/2010/main" val="1260548343"/>
       </p:ext>
     </p:extLst>
   </p:cSld>
@@ -8902,7 +10609,7 @@
           <a:p>
             <a:r>
               <a:rPr lang="en-US" dirty="0"/>
-              <a:t>CSRF</a:t>
+              <a:t>XSS</a:t>
             </a:r>
           </a:p>
         </p:txBody>
@@ -8973,53 +10680,45 @@
           <a:p>
             <a:r>
               <a:rPr lang="en-US" dirty="0"/>
-              <a:t>User logs in to Facebook</a:t>
-            </a:r>
-          </a:p>
-          <a:p>
-            <a:r>
-              <a:rPr lang="en-US" dirty="0"/>
-              <a:t>User gets new email with a link to malicious website</a:t>
-            </a:r>
-          </a:p>
-          <a:p>
-            <a:r>
-              <a:rPr lang="en-US" dirty="0"/>
-              <a:t>User navigates to the malicious website</a:t>
-            </a:r>
-          </a:p>
-          <a:p>
-            <a:r>
-              <a:rPr lang="en-US" dirty="0"/>
-              <a:t>Malicious website uses JavaScript and send HTTP requests to Facebook without the user being aware</a:t>
-            </a:r>
-          </a:p>
-          <a:p>
-            <a:r>
-              <a:rPr lang="en-US" dirty="0"/>
-              <a:t>The requests may have side effects like</a:t>
-            </a:r>
-          </a:p>
-          <a:p>
-            <a:pPr lvl="1"/>
-            <a:r>
-              <a:rPr lang="en-US" dirty="0"/>
-              <a:t>Posting new message</a:t>
-            </a:r>
-          </a:p>
-          <a:p>
-            <a:pPr lvl="1"/>
-            <a:r>
-              <a:rPr lang="en-US" dirty="0"/>
-              <a:t>Change billing address</a:t>
-            </a:r>
+              <a:t>Cross site scripting</a:t>
+            </a:r>
+          </a:p>
+          <a:p>
+            <a:r>
+              <a:rPr lang="en-US" dirty="0"/>
+              <a:t>Attacker injects client side scripts into web page  viewed by other users</a:t>
+            </a:r>
+          </a:p>
+          <a:p>
+            <a:r>
+              <a:rPr lang="en-US" dirty="0"/>
+              <a:t>Allows attacker to bypass access control</a:t>
+            </a:r>
+          </a:p>
+          <a:p>
+            <a:r>
+              <a:rPr lang="en-US" dirty="0"/>
+              <a:t>Reported by Symantec at 2007 as 84% of all security vulnerability</a:t>
+            </a:r>
+          </a:p>
+          <a:p>
+            <a:endParaRPr lang="en-US" dirty="0"/>
+          </a:p>
+          <a:p>
+            <a:r>
+              <a:rPr lang="en-US" dirty="0"/>
+              <a:t>Not our interest</a:t>
+            </a:r>
+          </a:p>
+          <a:p>
+            <a:endParaRPr lang="en-US" dirty="0"/>
           </a:p>
         </p:txBody>
       </p:sp>
     </p:spTree>
     <p:extLst>
       <p:ext uri="{BB962C8B-B14F-4D97-AF65-F5344CB8AC3E}">
-        <p14:creationId xmlns:p14="http://schemas.microsoft.com/office/powerpoint/2010/main" val="4032166244"/>
+        <p14:creationId xmlns:p14="http://schemas.microsoft.com/office/powerpoint/2010/main" val="4157624930"/>
       </p:ext>
     </p:extLst>
   </p:cSld>
@@ -9063,7 +10762,7 @@
           <a:p>
             <a:r>
               <a:rPr lang="en-US" dirty="0"/>
-              <a:t>DEMO</a:t>
+              <a:t>CSRF</a:t>
             </a:r>
           </a:p>
         </p:txBody>
@@ -9134,21 +10833,47 @@
           <a:p>
             <a:r>
               <a:rPr lang="en-US" dirty="0"/>
-              <a:t>Create REST API with Cookie bases authentication</a:t>
-            </a:r>
-          </a:p>
-          <a:p>
-            <a:r>
-              <a:rPr lang="en-US" dirty="0"/>
-              <a:t>Demonstrates that malicious site can execute any REST API on behalf of a logged in user</a:t>
-            </a:r>
+              <a:t>Cross site request forgery</a:t>
+            </a:r>
+          </a:p>
+          <a:p>
+            <a:r>
+              <a:rPr lang="en-US" dirty="0"/>
+              <a:t>Exploits the trust that a site has in a user’s browser</a:t>
+            </a:r>
+          </a:p>
+          <a:p>
+            <a:r>
+              <a:rPr lang="en-US" dirty="0"/>
+              <a:t>Probably under reported since the attacked web site logs the attack as usual activity</a:t>
+            </a:r>
+          </a:p>
+          <a:p>
+            <a:r>
+              <a:rPr lang="en-US" dirty="0"/>
+              <a:t>Well documented examples are: Netflix, </a:t>
+            </a:r>
+            <a:r>
+              <a:rPr lang="en-US" dirty="0" err="1"/>
+              <a:t>Youtube</a:t>
+            </a:r>
+            <a:r>
+              <a:rPr lang="en-US" dirty="0"/>
+              <a:t>, uTorrent, McAfee</a:t>
+            </a:r>
+          </a:p>
+          <a:p>
+            <a:pPr marL="365760" lvl="1" indent="0">
+              <a:buNone/>
+            </a:pPr>
+            <a:endParaRPr lang="en-US" dirty="0"/>
           </a:p>
         </p:txBody>
       </p:sp>
     </p:spTree>
     <p:extLst>
       <p:ext uri="{BB962C8B-B14F-4D97-AF65-F5344CB8AC3E}">
-        <p14:creationId xmlns:p14="http://schemas.microsoft.com/office/powerpoint/2010/main" val="1863311139"/>
+        <p14:creationId xmlns:p14="http://schemas.microsoft.com/office/powerpoint/2010/main" val="2931906155"/>
       </p:ext>
     </p:extLst>
   </p:cSld>
@@ -9192,7 +10917,7 @@
           <a:p>
             <a:r>
               <a:rPr lang="en-US" dirty="0"/>
-              <a:t>Protect against CSRF</a:t>
+              <a:t>CSRF</a:t>
             </a:r>
           </a:p>
         </p:txBody>
@@ -9263,48 +10988,45 @@
           <a:p>
             <a:r>
               <a:rPr lang="en-US" dirty="0"/>
-              <a:t>New system</a:t>
+              <a:t>User logs in to Facebook</a:t>
+            </a:r>
+          </a:p>
+          <a:p>
+            <a:r>
+              <a:rPr lang="en-US" dirty="0"/>
+              <a:t>User gets new email with a link to malicious website</a:t>
+            </a:r>
+          </a:p>
+          <a:p>
+            <a:r>
+              <a:rPr lang="en-US" dirty="0"/>
+              <a:t>User navigates to the malicious website</a:t>
+            </a:r>
+          </a:p>
+          <a:p>
+            <a:r>
+              <a:rPr lang="en-US" dirty="0"/>
+              <a:t>Malicious website uses JavaScript and send HTTP requests to Facebook without the user being aware</a:t>
+            </a:r>
+          </a:p>
+          <a:p>
+            <a:r>
+              <a:rPr lang="en-US" dirty="0"/>
+              <a:t>The requests may have side effects like</a:t>
             </a:r>
           </a:p>
           <a:p>
             <a:pPr lvl="1"/>
             <a:r>
               <a:rPr lang="en-US" dirty="0"/>
-              <a:t>Use HTTP header instead of cookie</a:t>
+              <a:t>Posting new message</a:t>
             </a:r>
           </a:p>
           <a:p>
             <a:pPr lvl="1"/>
             <a:r>
               <a:rPr lang="en-US" dirty="0"/>
-              <a:t>Headers are not automatically sent by the browser</a:t>
-            </a:r>
-          </a:p>
-          <a:p>
-            <a:r>
-              <a:rPr lang="en-US" dirty="0"/>
-              <a:t>Legacy system</a:t>
-            </a:r>
-          </a:p>
-          <a:p>
-            <a:pPr lvl="1"/>
-            <a:r>
-              <a:rPr lang="en-US" dirty="0"/>
-              <a:t>require the presence of an HTTP header in addition to the cookie</a:t>
-            </a:r>
-          </a:p>
-          <a:p>
-            <a:pPr lvl="1"/>
-            <a:r>
-              <a:rPr lang="en-US" dirty="0"/>
-              <a:t>Only the authorizing origin has access to the cookie and can attach it as an header</a:t>
-            </a:r>
-          </a:p>
-          <a:p>
-            <a:pPr lvl="1"/>
-            <a:r>
-              <a:rPr lang="en-US" dirty="0"/>
-              <a:t>The web server compares cookie with header</a:t>
+              <a:t>Change billing address</a:t>
             </a:r>
           </a:p>
         </p:txBody>
@@ -9312,7 +11034,7 @@
     </p:spTree>
     <p:extLst>
       <p:ext uri="{BB962C8B-B14F-4D97-AF65-F5344CB8AC3E}">
-        <p14:creationId xmlns:p14="http://schemas.microsoft.com/office/powerpoint/2010/main" val="507671134"/>
+        <p14:creationId xmlns:p14="http://schemas.microsoft.com/office/powerpoint/2010/main" val="4032166244"/>
       </p:ext>
     </p:extLst>
   </p:cSld>
